--- a/04_CoMAX/04_Comax_Documentation.pptx
+++ b/04_CoMAX/04_Comax_Documentation.pptx
@@ -7,6 +7,7 @@
   <p:sldIdLst>
     <p:sldId id="256" r:id="rId2"/>
     <p:sldId id="257" r:id="rId3"/>
+    <p:sldId id="258" r:id="rId4"/>
   </p:sldIdLst>
   <p:sldSz cx="12192000" cy="6858000"/>
   <p:notesSz cx="6858000" cy="9144000"/>
@@ -3162,6 +3163,251 @@
 </p:sld>
 </file>
 
+<file path=ppt/slides/slide3.xml><?xml version="1.0" encoding="utf-8"?>
+<p:sld xmlns:a="http://schemas.openxmlformats.org/drawingml/2006/main" xmlns:r="http://schemas.openxmlformats.org/officeDocument/2006/relationships" xmlns:p="http://schemas.openxmlformats.org/presentationml/2006/main">
+  <p:cSld>
+    <p:spTree>
+      <p:nvGrpSpPr>
+        <p:cNvPr id="1" name=""/>
+        <p:cNvGrpSpPr/>
+        <p:nvPr/>
+      </p:nvGrpSpPr>
+      <p:grpSpPr>
+        <a:xfrm>
+          <a:off x="0" y="0"/>
+          <a:ext cx="0" cy="0"/>
+          <a:chOff x="0" y="0"/>
+          <a:chExt cx="0" cy="0"/>
+        </a:xfrm>
+      </p:grpSpPr>
+      <p:pic>
+        <p:nvPicPr>
+          <p:cNvPr id="4" name="Image 3"/>
+          <p:cNvPicPr>
+            <a:picLocks noChangeAspect="1"/>
+          </p:cNvPicPr>
+          <p:nvPr/>
+        </p:nvPicPr>
+        <p:blipFill>
+          <a:blip r:embed="rId2"/>
+          <a:stretch>
+            <a:fillRect/>
+          </a:stretch>
+        </p:blipFill>
+        <p:spPr>
+          <a:xfrm>
+            <a:off x="2347275" y="754336"/>
+            <a:ext cx="6856428" cy="5104230"/>
+          </a:xfrm>
+          <a:prstGeom prst="rect">
+            <a:avLst/>
+          </a:prstGeom>
+          <a:ln w="57150">
+            <a:noFill/>
+          </a:ln>
+        </p:spPr>
+      </p:pic>
+      <p:sp>
+        <p:nvSpPr>
+          <p:cNvPr id="6" name="Rectangle 5"/>
+          <p:cNvSpPr/>
+          <p:nvPr/>
+        </p:nvSpPr>
+        <p:spPr>
+          <a:xfrm>
+            <a:off x="2347275" y="4515439"/>
+            <a:ext cx="1838226" cy="1343127"/>
+          </a:xfrm>
+          <a:prstGeom prst="rect">
+            <a:avLst/>
+          </a:prstGeom>
+          <a:noFill/>
+          <a:ln w="57150">
+            <a:solidFill>
+              <a:srgbClr val="FF0000"/>
+            </a:solidFill>
+          </a:ln>
+        </p:spPr>
+        <p:style>
+          <a:lnRef idx="2">
+            <a:schemeClr val="accent1">
+              <a:shade val="50000"/>
+            </a:schemeClr>
+          </a:lnRef>
+          <a:fillRef idx="1">
+            <a:schemeClr val="accent1"/>
+          </a:fillRef>
+          <a:effectRef idx="0">
+            <a:schemeClr val="accent1"/>
+          </a:effectRef>
+          <a:fontRef idx="minor">
+            <a:schemeClr val="lt1"/>
+          </a:fontRef>
+        </p:style>
+        <p:txBody>
+          <a:bodyPr rtlCol="0" anchor="ctr"/>
+          <a:lstStyle/>
+          <a:p>
+            <a:pPr algn="ctr"/>
+            <a:endParaRPr lang="fr-FR"/>
+          </a:p>
+        </p:txBody>
+      </p:sp>
+      <p:sp>
+        <p:nvSpPr>
+          <p:cNvPr id="9" name="Rectangle 8"/>
+          <p:cNvSpPr/>
+          <p:nvPr/>
+        </p:nvSpPr>
+        <p:spPr>
+          <a:xfrm>
+            <a:off x="6260970" y="1311897"/>
+            <a:ext cx="827987" cy="328368"/>
+          </a:xfrm>
+          <a:prstGeom prst="rect">
+            <a:avLst/>
+          </a:prstGeom>
+          <a:noFill/>
+          <a:ln w="57150">
+            <a:solidFill>
+              <a:srgbClr val="FF0000"/>
+            </a:solidFill>
+          </a:ln>
+        </p:spPr>
+        <p:style>
+          <a:lnRef idx="2">
+            <a:schemeClr val="accent1">
+              <a:shade val="50000"/>
+            </a:schemeClr>
+          </a:lnRef>
+          <a:fillRef idx="1">
+            <a:schemeClr val="accent1"/>
+          </a:fillRef>
+          <a:effectRef idx="0">
+            <a:schemeClr val="accent1"/>
+          </a:effectRef>
+          <a:fontRef idx="minor">
+            <a:schemeClr val="lt1"/>
+          </a:fontRef>
+        </p:style>
+        <p:txBody>
+          <a:bodyPr rtlCol="0" anchor="ctr"/>
+          <a:lstStyle/>
+          <a:p>
+            <a:pPr algn="ctr"/>
+            <a:endParaRPr lang="fr-FR"/>
+          </a:p>
+        </p:txBody>
+      </p:sp>
+      <p:sp>
+        <p:nvSpPr>
+          <p:cNvPr id="10" name="Flèche droite 9"/>
+          <p:cNvSpPr/>
+          <p:nvPr/>
+        </p:nvSpPr>
+        <p:spPr>
+          <a:xfrm>
+            <a:off x="5033914" y="1188563"/>
+            <a:ext cx="1160920" cy="575035"/>
+          </a:xfrm>
+          <a:prstGeom prst="rightArrow">
+            <a:avLst/>
+          </a:prstGeom>
+          <a:solidFill>
+            <a:srgbClr val="FF0000"/>
+          </a:solidFill>
+          <a:ln w="57150">
+            <a:solidFill>
+              <a:srgbClr val="FF0000"/>
+            </a:solidFill>
+          </a:ln>
+        </p:spPr>
+        <p:style>
+          <a:lnRef idx="2">
+            <a:schemeClr val="accent1">
+              <a:shade val="50000"/>
+            </a:schemeClr>
+          </a:lnRef>
+          <a:fillRef idx="1">
+            <a:schemeClr val="accent1"/>
+          </a:fillRef>
+          <a:effectRef idx="0">
+            <a:schemeClr val="accent1"/>
+          </a:effectRef>
+          <a:fontRef idx="minor">
+            <a:schemeClr val="lt1"/>
+          </a:fontRef>
+        </p:style>
+        <p:txBody>
+          <a:bodyPr rtlCol="0" anchor="ctr"/>
+          <a:lstStyle/>
+          <a:p>
+            <a:pPr algn="ctr"/>
+            <a:endParaRPr lang="fr-FR"/>
+          </a:p>
+        </p:txBody>
+      </p:sp>
+      <p:sp>
+        <p:nvSpPr>
+          <p:cNvPr id="11" name="Flèche droite 10"/>
+          <p:cNvSpPr/>
+          <p:nvPr/>
+        </p:nvSpPr>
+        <p:spPr>
+          <a:xfrm rot="5400000">
+            <a:off x="2685927" y="3599394"/>
+            <a:ext cx="1160920" cy="575035"/>
+          </a:xfrm>
+          <a:prstGeom prst="rightArrow">
+            <a:avLst/>
+          </a:prstGeom>
+          <a:solidFill>
+            <a:srgbClr val="FF0000"/>
+          </a:solidFill>
+          <a:ln w="57150">
+            <a:solidFill>
+              <a:srgbClr val="FF0000"/>
+            </a:solidFill>
+          </a:ln>
+        </p:spPr>
+        <p:style>
+          <a:lnRef idx="2">
+            <a:schemeClr val="accent1">
+              <a:shade val="50000"/>
+            </a:schemeClr>
+          </a:lnRef>
+          <a:fillRef idx="1">
+            <a:schemeClr val="accent1"/>
+          </a:fillRef>
+          <a:effectRef idx="0">
+            <a:schemeClr val="accent1"/>
+          </a:effectRef>
+          <a:fontRef idx="minor">
+            <a:schemeClr val="lt1"/>
+          </a:fontRef>
+        </p:style>
+        <p:txBody>
+          <a:bodyPr rtlCol="0" anchor="ctr"/>
+          <a:lstStyle/>
+          <a:p>
+            <a:pPr algn="ctr"/>
+            <a:endParaRPr lang="fr-FR"/>
+          </a:p>
+        </p:txBody>
+      </p:sp>
+    </p:spTree>
+    <p:extLst>
+      <p:ext uri="{BB962C8B-B14F-4D97-AF65-F5344CB8AC3E}">
+        <p14:creationId xmlns:p14="http://schemas.microsoft.com/office/powerpoint/2010/main" val="11797378"/>
+      </p:ext>
+    </p:extLst>
+  </p:cSld>
+  <p:clrMapOvr>
+    <a:masterClrMapping/>
+  </p:clrMapOvr>
+</p:sld>
+</file>
+
 <file path=ppt/theme/theme1.xml><?xml version="1.0" encoding="utf-8"?>
 <a:theme xmlns:a="http://schemas.openxmlformats.org/drawingml/2006/main" name="Thème Office">
   <a:themeElements>

--- a/04_CoMAX/04_Comax_Documentation.pptx
+++ b/04_CoMAX/04_Comax_Documentation.pptx
@@ -8,6 +8,8 @@
     <p:sldId id="256" r:id="rId2"/>
     <p:sldId id="257" r:id="rId3"/>
     <p:sldId id="258" r:id="rId4"/>
+    <p:sldId id="259" r:id="rId5"/>
+    <p:sldId id="260" r:id="rId6"/>
   </p:sldIdLst>
   <p:sldSz cx="12192000" cy="6858000"/>
   <p:notesSz cx="6858000" cy="9144000"/>
@@ -167,10 +169,9 @@
           </a:lstStyle>
           <a:p>
             <a:r>
-              <a:rPr lang="fr-FR" smtClean="0"/>
+              <a:rPr lang="fr-FR"/>
               <a:t>Modifiez le style du titre</a:t>
             </a:r>
-            <a:endParaRPr lang="fr-FR"/>
           </a:p>
         </p:txBody>
       </p:sp>
@@ -232,10 +233,9 @@
           </a:lstStyle>
           <a:p>
             <a:r>
-              <a:rPr lang="fr-FR" smtClean="0"/>
+              <a:rPr lang="fr-FR"/>
               <a:t>Modifier le style des sous-titres du masque</a:t>
             </a:r>
-            <a:endParaRPr lang="fr-FR"/>
           </a:p>
         </p:txBody>
       </p:sp>
@@ -256,7 +256,7 @@
           <a:p>
             <a:fld id="{E2A59C7C-0414-41C0-B3E9-D515AFE7EFD4}" type="datetimeFigureOut">
               <a:rPr lang="fr-FR" smtClean="0"/>
-              <a:t>11/04/2024</a:t>
+              <a:t>27/01/2025</a:t>
             </a:fld>
             <a:endParaRPr lang="fr-FR"/>
           </a:p>
@@ -350,10 +350,9 @@
           <a:lstStyle/>
           <a:p>
             <a:r>
-              <a:rPr lang="fr-FR" smtClean="0"/>
+              <a:rPr lang="fr-FR"/>
               <a:t>Modifiez le style du titre</a:t>
             </a:r>
-            <a:endParaRPr lang="fr-FR"/>
           </a:p>
         </p:txBody>
       </p:sp>
@@ -374,38 +373,37 @@
           <a:p>
             <a:pPr lvl="0"/>
             <a:r>
-              <a:rPr lang="fr-FR" smtClean="0"/>
+              <a:rPr lang="fr-FR"/>
               <a:t>Modifier les styles du texte du masque</a:t>
             </a:r>
           </a:p>
           <a:p>
             <a:pPr lvl="1"/>
             <a:r>
-              <a:rPr lang="fr-FR" smtClean="0"/>
+              <a:rPr lang="fr-FR"/>
               <a:t>Deuxième niveau</a:t>
             </a:r>
           </a:p>
           <a:p>
             <a:pPr lvl="2"/>
             <a:r>
-              <a:rPr lang="fr-FR" smtClean="0"/>
+              <a:rPr lang="fr-FR"/>
               <a:t>Troisième niveau</a:t>
             </a:r>
           </a:p>
           <a:p>
             <a:pPr lvl="3"/>
             <a:r>
-              <a:rPr lang="fr-FR" smtClean="0"/>
+              <a:rPr lang="fr-FR"/>
               <a:t>Quatrième niveau</a:t>
             </a:r>
           </a:p>
           <a:p>
             <a:pPr lvl="4"/>
             <a:r>
-              <a:rPr lang="fr-FR" smtClean="0"/>
+              <a:rPr lang="fr-FR"/>
               <a:t>Cinquième niveau</a:t>
             </a:r>
-            <a:endParaRPr lang="fr-FR"/>
           </a:p>
         </p:txBody>
       </p:sp>
@@ -426,7 +424,7 @@
           <a:p>
             <a:fld id="{E2A59C7C-0414-41C0-B3E9-D515AFE7EFD4}" type="datetimeFigureOut">
               <a:rPr lang="fr-FR" smtClean="0"/>
-              <a:t>11/04/2024</a:t>
+              <a:t>27/01/2025</a:t>
             </a:fld>
             <a:endParaRPr lang="fr-FR"/>
           </a:p>
@@ -525,10 +523,9 @@
           <a:lstStyle/>
           <a:p>
             <a:r>
-              <a:rPr lang="fr-FR" smtClean="0"/>
+              <a:rPr lang="fr-FR"/>
               <a:t>Modifiez le style du titre</a:t>
             </a:r>
-            <a:endParaRPr lang="fr-FR"/>
           </a:p>
         </p:txBody>
       </p:sp>
@@ -554,38 +551,37 @@
           <a:p>
             <a:pPr lvl="0"/>
             <a:r>
-              <a:rPr lang="fr-FR" smtClean="0"/>
+              <a:rPr lang="fr-FR"/>
               <a:t>Modifier les styles du texte du masque</a:t>
             </a:r>
           </a:p>
           <a:p>
             <a:pPr lvl="1"/>
             <a:r>
-              <a:rPr lang="fr-FR" smtClean="0"/>
+              <a:rPr lang="fr-FR"/>
               <a:t>Deuxième niveau</a:t>
             </a:r>
           </a:p>
           <a:p>
             <a:pPr lvl="2"/>
             <a:r>
-              <a:rPr lang="fr-FR" smtClean="0"/>
+              <a:rPr lang="fr-FR"/>
               <a:t>Troisième niveau</a:t>
             </a:r>
           </a:p>
           <a:p>
             <a:pPr lvl="3"/>
             <a:r>
-              <a:rPr lang="fr-FR" smtClean="0"/>
+              <a:rPr lang="fr-FR"/>
               <a:t>Quatrième niveau</a:t>
             </a:r>
           </a:p>
           <a:p>
             <a:pPr lvl="4"/>
             <a:r>
-              <a:rPr lang="fr-FR" smtClean="0"/>
+              <a:rPr lang="fr-FR"/>
               <a:t>Cinquième niveau</a:t>
             </a:r>
-            <a:endParaRPr lang="fr-FR"/>
           </a:p>
         </p:txBody>
       </p:sp>
@@ -606,7 +602,7 @@
           <a:p>
             <a:fld id="{E2A59C7C-0414-41C0-B3E9-D515AFE7EFD4}" type="datetimeFigureOut">
               <a:rPr lang="fr-FR" smtClean="0"/>
-              <a:t>11/04/2024</a:t>
+              <a:t>27/01/2025</a:t>
             </a:fld>
             <a:endParaRPr lang="fr-FR"/>
           </a:p>
@@ -700,10 +696,9 @@
           <a:lstStyle/>
           <a:p>
             <a:r>
-              <a:rPr lang="fr-FR" smtClean="0"/>
+              <a:rPr lang="fr-FR"/>
               <a:t>Modifiez le style du titre</a:t>
             </a:r>
-            <a:endParaRPr lang="fr-FR"/>
           </a:p>
         </p:txBody>
       </p:sp>
@@ -724,38 +719,37 @@
           <a:p>
             <a:pPr lvl="0"/>
             <a:r>
-              <a:rPr lang="fr-FR" smtClean="0"/>
+              <a:rPr lang="fr-FR"/>
               <a:t>Modifier les styles du texte du masque</a:t>
             </a:r>
           </a:p>
           <a:p>
             <a:pPr lvl="1"/>
             <a:r>
-              <a:rPr lang="fr-FR" smtClean="0"/>
+              <a:rPr lang="fr-FR"/>
               <a:t>Deuxième niveau</a:t>
             </a:r>
           </a:p>
           <a:p>
             <a:pPr lvl="2"/>
             <a:r>
-              <a:rPr lang="fr-FR" smtClean="0"/>
+              <a:rPr lang="fr-FR"/>
               <a:t>Troisième niveau</a:t>
             </a:r>
           </a:p>
           <a:p>
             <a:pPr lvl="3"/>
             <a:r>
-              <a:rPr lang="fr-FR" smtClean="0"/>
+              <a:rPr lang="fr-FR"/>
               <a:t>Quatrième niveau</a:t>
             </a:r>
           </a:p>
           <a:p>
             <a:pPr lvl="4"/>
             <a:r>
-              <a:rPr lang="fr-FR" smtClean="0"/>
+              <a:rPr lang="fr-FR"/>
               <a:t>Cinquième niveau</a:t>
             </a:r>
-            <a:endParaRPr lang="fr-FR"/>
           </a:p>
         </p:txBody>
       </p:sp>
@@ -776,7 +770,7 @@
           <a:p>
             <a:fld id="{E2A59C7C-0414-41C0-B3E9-D515AFE7EFD4}" type="datetimeFigureOut">
               <a:rPr lang="fr-FR" smtClean="0"/>
-              <a:t>11/04/2024</a:t>
+              <a:t>27/01/2025</a:t>
             </a:fld>
             <a:endParaRPr lang="fr-FR"/>
           </a:p>
@@ -879,10 +873,9 @@
           </a:lstStyle>
           <a:p>
             <a:r>
-              <a:rPr lang="fr-FR" smtClean="0"/>
+              <a:rPr lang="fr-FR"/>
               <a:t>Modifiez le style du titre</a:t>
             </a:r>
-            <a:endParaRPr lang="fr-FR"/>
           </a:p>
         </p:txBody>
       </p:sp>
@@ -999,7 +992,7 @@
           <a:p>
             <a:pPr lvl="0"/>
             <a:r>
-              <a:rPr lang="fr-FR" smtClean="0"/>
+              <a:rPr lang="fr-FR"/>
               <a:t>Modifier les styles du texte du masque</a:t>
             </a:r>
           </a:p>
@@ -1022,7 +1015,7 @@
           <a:p>
             <a:fld id="{E2A59C7C-0414-41C0-B3E9-D515AFE7EFD4}" type="datetimeFigureOut">
               <a:rPr lang="fr-FR" smtClean="0"/>
-              <a:t>11/04/2024</a:t>
+              <a:t>27/01/2025</a:t>
             </a:fld>
             <a:endParaRPr lang="fr-FR"/>
           </a:p>
@@ -1116,10 +1109,9 @@
           <a:lstStyle/>
           <a:p>
             <a:r>
-              <a:rPr lang="fr-FR" smtClean="0"/>
+              <a:rPr lang="fr-FR"/>
               <a:t>Modifiez le style du titre</a:t>
             </a:r>
-            <a:endParaRPr lang="fr-FR"/>
           </a:p>
         </p:txBody>
       </p:sp>
@@ -1145,38 +1137,37 @@
           <a:p>
             <a:pPr lvl="0"/>
             <a:r>
-              <a:rPr lang="fr-FR" smtClean="0"/>
+              <a:rPr lang="fr-FR"/>
               <a:t>Modifier les styles du texte du masque</a:t>
             </a:r>
           </a:p>
           <a:p>
             <a:pPr lvl="1"/>
             <a:r>
-              <a:rPr lang="fr-FR" smtClean="0"/>
+              <a:rPr lang="fr-FR"/>
               <a:t>Deuxième niveau</a:t>
             </a:r>
           </a:p>
           <a:p>
             <a:pPr lvl="2"/>
             <a:r>
-              <a:rPr lang="fr-FR" smtClean="0"/>
+              <a:rPr lang="fr-FR"/>
               <a:t>Troisième niveau</a:t>
             </a:r>
           </a:p>
           <a:p>
             <a:pPr lvl="3"/>
             <a:r>
-              <a:rPr lang="fr-FR" smtClean="0"/>
+              <a:rPr lang="fr-FR"/>
               <a:t>Quatrième niveau</a:t>
             </a:r>
           </a:p>
           <a:p>
             <a:pPr lvl="4"/>
             <a:r>
-              <a:rPr lang="fr-FR" smtClean="0"/>
+              <a:rPr lang="fr-FR"/>
               <a:t>Cinquième niveau</a:t>
             </a:r>
-            <a:endParaRPr lang="fr-FR"/>
           </a:p>
         </p:txBody>
       </p:sp>
@@ -1202,38 +1193,37 @@
           <a:p>
             <a:pPr lvl="0"/>
             <a:r>
-              <a:rPr lang="fr-FR" smtClean="0"/>
+              <a:rPr lang="fr-FR"/>
               <a:t>Modifier les styles du texte du masque</a:t>
             </a:r>
           </a:p>
           <a:p>
             <a:pPr lvl="1"/>
             <a:r>
-              <a:rPr lang="fr-FR" smtClean="0"/>
+              <a:rPr lang="fr-FR"/>
               <a:t>Deuxième niveau</a:t>
             </a:r>
           </a:p>
           <a:p>
             <a:pPr lvl="2"/>
             <a:r>
-              <a:rPr lang="fr-FR" smtClean="0"/>
+              <a:rPr lang="fr-FR"/>
               <a:t>Troisième niveau</a:t>
             </a:r>
           </a:p>
           <a:p>
             <a:pPr lvl="3"/>
             <a:r>
-              <a:rPr lang="fr-FR" smtClean="0"/>
+              <a:rPr lang="fr-FR"/>
               <a:t>Quatrième niveau</a:t>
             </a:r>
           </a:p>
           <a:p>
             <a:pPr lvl="4"/>
             <a:r>
-              <a:rPr lang="fr-FR" smtClean="0"/>
+              <a:rPr lang="fr-FR"/>
               <a:t>Cinquième niveau</a:t>
             </a:r>
-            <a:endParaRPr lang="fr-FR"/>
           </a:p>
         </p:txBody>
       </p:sp>
@@ -1254,7 +1244,7 @@
           <a:p>
             <a:fld id="{E2A59C7C-0414-41C0-B3E9-D515AFE7EFD4}" type="datetimeFigureOut">
               <a:rPr lang="fr-FR" smtClean="0"/>
-              <a:t>11/04/2024</a:t>
+              <a:t>27/01/2025</a:t>
             </a:fld>
             <a:endParaRPr lang="fr-FR"/>
           </a:p>
@@ -1353,10 +1343,9 @@
           <a:lstStyle/>
           <a:p>
             <a:r>
-              <a:rPr lang="fr-FR" smtClean="0"/>
+              <a:rPr lang="fr-FR"/>
               <a:t>Modifiez le style du titre</a:t>
             </a:r>
-            <a:endParaRPr lang="fr-FR"/>
           </a:p>
         </p:txBody>
       </p:sp>
@@ -1419,7 +1408,7 @@
           <a:p>
             <a:pPr lvl="0"/>
             <a:r>
-              <a:rPr lang="fr-FR" smtClean="0"/>
+              <a:rPr lang="fr-FR"/>
               <a:t>Modifier les styles du texte du masque</a:t>
             </a:r>
           </a:p>
@@ -1447,38 +1436,37 @@
           <a:p>
             <a:pPr lvl="0"/>
             <a:r>
-              <a:rPr lang="fr-FR" smtClean="0"/>
+              <a:rPr lang="fr-FR"/>
               <a:t>Modifier les styles du texte du masque</a:t>
             </a:r>
           </a:p>
           <a:p>
             <a:pPr lvl="1"/>
             <a:r>
-              <a:rPr lang="fr-FR" smtClean="0"/>
+              <a:rPr lang="fr-FR"/>
               <a:t>Deuxième niveau</a:t>
             </a:r>
           </a:p>
           <a:p>
             <a:pPr lvl="2"/>
             <a:r>
-              <a:rPr lang="fr-FR" smtClean="0"/>
+              <a:rPr lang="fr-FR"/>
               <a:t>Troisième niveau</a:t>
             </a:r>
           </a:p>
           <a:p>
             <a:pPr lvl="3"/>
             <a:r>
-              <a:rPr lang="fr-FR" smtClean="0"/>
+              <a:rPr lang="fr-FR"/>
               <a:t>Quatrième niveau</a:t>
             </a:r>
           </a:p>
           <a:p>
             <a:pPr lvl="4"/>
             <a:r>
-              <a:rPr lang="fr-FR" smtClean="0"/>
+              <a:rPr lang="fr-FR"/>
               <a:t>Cinquième niveau</a:t>
             </a:r>
-            <a:endParaRPr lang="fr-FR"/>
           </a:p>
         </p:txBody>
       </p:sp>
@@ -1541,7 +1529,7 @@
           <a:p>
             <a:pPr lvl="0"/>
             <a:r>
-              <a:rPr lang="fr-FR" smtClean="0"/>
+              <a:rPr lang="fr-FR"/>
               <a:t>Modifier les styles du texte du masque</a:t>
             </a:r>
           </a:p>
@@ -1569,38 +1557,37 @@
           <a:p>
             <a:pPr lvl="0"/>
             <a:r>
-              <a:rPr lang="fr-FR" smtClean="0"/>
+              <a:rPr lang="fr-FR"/>
               <a:t>Modifier les styles du texte du masque</a:t>
             </a:r>
           </a:p>
           <a:p>
             <a:pPr lvl="1"/>
             <a:r>
-              <a:rPr lang="fr-FR" smtClean="0"/>
+              <a:rPr lang="fr-FR"/>
               <a:t>Deuxième niveau</a:t>
             </a:r>
           </a:p>
           <a:p>
             <a:pPr lvl="2"/>
             <a:r>
-              <a:rPr lang="fr-FR" smtClean="0"/>
+              <a:rPr lang="fr-FR"/>
               <a:t>Troisième niveau</a:t>
             </a:r>
           </a:p>
           <a:p>
             <a:pPr lvl="3"/>
             <a:r>
-              <a:rPr lang="fr-FR" smtClean="0"/>
+              <a:rPr lang="fr-FR"/>
               <a:t>Quatrième niveau</a:t>
             </a:r>
           </a:p>
           <a:p>
             <a:pPr lvl="4"/>
             <a:r>
-              <a:rPr lang="fr-FR" smtClean="0"/>
+              <a:rPr lang="fr-FR"/>
               <a:t>Cinquième niveau</a:t>
             </a:r>
-            <a:endParaRPr lang="fr-FR"/>
           </a:p>
         </p:txBody>
       </p:sp>
@@ -1621,7 +1608,7 @@
           <a:p>
             <a:fld id="{E2A59C7C-0414-41C0-B3E9-D515AFE7EFD4}" type="datetimeFigureOut">
               <a:rPr lang="fr-FR" smtClean="0"/>
-              <a:t>11/04/2024</a:t>
+              <a:t>27/01/2025</a:t>
             </a:fld>
             <a:endParaRPr lang="fr-FR"/>
           </a:p>
@@ -1715,10 +1702,9 @@
           <a:lstStyle/>
           <a:p>
             <a:r>
-              <a:rPr lang="fr-FR" smtClean="0"/>
+              <a:rPr lang="fr-FR"/>
               <a:t>Modifiez le style du titre</a:t>
             </a:r>
-            <a:endParaRPr lang="fr-FR"/>
           </a:p>
         </p:txBody>
       </p:sp>
@@ -1739,7 +1725,7 @@
           <a:p>
             <a:fld id="{E2A59C7C-0414-41C0-B3E9-D515AFE7EFD4}" type="datetimeFigureOut">
               <a:rPr lang="fr-FR" smtClean="0"/>
-              <a:t>11/04/2024</a:t>
+              <a:t>27/01/2025</a:t>
             </a:fld>
             <a:endParaRPr lang="fr-FR"/>
           </a:p>
@@ -1834,7 +1820,7 @@
           <a:p>
             <a:fld id="{E2A59C7C-0414-41C0-B3E9-D515AFE7EFD4}" type="datetimeFigureOut">
               <a:rPr lang="fr-FR" smtClean="0"/>
-              <a:t>11/04/2024</a:t>
+              <a:t>27/01/2025</a:t>
             </a:fld>
             <a:endParaRPr lang="fr-FR"/>
           </a:p>
@@ -1937,10 +1923,9 @@
           </a:lstStyle>
           <a:p>
             <a:r>
-              <a:rPr lang="fr-FR" smtClean="0"/>
+              <a:rPr lang="fr-FR"/>
               <a:t>Modifiez le style du titre</a:t>
             </a:r>
-            <a:endParaRPr lang="fr-FR"/>
           </a:p>
         </p:txBody>
       </p:sp>
@@ -1994,38 +1979,37 @@
           <a:p>
             <a:pPr lvl="0"/>
             <a:r>
-              <a:rPr lang="fr-FR" smtClean="0"/>
+              <a:rPr lang="fr-FR"/>
               <a:t>Modifier les styles du texte du masque</a:t>
             </a:r>
           </a:p>
           <a:p>
             <a:pPr lvl="1"/>
             <a:r>
-              <a:rPr lang="fr-FR" smtClean="0"/>
+              <a:rPr lang="fr-FR"/>
               <a:t>Deuxième niveau</a:t>
             </a:r>
           </a:p>
           <a:p>
             <a:pPr lvl="2"/>
             <a:r>
-              <a:rPr lang="fr-FR" smtClean="0"/>
+              <a:rPr lang="fr-FR"/>
               <a:t>Troisième niveau</a:t>
             </a:r>
           </a:p>
           <a:p>
             <a:pPr lvl="3"/>
             <a:r>
-              <a:rPr lang="fr-FR" smtClean="0"/>
+              <a:rPr lang="fr-FR"/>
               <a:t>Quatrième niveau</a:t>
             </a:r>
           </a:p>
           <a:p>
             <a:pPr lvl="4"/>
             <a:r>
-              <a:rPr lang="fr-FR" smtClean="0"/>
+              <a:rPr lang="fr-FR"/>
               <a:t>Cinquième niveau</a:t>
             </a:r>
-            <a:endParaRPr lang="fr-FR"/>
           </a:p>
         </p:txBody>
       </p:sp>
@@ -2088,7 +2072,7 @@
           <a:p>
             <a:pPr lvl="0"/>
             <a:r>
-              <a:rPr lang="fr-FR" smtClean="0"/>
+              <a:rPr lang="fr-FR"/>
               <a:t>Modifier les styles du texte du masque</a:t>
             </a:r>
           </a:p>
@@ -2111,7 +2095,7 @@
           <a:p>
             <a:fld id="{E2A59C7C-0414-41C0-B3E9-D515AFE7EFD4}" type="datetimeFigureOut">
               <a:rPr lang="fr-FR" smtClean="0"/>
-              <a:t>11/04/2024</a:t>
+              <a:t>27/01/2025</a:t>
             </a:fld>
             <a:endParaRPr lang="fr-FR"/>
           </a:p>
@@ -2214,10 +2198,9 @@
           </a:lstStyle>
           <a:p>
             <a:r>
-              <a:rPr lang="fr-FR" smtClean="0"/>
+              <a:rPr lang="fr-FR"/>
               <a:t>Modifiez le style du titre</a:t>
             </a:r>
-            <a:endParaRPr lang="fr-FR"/>
           </a:p>
         </p:txBody>
       </p:sp>
@@ -2341,7 +2324,7 @@
           <a:p>
             <a:pPr lvl="0"/>
             <a:r>
-              <a:rPr lang="fr-FR" smtClean="0"/>
+              <a:rPr lang="fr-FR"/>
               <a:t>Modifier les styles du texte du masque</a:t>
             </a:r>
           </a:p>
@@ -2364,7 +2347,7 @@
           <a:p>
             <a:fld id="{E2A59C7C-0414-41C0-B3E9-D515AFE7EFD4}" type="datetimeFigureOut">
               <a:rPr lang="fr-FR" smtClean="0"/>
-              <a:t>11/04/2024</a:t>
+              <a:t>27/01/2025</a:t>
             </a:fld>
             <a:endParaRPr lang="fr-FR"/>
           </a:p>
@@ -2473,10 +2456,9 @@
           <a:lstStyle/>
           <a:p>
             <a:r>
-              <a:rPr lang="fr-FR" smtClean="0"/>
+              <a:rPr lang="fr-FR"/>
               <a:t>Modifiez le style du titre</a:t>
             </a:r>
-            <a:endParaRPr lang="fr-FR"/>
           </a:p>
         </p:txBody>
       </p:sp>
@@ -2507,38 +2489,37 @@
           <a:p>
             <a:pPr lvl="0"/>
             <a:r>
-              <a:rPr lang="fr-FR" smtClean="0"/>
+              <a:rPr lang="fr-FR"/>
               <a:t>Modifier les styles du texte du masque</a:t>
             </a:r>
           </a:p>
           <a:p>
             <a:pPr lvl="1"/>
             <a:r>
-              <a:rPr lang="fr-FR" smtClean="0"/>
+              <a:rPr lang="fr-FR"/>
               <a:t>Deuxième niveau</a:t>
             </a:r>
           </a:p>
           <a:p>
             <a:pPr lvl="2"/>
             <a:r>
-              <a:rPr lang="fr-FR" smtClean="0"/>
+              <a:rPr lang="fr-FR"/>
               <a:t>Troisième niveau</a:t>
             </a:r>
           </a:p>
           <a:p>
             <a:pPr lvl="3"/>
             <a:r>
-              <a:rPr lang="fr-FR" smtClean="0"/>
+              <a:rPr lang="fr-FR"/>
               <a:t>Quatrième niveau</a:t>
             </a:r>
           </a:p>
           <a:p>
             <a:pPr lvl="4"/>
             <a:r>
-              <a:rPr lang="fr-FR" smtClean="0"/>
+              <a:rPr lang="fr-FR"/>
               <a:t>Cinquième niveau</a:t>
             </a:r>
-            <a:endParaRPr lang="fr-FR"/>
           </a:p>
         </p:txBody>
       </p:sp>
@@ -2577,7 +2558,7 @@
           <a:p>
             <a:fld id="{E2A59C7C-0414-41C0-B3E9-D515AFE7EFD4}" type="datetimeFigureOut">
               <a:rPr lang="fr-FR" smtClean="0"/>
-              <a:t>11/04/2024</a:t>
+              <a:t>27/01/2025</a:t>
             </a:fld>
             <a:endParaRPr lang="fr-FR"/>
           </a:p>
@@ -3143,10 +3124,9 @@
           <a:lstStyle/>
           <a:p>
             <a:r>
-              <a:rPr lang="fr-FR" sz="4400" dirty="0" smtClean="0"/>
+              <a:rPr lang="fr-FR" sz="4400" dirty="0"/>
               <a:t>Poignée</a:t>
             </a:r>
-            <a:endParaRPr lang="fr-FR" sz="4400" dirty="0"/>
           </a:p>
         </p:txBody>
       </p:sp>
@@ -3399,6 +3379,638 @@
     <p:extLst>
       <p:ext uri="{BB962C8B-B14F-4D97-AF65-F5344CB8AC3E}">
         <p14:creationId xmlns:p14="http://schemas.microsoft.com/office/powerpoint/2010/main" val="11797378"/>
+      </p:ext>
+    </p:extLst>
+  </p:cSld>
+  <p:clrMapOvr>
+    <a:masterClrMapping/>
+  </p:clrMapOvr>
+</p:sld>
+</file>
+
+<file path=ppt/slides/slide4.xml><?xml version="1.0" encoding="utf-8"?>
+<p:sld xmlns:a="http://schemas.openxmlformats.org/drawingml/2006/main" xmlns:r="http://schemas.openxmlformats.org/officeDocument/2006/relationships" xmlns:p="http://schemas.openxmlformats.org/presentationml/2006/main">
+  <p:cSld>
+    <p:spTree>
+      <p:nvGrpSpPr>
+        <p:cNvPr id="1" name=""/>
+        <p:cNvGrpSpPr/>
+        <p:nvPr/>
+      </p:nvGrpSpPr>
+      <p:grpSpPr>
+        <a:xfrm>
+          <a:off x="0" y="0"/>
+          <a:ext cx="0" cy="0"/>
+          <a:chOff x="0" y="0"/>
+          <a:chExt cx="0" cy="0"/>
+        </a:xfrm>
+      </p:grpSpPr>
+      <p:pic>
+        <p:nvPicPr>
+          <p:cNvPr id="4" name="Image 3">
+            <a:extLst>
+              <a:ext uri="{FF2B5EF4-FFF2-40B4-BE49-F238E27FC236}">
+                <a16:creationId xmlns:a16="http://schemas.microsoft.com/office/drawing/2014/main" id="{5D9EAE4D-5F06-E00B-2DAC-5A7D63FC720A}"/>
+              </a:ext>
+            </a:extLst>
+          </p:cNvPr>
+          <p:cNvPicPr>
+            <a:picLocks noChangeAspect="1"/>
+          </p:cNvPicPr>
+          <p:nvPr/>
+        </p:nvPicPr>
+        <p:blipFill>
+          <a:blip r:embed="rId2"/>
+          <a:srcRect l="63955" t="10438" b="82097"/>
+          <a:stretch/>
+        </p:blipFill>
+        <p:spPr>
+          <a:xfrm>
+            <a:off x="1317898" y="1536700"/>
+            <a:ext cx="9556204" cy="1473200"/>
+          </a:xfrm>
+          <a:prstGeom prst="rect">
+            <a:avLst/>
+          </a:prstGeom>
+          <a:ln w="57150">
+            <a:noFill/>
+          </a:ln>
+        </p:spPr>
+      </p:pic>
+      <p:sp>
+        <p:nvSpPr>
+          <p:cNvPr id="5" name="Rectangle 4">
+            <a:extLst>
+              <a:ext uri="{FF2B5EF4-FFF2-40B4-BE49-F238E27FC236}">
+                <a16:creationId xmlns:a16="http://schemas.microsoft.com/office/drawing/2014/main" id="{9AD1C4BB-6560-99E8-A410-47BBEE5DFA01}"/>
+              </a:ext>
+            </a:extLst>
+          </p:cNvPr>
+          <p:cNvSpPr/>
+          <p:nvPr/>
+        </p:nvSpPr>
+        <p:spPr>
+          <a:xfrm>
+            <a:off x="6260970" y="1689100"/>
+            <a:ext cx="1117730" cy="1095995"/>
+          </a:xfrm>
+          <a:prstGeom prst="rect">
+            <a:avLst/>
+          </a:prstGeom>
+          <a:noFill/>
+          <a:ln w="57150">
+            <a:solidFill>
+              <a:srgbClr val="FF0000"/>
+            </a:solidFill>
+          </a:ln>
+        </p:spPr>
+        <p:style>
+          <a:lnRef idx="2">
+            <a:schemeClr val="accent1">
+              <a:shade val="50000"/>
+            </a:schemeClr>
+          </a:lnRef>
+          <a:fillRef idx="1">
+            <a:schemeClr val="accent1"/>
+          </a:fillRef>
+          <a:effectRef idx="0">
+            <a:schemeClr val="accent1"/>
+          </a:effectRef>
+          <a:fontRef idx="minor">
+            <a:schemeClr val="lt1"/>
+          </a:fontRef>
+        </p:style>
+        <p:txBody>
+          <a:bodyPr rtlCol="0" anchor="ctr"/>
+          <a:lstStyle/>
+          <a:p>
+            <a:pPr algn="ctr"/>
+            <a:endParaRPr lang="fr-FR"/>
+          </a:p>
+        </p:txBody>
+      </p:sp>
+    </p:spTree>
+    <p:extLst>
+      <p:ext uri="{BB962C8B-B14F-4D97-AF65-F5344CB8AC3E}">
+        <p14:creationId xmlns:p14="http://schemas.microsoft.com/office/powerpoint/2010/main" val="316069412"/>
+      </p:ext>
+    </p:extLst>
+  </p:cSld>
+  <p:clrMapOvr>
+    <a:masterClrMapping/>
+  </p:clrMapOvr>
+</p:sld>
+</file>
+
+<file path=ppt/slides/slide5.xml><?xml version="1.0" encoding="utf-8"?>
+<p:sld xmlns:a="http://schemas.openxmlformats.org/drawingml/2006/main" xmlns:r="http://schemas.openxmlformats.org/officeDocument/2006/relationships" xmlns:p="http://schemas.openxmlformats.org/presentationml/2006/main">
+  <p:cSld>
+    <p:spTree>
+      <p:nvGrpSpPr>
+        <p:cNvPr id="1" name=""/>
+        <p:cNvGrpSpPr/>
+        <p:nvPr/>
+      </p:nvGrpSpPr>
+      <p:grpSpPr>
+        <a:xfrm>
+          <a:off x="0" y="0"/>
+          <a:ext cx="0" cy="0"/>
+          <a:chOff x="0" y="0"/>
+          <a:chExt cx="0" cy="0"/>
+        </a:xfrm>
+      </p:grpSpPr>
+      <p:pic>
+        <p:nvPicPr>
+          <p:cNvPr id="5" name="Image 4" descr="Une image contenant capture d’écran, texte, logiciel, Logiciel multimédia&#10;&#10;Description générée automatiquement">
+            <a:extLst>
+              <a:ext uri="{FF2B5EF4-FFF2-40B4-BE49-F238E27FC236}">
+                <a16:creationId xmlns:a16="http://schemas.microsoft.com/office/drawing/2014/main" id="{D6BADEB4-A04E-859A-381D-2C9D4C00441F}"/>
+              </a:ext>
+            </a:extLst>
+          </p:cNvPr>
+          <p:cNvPicPr>
+            <a:picLocks noChangeAspect="1"/>
+          </p:cNvPicPr>
+          <p:nvPr/>
+        </p:nvPicPr>
+        <p:blipFill>
+          <a:blip r:embed="rId2">
+            <a:extLst>
+              <a:ext uri="{28A0092B-C50C-407E-A947-70E740481C1C}">
+                <a14:useLocalDpi xmlns:a14="http://schemas.microsoft.com/office/drawing/2010/main" val="0"/>
+              </a:ext>
+            </a:extLst>
+          </a:blip>
+          <a:stretch>
+            <a:fillRect/>
+          </a:stretch>
+        </p:blipFill>
+        <p:spPr>
+          <a:xfrm>
+            <a:off x="3356478" y="2120900"/>
+            <a:ext cx="5479044" cy="2616200"/>
+          </a:xfrm>
+          <a:prstGeom prst="rect">
+            <a:avLst/>
+          </a:prstGeom>
+        </p:spPr>
+      </p:pic>
+      <p:sp>
+        <p:nvSpPr>
+          <p:cNvPr id="6" name="Rectangle 5">
+            <a:extLst>
+              <a:ext uri="{FF2B5EF4-FFF2-40B4-BE49-F238E27FC236}">
+                <a16:creationId xmlns:a16="http://schemas.microsoft.com/office/drawing/2014/main" id="{FE938482-7398-6554-0DE7-A635B707BCB5}"/>
+              </a:ext>
+            </a:extLst>
+          </p:cNvPr>
+          <p:cNvSpPr/>
+          <p:nvPr/>
+        </p:nvSpPr>
+        <p:spPr>
+          <a:xfrm>
+            <a:off x="5943600" y="2463801"/>
+            <a:ext cx="698500" cy="292100"/>
+          </a:xfrm>
+          <a:prstGeom prst="rect">
+            <a:avLst/>
+          </a:prstGeom>
+          <a:noFill/>
+          <a:ln w="57150">
+            <a:solidFill>
+              <a:srgbClr val="FF0000"/>
+            </a:solidFill>
+          </a:ln>
+        </p:spPr>
+        <p:style>
+          <a:lnRef idx="2">
+            <a:schemeClr val="accent1">
+              <a:shade val="50000"/>
+            </a:schemeClr>
+          </a:lnRef>
+          <a:fillRef idx="1">
+            <a:schemeClr val="accent1"/>
+          </a:fillRef>
+          <a:effectRef idx="0">
+            <a:schemeClr val="accent1"/>
+          </a:effectRef>
+          <a:fontRef idx="minor">
+            <a:schemeClr val="lt1"/>
+          </a:fontRef>
+        </p:style>
+        <p:txBody>
+          <a:bodyPr rtlCol="0" anchor="ctr"/>
+          <a:lstStyle/>
+          <a:p>
+            <a:pPr algn="ctr"/>
+            <a:endParaRPr lang="fr-FR"/>
+          </a:p>
+        </p:txBody>
+      </p:sp>
+      <p:sp>
+        <p:nvSpPr>
+          <p:cNvPr id="7" name="Rectangle 6">
+            <a:extLst>
+              <a:ext uri="{FF2B5EF4-FFF2-40B4-BE49-F238E27FC236}">
+                <a16:creationId xmlns:a16="http://schemas.microsoft.com/office/drawing/2014/main" id="{B7117C4B-097C-DD30-E8EE-270C328125D8}"/>
+              </a:ext>
+            </a:extLst>
+          </p:cNvPr>
+          <p:cNvSpPr/>
+          <p:nvPr/>
+        </p:nvSpPr>
+        <p:spPr>
+          <a:xfrm>
+            <a:off x="8394570" y="2463801"/>
+            <a:ext cx="432000" cy="432000"/>
+          </a:xfrm>
+          <a:prstGeom prst="rect">
+            <a:avLst/>
+          </a:prstGeom>
+          <a:noFill/>
+          <a:ln w="57150">
+            <a:solidFill>
+              <a:srgbClr val="FF0000"/>
+            </a:solidFill>
+          </a:ln>
+        </p:spPr>
+        <p:style>
+          <a:lnRef idx="2">
+            <a:schemeClr val="accent1">
+              <a:shade val="50000"/>
+            </a:schemeClr>
+          </a:lnRef>
+          <a:fillRef idx="1">
+            <a:schemeClr val="accent1"/>
+          </a:fillRef>
+          <a:effectRef idx="0">
+            <a:schemeClr val="accent1"/>
+          </a:effectRef>
+          <a:fontRef idx="minor">
+            <a:schemeClr val="lt1"/>
+          </a:fontRef>
+        </p:style>
+        <p:txBody>
+          <a:bodyPr rtlCol="0" anchor="ctr"/>
+          <a:lstStyle/>
+          <a:p>
+            <a:pPr algn="ctr"/>
+            <a:endParaRPr lang="fr-FR"/>
+          </a:p>
+        </p:txBody>
+      </p:sp>
+      <p:sp>
+        <p:nvSpPr>
+          <p:cNvPr id="8" name="Ellipse 7">
+            <a:extLst>
+              <a:ext uri="{FF2B5EF4-FFF2-40B4-BE49-F238E27FC236}">
+                <a16:creationId xmlns:a16="http://schemas.microsoft.com/office/drawing/2014/main" id="{17F125A8-BFDA-727B-2740-FCDD27E84D76}"/>
+              </a:ext>
+            </a:extLst>
+          </p:cNvPr>
+          <p:cNvSpPr/>
+          <p:nvPr/>
+        </p:nvSpPr>
+        <p:spPr>
+          <a:xfrm>
+            <a:off x="5553790" y="2434167"/>
+            <a:ext cx="321734" cy="321734"/>
+          </a:xfrm>
+          <a:prstGeom prst="ellipse">
+            <a:avLst/>
+          </a:prstGeom>
+          <a:solidFill>
+            <a:schemeClr val="bg1"/>
+          </a:solidFill>
+          <a:ln w="28575">
+            <a:solidFill>
+              <a:srgbClr val="FF0000"/>
+            </a:solidFill>
+          </a:ln>
+        </p:spPr>
+        <p:style>
+          <a:lnRef idx="2">
+            <a:schemeClr val="accent1">
+              <a:shade val="50000"/>
+            </a:schemeClr>
+          </a:lnRef>
+          <a:fillRef idx="1">
+            <a:schemeClr val="accent1"/>
+          </a:fillRef>
+          <a:effectRef idx="0">
+            <a:schemeClr val="accent1"/>
+          </a:effectRef>
+          <a:fontRef idx="minor">
+            <a:schemeClr val="lt1"/>
+          </a:fontRef>
+        </p:style>
+        <p:txBody>
+          <a:bodyPr rtlCol="0" anchor="ctr"/>
+          <a:lstStyle/>
+          <a:p>
+            <a:pPr algn="ctr"/>
+            <a:r>
+              <a:rPr lang="fr-FR" b="1" dirty="0">
+                <a:solidFill>
+                  <a:srgbClr val="FF0000"/>
+                </a:solidFill>
+              </a:rPr>
+              <a:t>1</a:t>
+            </a:r>
+          </a:p>
+        </p:txBody>
+      </p:sp>
+      <p:sp>
+        <p:nvSpPr>
+          <p:cNvPr id="9" name="Ellipse 8">
+            <a:extLst>
+              <a:ext uri="{FF2B5EF4-FFF2-40B4-BE49-F238E27FC236}">
+                <a16:creationId xmlns:a16="http://schemas.microsoft.com/office/drawing/2014/main" id="{E7C94EED-50BA-1684-2650-3122DFAFB588}"/>
+              </a:ext>
+            </a:extLst>
+          </p:cNvPr>
+          <p:cNvSpPr/>
+          <p:nvPr/>
+        </p:nvSpPr>
+        <p:spPr>
+          <a:xfrm>
+            <a:off x="7890933" y="2518934"/>
+            <a:ext cx="321734" cy="321734"/>
+          </a:xfrm>
+          <a:prstGeom prst="ellipse">
+            <a:avLst/>
+          </a:prstGeom>
+          <a:solidFill>
+            <a:schemeClr val="bg1"/>
+          </a:solidFill>
+          <a:ln w="28575">
+            <a:solidFill>
+              <a:srgbClr val="FF0000"/>
+            </a:solidFill>
+          </a:ln>
+        </p:spPr>
+        <p:style>
+          <a:lnRef idx="2">
+            <a:schemeClr val="accent1">
+              <a:shade val="50000"/>
+            </a:schemeClr>
+          </a:lnRef>
+          <a:fillRef idx="1">
+            <a:schemeClr val="accent1"/>
+          </a:fillRef>
+          <a:effectRef idx="0">
+            <a:schemeClr val="accent1"/>
+          </a:effectRef>
+          <a:fontRef idx="minor">
+            <a:schemeClr val="lt1"/>
+          </a:fontRef>
+        </p:style>
+        <p:txBody>
+          <a:bodyPr rtlCol="0" anchor="ctr"/>
+          <a:lstStyle/>
+          <a:p>
+            <a:pPr algn="ctr"/>
+            <a:r>
+              <a:rPr lang="fr-FR" b="1" dirty="0">
+                <a:solidFill>
+                  <a:srgbClr val="FF0000"/>
+                </a:solidFill>
+              </a:rPr>
+              <a:t>3</a:t>
+            </a:r>
+          </a:p>
+        </p:txBody>
+      </p:sp>
+      <p:sp>
+        <p:nvSpPr>
+          <p:cNvPr id="10" name="Rectangle 9">
+            <a:extLst>
+              <a:ext uri="{FF2B5EF4-FFF2-40B4-BE49-F238E27FC236}">
+                <a16:creationId xmlns:a16="http://schemas.microsoft.com/office/drawing/2014/main" id="{4B3BBD06-540E-AD7A-ECF1-FD802FA0434F}"/>
+              </a:ext>
+            </a:extLst>
+          </p:cNvPr>
+          <p:cNvSpPr/>
+          <p:nvPr/>
+        </p:nvSpPr>
+        <p:spPr>
+          <a:xfrm>
+            <a:off x="8403522" y="4233334"/>
+            <a:ext cx="432000" cy="432000"/>
+          </a:xfrm>
+          <a:prstGeom prst="rect">
+            <a:avLst/>
+          </a:prstGeom>
+          <a:noFill/>
+          <a:ln w="57150">
+            <a:solidFill>
+              <a:srgbClr val="FF0000"/>
+            </a:solidFill>
+          </a:ln>
+        </p:spPr>
+        <p:style>
+          <a:lnRef idx="2">
+            <a:schemeClr val="accent1">
+              <a:shade val="50000"/>
+            </a:schemeClr>
+          </a:lnRef>
+          <a:fillRef idx="1">
+            <a:schemeClr val="accent1"/>
+          </a:fillRef>
+          <a:effectRef idx="0">
+            <a:schemeClr val="accent1"/>
+          </a:effectRef>
+          <a:fontRef idx="minor">
+            <a:schemeClr val="lt1"/>
+          </a:fontRef>
+        </p:style>
+        <p:txBody>
+          <a:bodyPr rtlCol="0" anchor="ctr"/>
+          <a:lstStyle/>
+          <a:p>
+            <a:pPr algn="ctr"/>
+            <a:endParaRPr lang="fr-FR"/>
+          </a:p>
+        </p:txBody>
+      </p:sp>
+      <p:sp>
+        <p:nvSpPr>
+          <p:cNvPr id="11" name="Ellipse 10">
+            <a:extLst>
+              <a:ext uri="{FF2B5EF4-FFF2-40B4-BE49-F238E27FC236}">
+                <a16:creationId xmlns:a16="http://schemas.microsoft.com/office/drawing/2014/main" id="{20F45497-8889-2952-75E0-71A8FCE8E3B8}"/>
+              </a:ext>
+            </a:extLst>
+          </p:cNvPr>
+          <p:cNvSpPr/>
+          <p:nvPr/>
+        </p:nvSpPr>
+        <p:spPr>
+          <a:xfrm>
+            <a:off x="7975599" y="4233334"/>
+            <a:ext cx="321734" cy="321734"/>
+          </a:xfrm>
+          <a:prstGeom prst="ellipse">
+            <a:avLst/>
+          </a:prstGeom>
+          <a:solidFill>
+            <a:schemeClr val="bg1"/>
+          </a:solidFill>
+          <a:ln w="28575">
+            <a:solidFill>
+              <a:srgbClr val="FF0000"/>
+            </a:solidFill>
+          </a:ln>
+        </p:spPr>
+        <p:style>
+          <a:lnRef idx="2">
+            <a:schemeClr val="accent1">
+              <a:shade val="50000"/>
+            </a:schemeClr>
+          </a:lnRef>
+          <a:fillRef idx="1">
+            <a:schemeClr val="accent1"/>
+          </a:fillRef>
+          <a:effectRef idx="0">
+            <a:schemeClr val="accent1"/>
+          </a:effectRef>
+          <a:fontRef idx="minor">
+            <a:schemeClr val="lt1"/>
+          </a:fontRef>
+        </p:style>
+        <p:txBody>
+          <a:bodyPr rtlCol="0" anchor="ctr"/>
+          <a:lstStyle/>
+          <a:p>
+            <a:pPr algn="ctr"/>
+            <a:r>
+              <a:rPr lang="fr-FR" b="1" dirty="0">
+                <a:solidFill>
+                  <a:srgbClr val="FF0000"/>
+                </a:solidFill>
+              </a:rPr>
+              <a:t>4</a:t>
+            </a:r>
+          </a:p>
+        </p:txBody>
+      </p:sp>
+      <p:sp>
+        <p:nvSpPr>
+          <p:cNvPr id="12" name="Rectangle 11">
+            <a:extLst>
+              <a:ext uri="{FF2B5EF4-FFF2-40B4-BE49-F238E27FC236}">
+                <a16:creationId xmlns:a16="http://schemas.microsoft.com/office/drawing/2014/main" id="{A87CF703-6AA2-610F-A5D5-F471291352D7}"/>
+              </a:ext>
+            </a:extLst>
+          </p:cNvPr>
+          <p:cNvSpPr/>
+          <p:nvPr/>
+        </p:nvSpPr>
+        <p:spPr>
+          <a:xfrm>
+            <a:off x="3691467" y="2994783"/>
+            <a:ext cx="1938866" cy="518884"/>
+          </a:xfrm>
+          <a:prstGeom prst="rect">
+            <a:avLst/>
+          </a:prstGeom>
+          <a:noFill/>
+          <a:ln w="57150">
+            <a:solidFill>
+              <a:srgbClr val="FF0000"/>
+            </a:solidFill>
+          </a:ln>
+        </p:spPr>
+        <p:style>
+          <a:lnRef idx="2">
+            <a:schemeClr val="accent1">
+              <a:shade val="50000"/>
+            </a:schemeClr>
+          </a:lnRef>
+          <a:fillRef idx="1">
+            <a:schemeClr val="accent1"/>
+          </a:fillRef>
+          <a:effectRef idx="0">
+            <a:schemeClr val="accent1"/>
+          </a:effectRef>
+          <a:fontRef idx="minor">
+            <a:schemeClr val="lt1"/>
+          </a:fontRef>
+        </p:style>
+        <p:txBody>
+          <a:bodyPr rtlCol="0" anchor="ctr"/>
+          <a:lstStyle/>
+          <a:p>
+            <a:pPr algn="ctr"/>
+            <a:endParaRPr lang="fr-FR"/>
+          </a:p>
+        </p:txBody>
+      </p:sp>
+      <p:sp>
+        <p:nvSpPr>
+          <p:cNvPr id="13" name="Ellipse 12">
+            <a:extLst>
+              <a:ext uri="{FF2B5EF4-FFF2-40B4-BE49-F238E27FC236}">
+                <a16:creationId xmlns:a16="http://schemas.microsoft.com/office/drawing/2014/main" id="{9208B16A-8F88-DDC7-E4CA-08039410E3A2}"/>
+              </a:ext>
+            </a:extLst>
+          </p:cNvPr>
+          <p:cNvSpPr/>
+          <p:nvPr/>
+        </p:nvSpPr>
+        <p:spPr>
+          <a:xfrm>
+            <a:off x="5774266" y="3067958"/>
+            <a:ext cx="321734" cy="321734"/>
+          </a:xfrm>
+          <a:prstGeom prst="ellipse">
+            <a:avLst/>
+          </a:prstGeom>
+          <a:solidFill>
+            <a:schemeClr val="bg1"/>
+          </a:solidFill>
+          <a:ln w="28575">
+            <a:solidFill>
+              <a:srgbClr val="FF0000"/>
+            </a:solidFill>
+          </a:ln>
+        </p:spPr>
+        <p:style>
+          <a:lnRef idx="2">
+            <a:schemeClr val="accent1">
+              <a:shade val="50000"/>
+            </a:schemeClr>
+          </a:lnRef>
+          <a:fillRef idx="1">
+            <a:schemeClr val="accent1"/>
+          </a:fillRef>
+          <a:effectRef idx="0">
+            <a:schemeClr val="accent1"/>
+          </a:effectRef>
+          <a:fontRef idx="minor">
+            <a:schemeClr val="lt1"/>
+          </a:fontRef>
+        </p:style>
+        <p:txBody>
+          <a:bodyPr rtlCol="0" anchor="ctr"/>
+          <a:lstStyle/>
+          <a:p>
+            <a:pPr algn="ctr"/>
+            <a:r>
+              <a:rPr lang="fr-FR" b="1" dirty="0">
+                <a:solidFill>
+                  <a:srgbClr val="FF0000"/>
+                </a:solidFill>
+              </a:rPr>
+              <a:t>2</a:t>
+            </a:r>
+          </a:p>
+        </p:txBody>
+      </p:sp>
+    </p:spTree>
+    <p:extLst>
+      <p:ext uri="{BB962C8B-B14F-4D97-AF65-F5344CB8AC3E}">
+        <p14:creationId xmlns:p14="http://schemas.microsoft.com/office/powerpoint/2010/main" val="3985451259"/>
       </p:ext>
     </p:extLst>
   </p:cSld>

--- a/04_CoMAX/04_Comax_Documentation.pptx
+++ b/04_CoMAX/04_Comax_Documentation.pptx
@@ -10,6 +10,10 @@
     <p:sldId id="258" r:id="rId4"/>
     <p:sldId id="259" r:id="rId5"/>
     <p:sldId id="260" r:id="rId6"/>
+    <p:sldId id="261" r:id="rId7"/>
+    <p:sldId id="262" r:id="rId8"/>
+    <p:sldId id="263" r:id="rId9"/>
+    <p:sldId id="264" r:id="rId10"/>
   </p:sldIdLst>
   <p:sldSz cx="12192000" cy="6858000"/>
   <p:notesSz cx="6858000" cy="9144000"/>
@@ -256,7 +260,7 @@
           <a:p>
             <a:fld id="{E2A59C7C-0414-41C0-B3E9-D515AFE7EFD4}" type="datetimeFigureOut">
               <a:rPr lang="fr-FR" smtClean="0"/>
-              <a:t>27/01/2025</a:t>
+              <a:t>04/04/2025</a:t>
             </a:fld>
             <a:endParaRPr lang="fr-FR"/>
           </a:p>
@@ -424,7 +428,7 @@
           <a:p>
             <a:fld id="{E2A59C7C-0414-41C0-B3E9-D515AFE7EFD4}" type="datetimeFigureOut">
               <a:rPr lang="fr-FR" smtClean="0"/>
-              <a:t>27/01/2025</a:t>
+              <a:t>04/04/2025</a:t>
             </a:fld>
             <a:endParaRPr lang="fr-FR"/>
           </a:p>
@@ -602,7 +606,7 @@
           <a:p>
             <a:fld id="{E2A59C7C-0414-41C0-B3E9-D515AFE7EFD4}" type="datetimeFigureOut">
               <a:rPr lang="fr-FR" smtClean="0"/>
-              <a:t>27/01/2025</a:t>
+              <a:t>04/04/2025</a:t>
             </a:fld>
             <a:endParaRPr lang="fr-FR"/>
           </a:p>
@@ -770,7 +774,7 @@
           <a:p>
             <a:fld id="{E2A59C7C-0414-41C0-B3E9-D515AFE7EFD4}" type="datetimeFigureOut">
               <a:rPr lang="fr-FR" smtClean="0"/>
-              <a:t>27/01/2025</a:t>
+              <a:t>04/04/2025</a:t>
             </a:fld>
             <a:endParaRPr lang="fr-FR"/>
           </a:p>
@@ -1015,7 +1019,7 @@
           <a:p>
             <a:fld id="{E2A59C7C-0414-41C0-B3E9-D515AFE7EFD4}" type="datetimeFigureOut">
               <a:rPr lang="fr-FR" smtClean="0"/>
-              <a:t>27/01/2025</a:t>
+              <a:t>04/04/2025</a:t>
             </a:fld>
             <a:endParaRPr lang="fr-FR"/>
           </a:p>
@@ -1244,7 +1248,7 @@
           <a:p>
             <a:fld id="{E2A59C7C-0414-41C0-B3E9-D515AFE7EFD4}" type="datetimeFigureOut">
               <a:rPr lang="fr-FR" smtClean="0"/>
-              <a:t>27/01/2025</a:t>
+              <a:t>04/04/2025</a:t>
             </a:fld>
             <a:endParaRPr lang="fr-FR"/>
           </a:p>
@@ -1608,7 +1612,7 @@
           <a:p>
             <a:fld id="{E2A59C7C-0414-41C0-B3E9-D515AFE7EFD4}" type="datetimeFigureOut">
               <a:rPr lang="fr-FR" smtClean="0"/>
-              <a:t>27/01/2025</a:t>
+              <a:t>04/04/2025</a:t>
             </a:fld>
             <a:endParaRPr lang="fr-FR"/>
           </a:p>
@@ -1725,7 +1729,7 @@
           <a:p>
             <a:fld id="{E2A59C7C-0414-41C0-B3E9-D515AFE7EFD4}" type="datetimeFigureOut">
               <a:rPr lang="fr-FR" smtClean="0"/>
-              <a:t>27/01/2025</a:t>
+              <a:t>04/04/2025</a:t>
             </a:fld>
             <a:endParaRPr lang="fr-FR"/>
           </a:p>
@@ -1820,7 +1824,7 @@
           <a:p>
             <a:fld id="{E2A59C7C-0414-41C0-B3E9-D515AFE7EFD4}" type="datetimeFigureOut">
               <a:rPr lang="fr-FR" smtClean="0"/>
-              <a:t>27/01/2025</a:t>
+              <a:t>04/04/2025</a:t>
             </a:fld>
             <a:endParaRPr lang="fr-FR"/>
           </a:p>
@@ -2095,7 +2099,7 @@
           <a:p>
             <a:fld id="{E2A59C7C-0414-41C0-B3E9-D515AFE7EFD4}" type="datetimeFigureOut">
               <a:rPr lang="fr-FR" smtClean="0"/>
-              <a:t>27/01/2025</a:t>
+              <a:t>04/04/2025</a:t>
             </a:fld>
             <a:endParaRPr lang="fr-FR"/>
           </a:p>
@@ -2347,7 +2351,7 @@
           <a:p>
             <a:fld id="{E2A59C7C-0414-41C0-B3E9-D515AFE7EFD4}" type="datetimeFigureOut">
               <a:rPr lang="fr-FR" smtClean="0"/>
-              <a:t>27/01/2025</a:t>
+              <a:t>04/04/2025</a:t>
             </a:fld>
             <a:endParaRPr lang="fr-FR"/>
           </a:p>
@@ -2558,7 +2562,7 @@
           <a:p>
             <a:fld id="{E2A59C7C-0414-41C0-B3E9-D515AFE7EFD4}" type="datetimeFigureOut">
               <a:rPr lang="fr-FR" smtClean="0"/>
-              <a:t>27/01/2025</a:t>
+              <a:t>04/04/2025</a:t>
             </a:fld>
             <a:endParaRPr lang="fr-FR"/>
           </a:p>
@@ -4020,6 +4024,1858 @@
 </p:sld>
 </file>
 
+<file path=ppt/slides/slide6.xml><?xml version="1.0" encoding="utf-8"?>
+<p:sld xmlns:a="http://schemas.openxmlformats.org/drawingml/2006/main" xmlns:r="http://schemas.openxmlformats.org/officeDocument/2006/relationships" xmlns:p="http://schemas.openxmlformats.org/presentationml/2006/main">
+  <p:cSld>
+    <p:bg>
+      <p:bgPr>
+        <a:solidFill>
+          <a:schemeClr val="bg1"/>
+        </a:solidFill>
+        <a:effectLst/>
+      </p:bgPr>
+    </p:bg>
+    <p:spTree>
+      <p:nvGrpSpPr>
+        <p:cNvPr id="1" name=""/>
+        <p:cNvGrpSpPr/>
+        <p:nvPr/>
+      </p:nvGrpSpPr>
+      <p:grpSpPr>
+        <a:xfrm>
+          <a:off x="0" y="0"/>
+          <a:ext cx="0" cy="0"/>
+          <a:chOff x="0" y="0"/>
+          <a:chExt cx="0" cy="0"/>
+        </a:xfrm>
+      </p:grpSpPr>
+      <p:pic>
+        <p:nvPicPr>
+          <p:cNvPr id="10" name="Image 9" descr="Une image contenant texte, capture d’écran, affichage, logiciel&#10;&#10;Le contenu généré par l’IA peut être incorrect.">
+            <a:extLst>
+              <a:ext uri="{FF2B5EF4-FFF2-40B4-BE49-F238E27FC236}">
+                <a16:creationId xmlns:a16="http://schemas.microsoft.com/office/drawing/2014/main" id="{07460291-5DBD-0354-A821-0A88D6AE167B}"/>
+              </a:ext>
+            </a:extLst>
+          </p:cNvPr>
+          <p:cNvPicPr>
+            <a:picLocks noChangeAspect="1"/>
+          </p:cNvPicPr>
+          <p:nvPr/>
+        </p:nvPicPr>
+        <p:blipFill>
+          <a:blip r:embed="rId2" cstate="print">
+            <a:extLst>
+              <a:ext uri="{28A0092B-C50C-407E-A947-70E740481C1C}">
+                <a14:useLocalDpi xmlns:a14="http://schemas.microsoft.com/office/drawing/2010/main" val="0"/>
+              </a:ext>
+            </a:extLst>
+          </a:blip>
+          <a:stretch>
+            <a:fillRect/>
+          </a:stretch>
+        </p:blipFill>
+        <p:spPr>
+          <a:xfrm>
+            <a:off x="643467" y="693655"/>
+            <a:ext cx="3278292" cy="2524284"/>
+          </a:xfrm>
+          <a:prstGeom prst="rect">
+            <a:avLst/>
+          </a:prstGeom>
+        </p:spPr>
+      </p:pic>
+      <p:pic>
+        <p:nvPicPr>
+          <p:cNvPr id="12" name="Image 11" descr="Une image contenant capture d’écran, texte, affichage, logiciel&#10;&#10;Le contenu généré par l’IA peut être incorrect.">
+            <a:extLst>
+              <a:ext uri="{FF2B5EF4-FFF2-40B4-BE49-F238E27FC236}">
+                <a16:creationId xmlns:a16="http://schemas.microsoft.com/office/drawing/2014/main" id="{AAF797A9-BEA5-98A4-F3EA-B2344CEE9168}"/>
+              </a:ext>
+            </a:extLst>
+          </p:cNvPr>
+          <p:cNvPicPr>
+            <a:picLocks noChangeAspect="1"/>
+          </p:cNvPicPr>
+          <p:nvPr/>
+        </p:nvPicPr>
+        <p:blipFill>
+          <a:blip r:embed="rId3" cstate="print">
+            <a:extLst>
+              <a:ext uri="{28A0092B-C50C-407E-A947-70E740481C1C}">
+                <a14:useLocalDpi xmlns:a14="http://schemas.microsoft.com/office/drawing/2010/main" val="0"/>
+              </a:ext>
+            </a:extLst>
+          </a:blip>
+          <a:stretch>
+            <a:fillRect/>
+          </a:stretch>
+        </p:blipFill>
+        <p:spPr>
+          <a:xfrm>
+            <a:off x="4243493" y="1987735"/>
+            <a:ext cx="3743538" cy="2882523"/>
+          </a:xfrm>
+          <a:prstGeom prst="rect">
+            <a:avLst/>
+          </a:prstGeom>
+        </p:spPr>
+      </p:pic>
+      <p:pic>
+        <p:nvPicPr>
+          <p:cNvPr id="8" name="Image 7" descr="Une image contenant texte, Appareils électroniques, capture d’écran, logiciel&#10;&#10;Le contenu généré par l’IA peut être incorrect.">
+            <a:extLst>
+              <a:ext uri="{FF2B5EF4-FFF2-40B4-BE49-F238E27FC236}">
+                <a16:creationId xmlns:a16="http://schemas.microsoft.com/office/drawing/2014/main" id="{EB7B18E4-3294-3699-2CD6-152DCF0EC088}"/>
+              </a:ext>
+            </a:extLst>
+          </p:cNvPr>
+          <p:cNvPicPr>
+            <a:picLocks noChangeAspect="1"/>
+          </p:cNvPicPr>
+          <p:nvPr/>
+        </p:nvPicPr>
+        <p:blipFill>
+          <a:blip r:embed="rId4" cstate="print">
+            <a:extLst>
+              <a:ext uri="{28A0092B-C50C-407E-A947-70E740481C1C}">
+                <a14:useLocalDpi xmlns:a14="http://schemas.microsoft.com/office/drawing/2010/main" val="0"/>
+              </a:ext>
+            </a:extLst>
+          </a:blip>
+          <a:stretch>
+            <a:fillRect/>
+          </a:stretch>
+        </p:blipFill>
+        <p:spPr>
+          <a:xfrm>
+            <a:off x="8308764" y="708486"/>
+            <a:ext cx="3239769" cy="2494621"/>
+          </a:xfrm>
+          <a:prstGeom prst="rect">
+            <a:avLst/>
+          </a:prstGeom>
+        </p:spPr>
+      </p:pic>
+      <p:pic>
+        <p:nvPicPr>
+          <p:cNvPr id="4" name="Image 3" descr="Une image contenant texte, capture d’écran, logiciel, affichage&#10;&#10;Le contenu généré par l’IA peut être incorrect.">
+            <a:extLst>
+              <a:ext uri="{FF2B5EF4-FFF2-40B4-BE49-F238E27FC236}">
+                <a16:creationId xmlns:a16="http://schemas.microsoft.com/office/drawing/2014/main" id="{EC8D83A3-4C95-E706-3536-CB209A522EC7}"/>
+              </a:ext>
+            </a:extLst>
+          </p:cNvPr>
+          <p:cNvPicPr>
+            <a:picLocks noChangeAspect="1"/>
+          </p:cNvPicPr>
+          <p:nvPr/>
+        </p:nvPicPr>
+        <p:blipFill>
+          <a:blip r:embed="rId5"/>
+          <a:stretch>
+            <a:fillRect/>
+          </a:stretch>
+        </p:blipFill>
+        <p:spPr>
+          <a:xfrm>
+            <a:off x="643467" y="3681032"/>
+            <a:ext cx="3278292" cy="2442327"/>
+          </a:xfrm>
+          <a:prstGeom prst="rect">
+            <a:avLst/>
+          </a:prstGeom>
+        </p:spPr>
+      </p:pic>
+      <p:pic>
+        <p:nvPicPr>
+          <p:cNvPr id="6" name="Image 5" descr="Une image contenant texte, capture d’écran, logiciel, affichage&#10;&#10;Le contenu généré par l’IA peut être incorrect.">
+            <a:extLst>
+              <a:ext uri="{FF2B5EF4-FFF2-40B4-BE49-F238E27FC236}">
+                <a16:creationId xmlns:a16="http://schemas.microsoft.com/office/drawing/2014/main" id="{043EC701-43BF-520D-EE17-220B24DA2E6F}"/>
+              </a:ext>
+            </a:extLst>
+          </p:cNvPr>
+          <p:cNvPicPr>
+            <a:picLocks noChangeAspect="1"/>
+          </p:cNvPicPr>
+          <p:nvPr/>
+        </p:nvPicPr>
+        <p:blipFill>
+          <a:blip r:embed="rId6" cstate="print">
+            <a:extLst>
+              <a:ext uri="{28A0092B-C50C-407E-A947-70E740481C1C}">
+                <a14:useLocalDpi xmlns:a14="http://schemas.microsoft.com/office/drawing/2010/main" val="0"/>
+              </a:ext>
+            </a:extLst>
+          </a:blip>
+          <a:stretch>
+            <a:fillRect/>
+          </a:stretch>
+        </p:blipFill>
+        <p:spPr>
+          <a:xfrm>
+            <a:off x="8308763" y="3664548"/>
+            <a:ext cx="3239769" cy="2494621"/>
+          </a:xfrm>
+          <a:prstGeom prst="rect">
+            <a:avLst/>
+          </a:prstGeom>
+        </p:spPr>
+      </p:pic>
+    </p:spTree>
+    <p:extLst>
+      <p:ext uri="{BB962C8B-B14F-4D97-AF65-F5344CB8AC3E}">
+        <p14:creationId xmlns:p14="http://schemas.microsoft.com/office/powerpoint/2010/main" val="1594906563"/>
+      </p:ext>
+    </p:extLst>
+  </p:cSld>
+  <p:clrMapOvr>
+    <a:masterClrMapping/>
+  </p:clrMapOvr>
+</p:sld>
+</file>
+
+<file path=ppt/slides/slide7.xml><?xml version="1.0" encoding="utf-8"?>
+<p:sld xmlns:a="http://schemas.openxmlformats.org/drawingml/2006/main" xmlns:r="http://schemas.openxmlformats.org/officeDocument/2006/relationships" xmlns:p="http://schemas.openxmlformats.org/presentationml/2006/main">
+  <p:cSld>
+    <p:spTree>
+      <p:nvGrpSpPr>
+        <p:cNvPr id="1" name=""/>
+        <p:cNvGrpSpPr/>
+        <p:nvPr/>
+      </p:nvGrpSpPr>
+      <p:grpSpPr>
+        <a:xfrm>
+          <a:off x="0" y="0"/>
+          <a:ext cx="0" cy="0"/>
+          <a:chOff x="0" y="0"/>
+          <a:chExt cx="0" cy="0"/>
+        </a:xfrm>
+      </p:grpSpPr>
+      <p:pic>
+        <p:nvPicPr>
+          <p:cNvPr id="4" name="Espace réservé du contenu 3" descr="Une image contenant texte, Appareils électroniques, capture d’écran, logiciel&#10;&#10;Le contenu généré par l’IA peut être incorrect.">
+            <a:extLst>
+              <a:ext uri="{FF2B5EF4-FFF2-40B4-BE49-F238E27FC236}">
+                <a16:creationId xmlns:a16="http://schemas.microsoft.com/office/drawing/2014/main" id="{8492E0ED-C75E-5777-0149-4ADCCD45BCDC}"/>
+              </a:ext>
+            </a:extLst>
+          </p:cNvPr>
+          <p:cNvPicPr>
+            <a:picLocks noGrp="1" noChangeAspect="1"/>
+          </p:cNvPicPr>
+          <p:nvPr>
+            <p:ph idx="1"/>
+          </p:nvPr>
+        </p:nvPicPr>
+        <p:blipFill>
+          <a:blip r:embed="rId2">
+            <a:extLst>
+              <a:ext uri="{28A0092B-C50C-407E-A947-70E740481C1C}">
+                <a14:useLocalDpi xmlns:a14="http://schemas.microsoft.com/office/drawing/2010/main" val="0"/>
+              </a:ext>
+            </a:extLst>
+          </a:blip>
+          <a:stretch>
+            <a:fillRect/>
+          </a:stretch>
+        </p:blipFill>
+        <p:spPr>
+          <a:xfrm>
+            <a:off x="3272139" y="1825625"/>
+            <a:ext cx="5647721" cy="4351338"/>
+          </a:xfrm>
+          <a:prstGeom prst="rect">
+            <a:avLst/>
+          </a:prstGeom>
+        </p:spPr>
+      </p:pic>
+      <p:sp>
+        <p:nvSpPr>
+          <p:cNvPr id="5" name="Rectangle 4">
+            <a:extLst>
+              <a:ext uri="{FF2B5EF4-FFF2-40B4-BE49-F238E27FC236}">
+                <a16:creationId xmlns:a16="http://schemas.microsoft.com/office/drawing/2014/main" id="{30294765-F7C7-0118-110A-291B8175D70A}"/>
+              </a:ext>
+            </a:extLst>
+          </p:cNvPr>
+          <p:cNvSpPr/>
+          <p:nvPr/>
+        </p:nvSpPr>
+        <p:spPr>
+          <a:xfrm>
+            <a:off x="7184261" y="2043417"/>
+            <a:ext cx="231270" cy="212103"/>
+          </a:xfrm>
+          <a:prstGeom prst="rect">
+            <a:avLst/>
+          </a:prstGeom>
+          <a:noFill/>
+          <a:ln w="38100">
+            <a:solidFill>
+              <a:srgbClr val="FF0000"/>
+            </a:solidFill>
+          </a:ln>
+        </p:spPr>
+        <p:style>
+          <a:lnRef idx="2">
+            <a:schemeClr val="accent1">
+              <a:shade val="50000"/>
+            </a:schemeClr>
+          </a:lnRef>
+          <a:fillRef idx="1">
+            <a:schemeClr val="accent1"/>
+          </a:fillRef>
+          <a:effectRef idx="0">
+            <a:schemeClr val="accent1"/>
+          </a:effectRef>
+          <a:fontRef idx="minor">
+            <a:schemeClr val="lt1"/>
+          </a:fontRef>
+        </p:style>
+        <p:txBody>
+          <a:bodyPr rtlCol="0" anchor="ctr"/>
+          <a:lstStyle/>
+          <a:p>
+            <a:pPr algn="ctr"/>
+            <a:endParaRPr lang="fr-FR"/>
+          </a:p>
+        </p:txBody>
+      </p:sp>
+      <p:sp>
+        <p:nvSpPr>
+          <p:cNvPr id="6" name="Rectangle 5">
+            <a:extLst>
+              <a:ext uri="{FF2B5EF4-FFF2-40B4-BE49-F238E27FC236}">
+                <a16:creationId xmlns:a16="http://schemas.microsoft.com/office/drawing/2014/main" id="{9722781E-B99F-6B9A-CE5C-1A3DCF388E09}"/>
+              </a:ext>
+            </a:extLst>
+          </p:cNvPr>
+          <p:cNvSpPr/>
+          <p:nvPr/>
+        </p:nvSpPr>
+        <p:spPr>
+          <a:xfrm>
+            <a:off x="4654420" y="3216897"/>
+            <a:ext cx="2889379" cy="1812303"/>
+          </a:xfrm>
+          <a:prstGeom prst="rect">
+            <a:avLst/>
+          </a:prstGeom>
+          <a:noFill/>
+          <a:ln w="38100">
+            <a:solidFill>
+              <a:srgbClr val="FF0000"/>
+            </a:solidFill>
+          </a:ln>
+        </p:spPr>
+        <p:style>
+          <a:lnRef idx="2">
+            <a:schemeClr val="accent1">
+              <a:shade val="50000"/>
+            </a:schemeClr>
+          </a:lnRef>
+          <a:fillRef idx="1">
+            <a:schemeClr val="accent1"/>
+          </a:fillRef>
+          <a:effectRef idx="0">
+            <a:schemeClr val="accent1"/>
+          </a:effectRef>
+          <a:fontRef idx="minor">
+            <a:schemeClr val="lt1"/>
+          </a:fontRef>
+        </p:style>
+        <p:txBody>
+          <a:bodyPr rtlCol="0" anchor="ctr"/>
+          <a:lstStyle/>
+          <a:p>
+            <a:pPr algn="ctr"/>
+            <a:endParaRPr lang="fr-FR"/>
+          </a:p>
+        </p:txBody>
+      </p:sp>
+      <p:cxnSp>
+        <p:nvCxnSpPr>
+          <p:cNvPr id="8" name="Connecteur droit 7">
+            <a:extLst>
+              <a:ext uri="{FF2B5EF4-FFF2-40B4-BE49-F238E27FC236}">
+                <a16:creationId xmlns:a16="http://schemas.microsoft.com/office/drawing/2014/main" id="{647C9A77-24EE-B808-D7D9-26781FCB48F5}"/>
+              </a:ext>
+            </a:extLst>
+          </p:cNvPr>
+          <p:cNvCxnSpPr>
+            <a:cxnSpLocks/>
+          </p:cNvCxnSpPr>
+          <p:nvPr/>
+        </p:nvCxnSpPr>
+        <p:spPr>
+          <a:xfrm flipH="1">
+            <a:off x="4654420" y="2043417"/>
+            <a:ext cx="2529841" cy="1173480"/>
+          </a:xfrm>
+          <a:prstGeom prst="line">
+            <a:avLst/>
+          </a:prstGeom>
+          <a:noFill/>
+          <a:ln w="38100">
+            <a:solidFill>
+              <a:srgbClr val="FF0000"/>
+            </a:solidFill>
+            <a:prstDash val="sysDash"/>
+          </a:ln>
+        </p:spPr>
+        <p:style>
+          <a:lnRef idx="2">
+            <a:schemeClr val="accent1">
+              <a:shade val="50000"/>
+            </a:schemeClr>
+          </a:lnRef>
+          <a:fillRef idx="1">
+            <a:schemeClr val="accent1"/>
+          </a:fillRef>
+          <a:effectRef idx="0">
+            <a:schemeClr val="accent1"/>
+          </a:effectRef>
+          <a:fontRef idx="minor">
+            <a:schemeClr val="lt1"/>
+          </a:fontRef>
+        </p:style>
+      </p:cxnSp>
+      <p:cxnSp>
+        <p:nvCxnSpPr>
+          <p:cNvPr id="9" name="Connecteur droit 8">
+            <a:extLst>
+              <a:ext uri="{FF2B5EF4-FFF2-40B4-BE49-F238E27FC236}">
+                <a16:creationId xmlns:a16="http://schemas.microsoft.com/office/drawing/2014/main" id="{50727CB1-2832-2D32-EACE-6DE3DC693AE4}"/>
+              </a:ext>
+            </a:extLst>
+          </p:cNvPr>
+          <p:cNvCxnSpPr>
+            <a:cxnSpLocks/>
+          </p:cNvCxnSpPr>
+          <p:nvPr/>
+        </p:nvCxnSpPr>
+        <p:spPr>
+          <a:xfrm>
+            <a:off x="7415531" y="2043417"/>
+            <a:ext cx="128268" cy="1173480"/>
+          </a:xfrm>
+          <a:prstGeom prst="line">
+            <a:avLst/>
+          </a:prstGeom>
+          <a:noFill/>
+          <a:ln w="38100">
+            <a:solidFill>
+              <a:srgbClr val="FF0000"/>
+            </a:solidFill>
+            <a:prstDash val="sysDash"/>
+          </a:ln>
+        </p:spPr>
+        <p:style>
+          <a:lnRef idx="2">
+            <a:schemeClr val="accent1">
+              <a:shade val="50000"/>
+            </a:schemeClr>
+          </a:lnRef>
+          <a:fillRef idx="1">
+            <a:schemeClr val="accent1"/>
+          </a:fillRef>
+          <a:effectRef idx="0">
+            <a:schemeClr val="accent1"/>
+          </a:effectRef>
+          <a:fontRef idx="minor">
+            <a:schemeClr val="lt1"/>
+          </a:fontRef>
+        </p:style>
+      </p:cxnSp>
+      <p:cxnSp>
+        <p:nvCxnSpPr>
+          <p:cNvPr id="13" name="Connecteur droit 12">
+            <a:extLst>
+              <a:ext uri="{FF2B5EF4-FFF2-40B4-BE49-F238E27FC236}">
+                <a16:creationId xmlns:a16="http://schemas.microsoft.com/office/drawing/2014/main" id="{C4ABE7FF-BC1B-B6FE-F833-0121C1E6528E}"/>
+              </a:ext>
+            </a:extLst>
+          </p:cNvPr>
+          <p:cNvCxnSpPr>
+            <a:cxnSpLocks/>
+          </p:cNvCxnSpPr>
+          <p:nvPr/>
+        </p:nvCxnSpPr>
+        <p:spPr>
+          <a:xfrm flipH="1">
+            <a:off x="5846857" y="2255520"/>
+            <a:ext cx="1337404" cy="961377"/>
+          </a:xfrm>
+          <a:prstGeom prst="line">
+            <a:avLst/>
+          </a:prstGeom>
+          <a:noFill/>
+          <a:ln w="38100">
+            <a:solidFill>
+              <a:srgbClr val="FF0000"/>
+            </a:solidFill>
+            <a:prstDash val="sysDash"/>
+          </a:ln>
+        </p:spPr>
+        <p:style>
+          <a:lnRef idx="2">
+            <a:schemeClr val="accent1">
+              <a:shade val="50000"/>
+            </a:schemeClr>
+          </a:lnRef>
+          <a:fillRef idx="1">
+            <a:schemeClr val="accent1"/>
+          </a:fillRef>
+          <a:effectRef idx="0">
+            <a:schemeClr val="accent1"/>
+          </a:effectRef>
+          <a:fontRef idx="minor">
+            <a:schemeClr val="lt1"/>
+          </a:fontRef>
+        </p:style>
+      </p:cxnSp>
+      <p:cxnSp>
+        <p:nvCxnSpPr>
+          <p:cNvPr id="26" name="Connecteur droit 25">
+            <a:extLst>
+              <a:ext uri="{FF2B5EF4-FFF2-40B4-BE49-F238E27FC236}">
+                <a16:creationId xmlns:a16="http://schemas.microsoft.com/office/drawing/2014/main" id="{E5FA9020-DB82-6585-E1C6-3739D6A1CA2D}"/>
+              </a:ext>
+            </a:extLst>
+          </p:cNvPr>
+          <p:cNvCxnSpPr>
+            <a:cxnSpLocks/>
+          </p:cNvCxnSpPr>
+          <p:nvPr/>
+        </p:nvCxnSpPr>
+        <p:spPr>
+          <a:xfrm>
+            <a:off x="7415531" y="2255520"/>
+            <a:ext cx="64134" cy="961377"/>
+          </a:xfrm>
+          <a:prstGeom prst="line">
+            <a:avLst/>
+          </a:prstGeom>
+          <a:noFill/>
+          <a:ln w="38100">
+            <a:solidFill>
+              <a:srgbClr val="FF0000"/>
+            </a:solidFill>
+            <a:prstDash val="sysDash"/>
+          </a:ln>
+        </p:spPr>
+        <p:style>
+          <a:lnRef idx="2">
+            <a:schemeClr val="accent1">
+              <a:shade val="50000"/>
+            </a:schemeClr>
+          </a:lnRef>
+          <a:fillRef idx="1">
+            <a:schemeClr val="accent1"/>
+          </a:fillRef>
+          <a:effectRef idx="0">
+            <a:schemeClr val="accent1"/>
+          </a:effectRef>
+          <a:fontRef idx="minor">
+            <a:schemeClr val="lt1"/>
+          </a:fontRef>
+        </p:style>
+      </p:cxnSp>
+      <p:sp>
+        <p:nvSpPr>
+          <p:cNvPr id="30" name="Rectangle 29">
+            <a:extLst>
+              <a:ext uri="{FF2B5EF4-FFF2-40B4-BE49-F238E27FC236}">
+                <a16:creationId xmlns:a16="http://schemas.microsoft.com/office/drawing/2014/main" id="{B521291B-B804-7295-DB13-992FEF4C37F0}"/>
+              </a:ext>
+            </a:extLst>
+          </p:cNvPr>
+          <p:cNvSpPr/>
+          <p:nvPr/>
+        </p:nvSpPr>
+        <p:spPr>
+          <a:xfrm>
+            <a:off x="6438900" y="3472624"/>
+            <a:ext cx="1066798" cy="762826"/>
+          </a:xfrm>
+          <a:prstGeom prst="rect">
+            <a:avLst/>
+          </a:prstGeom>
+          <a:noFill/>
+          <a:ln w="38100">
+            <a:solidFill>
+              <a:srgbClr val="00B050"/>
+            </a:solidFill>
+          </a:ln>
+        </p:spPr>
+        <p:style>
+          <a:lnRef idx="2">
+            <a:schemeClr val="accent1">
+              <a:shade val="50000"/>
+            </a:schemeClr>
+          </a:lnRef>
+          <a:fillRef idx="1">
+            <a:schemeClr val="accent1"/>
+          </a:fillRef>
+          <a:effectRef idx="0">
+            <a:schemeClr val="accent1"/>
+          </a:effectRef>
+          <a:fontRef idx="minor">
+            <a:schemeClr val="lt1"/>
+          </a:fontRef>
+        </p:style>
+        <p:txBody>
+          <a:bodyPr rtlCol="0" anchor="ctr"/>
+          <a:lstStyle/>
+          <a:p>
+            <a:pPr algn="ctr"/>
+            <a:endParaRPr lang="fr-FR"/>
+          </a:p>
+        </p:txBody>
+      </p:sp>
+    </p:spTree>
+    <p:extLst>
+      <p:ext uri="{BB962C8B-B14F-4D97-AF65-F5344CB8AC3E}">
+        <p14:creationId xmlns:p14="http://schemas.microsoft.com/office/powerpoint/2010/main" val="2820531231"/>
+      </p:ext>
+    </p:extLst>
+  </p:cSld>
+  <p:clrMapOvr>
+    <a:masterClrMapping/>
+  </p:clrMapOvr>
+</p:sld>
+</file>
+
+<file path=ppt/slides/slide8.xml><?xml version="1.0" encoding="utf-8"?>
+<p:sld xmlns:a="http://schemas.openxmlformats.org/drawingml/2006/main" xmlns:r="http://schemas.openxmlformats.org/officeDocument/2006/relationships" xmlns:p="http://schemas.openxmlformats.org/presentationml/2006/main">
+  <p:cSld>
+    <p:spTree>
+      <p:nvGrpSpPr>
+        <p:cNvPr id="1" name=""/>
+        <p:cNvGrpSpPr/>
+        <p:nvPr/>
+      </p:nvGrpSpPr>
+      <p:grpSpPr>
+        <a:xfrm>
+          <a:off x="0" y="0"/>
+          <a:ext cx="0" cy="0"/>
+          <a:chOff x="0" y="0"/>
+          <a:chExt cx="0" cy="0"/>
+        </a:xfrm>
+      </p:grpSpPr>
+      <p:pic>
+        <p:nvPicPr>
+          <p:cNvPr id="4" name="Image 3" descr="Une image contenant texte, capture d’écran, affichage, logiciel&#10;&#10;Le contenu généré par l’IA peut être incorrect.">
+            <a:extLst>
+              <a:ext uri="{FF2B5EF4-FFF2-40B4-BE49-F238E27FC236}">
+                <a16:creationId xmlns:a16="http://schemas.microsoft.com/office/drawing/2014/main" id="{1A6E53F8-AE5C-4EF9-9DAF-6934C8447206}"/>
+              </a:ext>
+            </a:extLst>
+          </p:cNvPr>
+          <p:cNvPicPr>
+            <a:picLocks noChangeAspect="1"/>
+          </p:cNvPicPr>
+          <p:nvPr/>
+        </p:nvPicPr>
+        <p:blipFill>
+          <a:blip r:embed="rId2" cstate="print">
+            <a:extLst>
+              <a:ext uri="{28A0092B-C50C-407E-A947-70E740481C1C}">
+                <a14:useLocalDpi xmlns:a14="http://schemas.microsoft.com/office/drawing/2010/main" val="0"/>
+              </a:ext>
+            </a:extLst>
+          </a:blip>
+          <a:stretch>
+            <a:fillRect/>
+          </a:stretch>
+        </p:blipFill>
+        <p:spPr>
+          <a:xfrm>
+            <a:off x="1783926" y="662425"/>
+            <a:ext cx="4464474" cy="3437644"/>
+          </a:xfrm>
+          <a:prstGeom prst="rect">
+            <a:avLst/>
+          </a:prstGeom>
+        </p:spPr>
+      </p:pic>
+      <p:sp>
+        <p:nvSpPr>
+          <p:cNvPr id="5" name="Rectangle 4">
+            <a:extLst>
+              <a:ext uri="{FF2B5EF4-FFF2-40B4-BE49-F238E27FC236}">
+                <a16:creationId xmlns:a16="http://schemas.microsoft.com/office/drawing/2014/main" id="{57C4D587-C711-0FDA-5283-7847C8B0A27F}"/>
+              </a:ext>
+            </a:extLst>
+          </p:cNvPr>
+          <p:cNvSpPr/>
+          <p:nvPr/>
+        </p:nvSpPr>
+        <p:spPr>
+          <a:xfrm>
+            <a:off x="5081141" y="816597"/>
+            <a:ext cx="183009" cy="218453"/>
+          </a:xfrm>
+          <a:prstGeom prst="rect">
+            <a:avLst/>
+          </a:prstGeom>
+          <a:noFill/>
+          <a:ln w="38100">
+            <a:solidFill>
+              <a:srgbClr val="FF0000"/>
+            </a:solidFill>
+          </a:ln>
+        </p:spPr>
+        <p:style>
+          <a:lnRef idx="2">
+            <a:schemeClr val="accent1">
+              <a:shade val="50000"/>
+            </a:schemeClr>
+          </a:lnRef>
+          <a:fillRef idx="1">
+            <a:schemeClr val="accent1"/>
+          </a:fillRef>
+          <a:effectRef idx="0">
+            <a:schemeClr val="accent1"/>
+          </a:effectRef>
+          <a:fontRef idx="minor">
+            <a:schemeClr val="lt1"/>
+          </a:fontRef>
+        </p:style>
+        <p:txBody>
+          <a:bodyPr rtlCol="0" anchor="ctr"/>
+          <a:lstStyle/>
+          <a:p>
+            <a:pPr algn="ctr"/>
+            <a:endParaRPr lang="fr-FR"/>
+          </a:p>
+        </p:txBody>
+      </p:sp>
+      <p:cxnSp>
+        <p:nvCxnSpPr>
+          <p:cNvPr id="6" name="Connecteur droit 5">
+            <a:extLst>
+              <a:ext uri="{FF2B5EF4-FFF2-40B4-BE49-F238E27FC236}">
+                <a16:creationId xmlns:a16="http://schemas.microsoft.com/office/drawing/2014/main" id="{69E83EE0-DF55-71D7-A602-A56D94886DF2}"/>
+              </a:ext>
+            </a:extLst>
+          </p:cNvPr>
+          <p:cNvCxnSpPr>
+            <a:cxnSpLocks/>
+          </p:cNvCxnSpPr>
+          <p:nvPr/>
+        </p:nvCxnSpPr>
+        <p:spPr>
+          <a:xfrm flipH="1">
+            <a:off x="2617341" y="816597"/>
+            <a:ext cx="2463800" cy="989832"/>
+          </a:xfrm>
+          <a:prstGeom prst="line">
+            <a:avLst/>
+          </a:prstGeom>
+          <a:noFill/>
+          <a:ln w="38100">
+            <a:solidFill>
+              <a:srgbClr val="FF0000"/>
+            </a:solidFill>
+            <a:prstDash val="sysDash"/>
+          </a:ln>
+        </p:spPr>
+        <p:style>
+          <a:lnRef idx="2">
+            <a:schemeClr val="accent1">
+              <a:shade val="50000"/>
+            </a:schemeClr>
+          </a:lnRef>
+          <a:fillRef idx="1">
+            <a:schemeClr val="accent1"/>
+          </a:fillRef>
+          <a:effectRef idx="0">
+            <a:schemeClr val="accent1"/>
+          </a:effectRef>
+          <a:fontRef idx="minor">
+            <a:schemeClr val="lt1"/>
+          </a:fontRef>
+        </p:style>
+      </p:cxnSp>
+      <p:sp>
+        <p:nvSpPr>
+          <p:cNvPr id="7" name="Rectangle 6">
+            <a:extLst>
+              <a:ext uri="{FF2B5EF4-FFF2-40B4-BE49-F238E27FC236}">
+                <a16:creationId xmlns:a16="http://schemas.microsoft.com/office/drawing/2014/main" id="{256A3746-6214-CE67-DE58-04B2C39CF4E5}"/>
+              </a:ext>
+            </a:extLst>
+          </p:cNvPr>
+          <p:cNvSpPr/>
+          <p:nvPr/>
+        </p:nvSpPr>
+        <p:spPr>
+          <a:xfrm>
+            <a:off x="2617341" y="1806429"/>
+            <a:ext cx="2792859" cy="1362221"/>
+          </a:xfrm>
+          <a:prstGeom prst="rect">
+            <a:avLst/>
+          </a:prstGeom>
+          <a:noFill/>
+          <a:ln w="38100">
+            <a:solidFill>
+              <a:srgbClr val="FF0000"/>
+            </a:solidFill>
+          </a:ln>
+        </p:spPr>
+        <p:style>
+          <a:lnRef idx="2">
+            <a:schemeClr val="accent1">
+              <a:shade val="50000"/>
+            </a:schemeClr>
+          </a:lnRef>
+          <a:fillRef idx="1">
+            <a:schemeClr val="accent1"/>
+          </a:fillRef>
+          <a:effectRef idx="0">
+            <a:schemeClr val="accent1"/>
+          </a:effectRef>
+          <a:fontRef idx="minor">
+            <a:schemeClr val="lt1"/>
+          </a:fontRef>
+        </p:style>
+        <p:txBody>
+          <a:bodyPr rtlCol="0" anchor="ctr"/>
+          <a:lstStyle/>
+          <a:p>
+            <a:pPr algn="ctr"/>
+            <a:endParaRPr lang="fr-FR"/>
+          </a:p>
+        </p:txBody>
+      </p:sp>
+      <p:cxnSp>
+        <p:nvCxnSpPr>
+          <p:cNvPr id="12" name="Connecteur droit 11">
+            <a:extLst>
+              <a:ext uri="{FF2B5EF4-FFF2-40B4-BE49-F238E27FC236}">
+                <a16:creationId xmlns:a16="http://schemas.microsoft.com/office/drawing/2014/main" id="{3E6AA6FD-8244-171B-CC4C-8ED7E5EBDD51}"/>
+              </a:ext>
+            </a:extLst>
+          </p:cNvPr>
+          <p:cNvCxnSpPr>
+            <a:cxnSpLocks/>
+          </p:cNvCxnSpPr>
+          <p:nvPr/>
+        </p:nvCxnSpPr>
+        <p:spPr>
+          <a:xfrm flipH="1">
+            <a:off x="4190382" y="1035050"/>
+            <a:ext cx="890759" cy="771379"/>
+          </a:xfrm>
+          <a:prstGeom prst="line">
+            <a:avLst/>
+          </a:prstGeom>
+          <a:noFill/>
+          <a:ln w="38100">
+            <a:solidFill>
+              <a:srgbClr val="FF0000"/>
+            </a:solidFill>
+            <a:prstDash val="sysDash"/>
+          </a:ln>
+        </p:spPr>
+        <p:style>
+          <a:lnRef idx="2">
+            <a:schemeClr val="accent1">
+              <a:shade val="50000"/>
+            </a:schemeClr>
+          </a:lnRef>
+          <a:fillRef idx="1">
+            <a:schemeClr val="accent1"/>
+          </a:fillRef>
+          <a:effectRef idx="0">
+            <a:schemeClr val="accent1"/>
+          </a:effectRef>
+          <a:fontRef idx="minor">
+            <a:schemeClr val="lt1"/>
+          </a:fontRef>
+        </p:style>
+      </p:cxnSp>
+      <p:cxnSp>
+        <p:nvCxnSpPr>
+          <p:cNvPr id="16" name="Connecteur droit 15">
+            <a:extLst>
+              <a:ext uri="{FF2B5EF4-FFF2-40B4-BE49-F238E27FC236}">
+                <a16:creationId xmlns:a16="http://schemas.microsoft.com/office/drawing/2014/main" id="{243CAB72-90C2-5725-4705-3BD204567E1A}"/>
+              </a:ext>
+            </a:extLst>
+          </p:cNvPr>
+          <p:cNvCxnSpPr>
+            <a:cxnSpLocks/>
+          </p:cNvCxnSpPr>
+          <p:nvPr/>
+        </p:nvCxnSpPr>
+        <p:spPr>
+          <a:xfrm>
+            <a:off x="5264150" y="816597"/>
+            <a:ext cx="146050" cy="989832"/>
+          </a:xfrm>
+          <a:prstGeom prst="line">
+            <a:avLst/>
+          </a:prstGeom>
+          <a:noFill/>
+          <a:ln w="38100">
+            <a:solidFill>
+              <a:srgbClr val="FF0000"/>
+            </a:solidFill>
+            <a:prstDash val="sysDash"/>
+          </a:ln>
+        </p:spPr>
+        <p:style>
+          <a:lnRef idx="2">
+            <a:schemeClr val="accent1">
+              <a:shade val="50000"/>
+            </a:schemeClr>
+          </a:lnRef>
+          <a:fillRef idx="1">
+            <a:schemeClr val="accent1"/>
+          </a:fillRef>
+          <a:effectRef idx="0">
+            <a:schemeClr val="accent1"/>
+          </a:effectRef>
+          <a:fontRef idx="minor">
+            <a:schemeClr val="lt1"/>
+          </a:fontRef>
+        </p:style>
+      </p:cxnSp>
+      <p:cxnSp>
+        <p:nvCxnSpPr>
+          <p:cNvPr id="19" name="Connecteur droit 18">
+            <a:extLst>
+              <a:ext uri="{FF2B5EF4-FFF2-40B4-BE49-F238E27FC236}">
+                <a16:creationId xmlns:a16="http://schemas.microsoft.com/office/drawing/2014/main" id="{45F7ACF8-85F2-C1C5-74EE-D92942C2ACA4}"/>
+              </a:ext>
+            </a:extLst>
+          </p:cNvPr>
+          <p:cNvCxnSpPr>
+            <a:cxnSpLocks/>
+          </p:cNvCxnSpPr>
+          <p:nvPr/>
+        </p:nvCxnSpPr>
+        <p:spPr>
+          <a:xfrm>
+            <a:off x="5268218" y="1035050"/>
+            <a:ext cx="52044" cy="771379"/>
+          </a:xfrm>
+          <a:prstGeom prst="line">
+            <a:avLst/>
+          </a:prstGeom>
+          <a:noFill/>
+          <a:ln w="38100">
+            <a:solidFill>
+              <a:srgbClr val="FF0000"/>
+            </a:solidFill>
+            <a:prstDash val="sysDash"/>
+          </a:ln>
+        </p:spPr>
+        <p:style>
+          <a:lnRef idx="2">
+            <a:schemeClr val="accent1">
+              <a:shade val="50000"/>
+            </a:schemeClr>
+          </a:lnRef>
+          <a:fillRef idx="1">
+            <a:schemeClr val="accent1"/>
+          </a:fillRef>
+          <a:effectRef idx="0">
+            <a:schemeClr val="accent1"/>
+          </a:effectRef>
+          <a:fontRef idx="minor">
+            <a:schemeClr val="lt1"/>
+          </a:fontRef>
+        </p:style>
+      </p:cxnSp>
+      <p:sp>
+        <p:nvSpPr>
+          <p:cNvPr id="22" name="Rectangle 21">
+            <a:extLst>
+              <a:ext uri="{FF2B5EF4-FFF2-40B4-BE49-F238E27FC236}">
+                <a16:creationId xmlns:a16="http://schemas.microsoft.com/office/drawing/2014/main" id="{61FB2E7C-210A-F0BE-B639-2791CB5186F8}"/>
+              </a:ext>
+            </a:extLst>
+          </p:cNvPr>
+          <p:cNvSpPr/>
+          <p:nvPr/>
+        </p:nvSpPr>
+        <p:spPr>
+          <a:xfrm>
+            <a:off x="3906391" y="1997282"/>
+            <a:ext cx="443359" cy="187471"/>
+          </a:xfrm>
+          <a:prstGeom prst="rect">
+            <a:avLst/>
+          </a:prstGeom>
+          <a:noFill/>
+          <a:ln w="38100">
+            <a:solidFill>
+              <a:srgbClr val="FF0000"/>
+            </a:solidFill>
+          </a:ln>
+        </p:spPr>
+        <p:style>
+          <a:lnRef idx="2">
+            <a:schemeClr val="accent1">
+              <a:shade val="50000"/>
+            </a:schemeClr>
+          </a:lnRef>
+          <a:fillRef idx="1">
+            <a:schemeClr val="accent1"/>
+          </a:fillRef>
+          <a:effectRef idx="0">
+            <a:schemeClr val="accent1"/>
+          </a:effectRef>
+          <a:fontRef idx="minor">
+            <a:schemeClr val="lt1"/>
+          </a:fontRef>
+        </p:style>
+        <p:txBody>
+          <a:bodyPr rtlCol="0" anchor="ctr"/>
+          <a:lstStyle/>
+          <a:p>
+            <a:pPr algn="ctr"/>
+            <a:endParaRPr lang="fr-FR"/>
+          </a:p>
+        </p:txBody>
+      </p:sp>
+      <p:sp>
+        <p:nvSpPr>
+          <p:cNvPr id="23" name="Rectangle 22">
+            <a:extLst>
+              <a:ext uri="{FF2B5EF4-FFF2-40B4-BE49-F238E27FC236}">
+                <a16:creationId xmlns:a16="http://schemas.microsoft.com/office/drawing/2014/main" id="{42B242BF-4CDB-3FC8-7787-45F2BFF0CDCB}"/>
+              </a:ext>
+            </a:extLst>
+          </p:cNvPr>
+          <p:cNvSpPr/>
+          <p:nvPr/>
+        </p:nvSpPr>
+        <p:spPr>
+          <a:xfrm>
+            <a:off x="3480371" y="2269888"/>
+            <a:ext cx="297879" cy="282520"/>
+          </a:xfrm>
+          <a:prstGeom prst="rect">
+            <a:avLst/>
+          </a:prstGeom>
+          <a:noFill/>
+          <a:ln w="38100">
+            <a:solidFill>
+              <a:srgbClr val="00B050"/>
+            </a:solidFill>
+          </a:ln>
+        </p:spPr>
+        <p:style>
+          <a:lnRef idx="2">
+            <a:schemeClr val="accent1">
+              <a:shade val="50000"/>
+            </a:schemeClr>
+          </a:lnRef>
+          <a:fillRef idx="1">
+            <a:schemeClr val="accent1"/>
+          </a:fillRef>
+          <a:effectRef idx="0">
+            <a:schemeClr val="accent1"/>
+          </a:effectRef>
+          <a:fontRef idx="minor">
+            <a:schemeClr val="lt1"/>
+          </a:fontRef>
+        </p:style>
+        <p:txBody>
+          <a:bodyPr rtlCol="0" anchor="ctr"/>
+          <a:lstStyle/>
+          <a:p>
+            <a:pPr algn="ctr"/>
+            <a:endParaRPr lang="fr-FR"/>
+          </a:p>
+        </p:txBody>
+      </p:sp>
+      <p:sp>
+        <p:nvSpPr>
+          <p:cNvPr id="25" name="Rectangle 24">
+            <a:extLst>
+              <a:ext uri="{FF2B5EF4-FFF2-40B4-BE49-F238E27FC236}">
+                <a16:creationId xmlns:a16="http://schemas.microsoft.com/office/drawing/2014/main" id="{6F911F04-DA03-6723-8C2E-357AED43C556}"/>
+              </a:ext>
+            </a:extLst>
+          </p:cNvPr>
+          <p:cNvSpPr/>
+          <p:nvPr/>
+        </p:nvSpPr>
+        <p:spPr>
+          <a:xfrm>
+            <a:off x="5175030" y="2222935"/>
+            <a:ext cx="183009" cy="190329"/>
+          </a:xfrm>
+          <a:prstGeom prst="rect">
+            <a:avLst/>
+          </a:prstGeom>
+          <a:noFill/>
+          <a:ln w="38100">
+            <a:solidFill>
+              <a:srgbClr val="7030A0"/>
+            </a:solidFill>
+          </a:ln>
+        </p:spPr>
+        <p:style>
+          <a:lnRef idx="2">
+            <a:schemeClr val="accent1">
+              <a:shade val="50000"/>
+            </a:schemeClr>
+          </a:lnRef>
+          <a:fillRef idx="1">
+            <a:schemeClr val="accent1"/>
+          </a:fillRef>
+          <a:effectRef idx="0">
+            <a:schemeClr val="accent1"/>
+          </a:effectRef>
+          <a:fontRef idx="minor">
+            <a:schemeClr val="lt1"/>
+          </a:fontRef>
+        </p:style>
+        <p:txBody>
+          <a:bodyPr rtlCol="0" anchor="ctr"/>
+          <a:lstStyle/>
+          <a:p>
+            <a:pPr algn="ctr"/>
+            <a:endParaRPr lang="fr-FR"/>
+          </a:p>
+        </p:txBody>
+      </p:sp>
+      <p:sp>
+        <p:nvSpPr>
+          <p:cNvPr id="24" name="Rectangle 23">
+            <a:extLst>
+              <a:ext uri="{FF2B5EF4-FFF2-40B4-BE49-F238E27FC236}">
+                <a16:creationId xmlns:a16="http://schemas.microsoft.com/office/drawing/2014/main" id="{0A0932D4-F0FB-952F-B6E2-3611FE7F690D}"/>
+              </a:ext>
+            </a:extLst>
+          </p:cNvPr>
+          <p:cNvSpPr/>
+          <p:nvPr/>
+        </p:nvSpPr>
+        <p:spPr>
+          <a:xfrm>
+            <a:off x="5175030" y="2016768"/>
+            <a:ext cx="183009" cy="206168"/>
+          </a:xfrm>
+          <a:prstGeom prst="rect">
+            <a:avLst/>
+          </a:prstGeom>
+          <a:noFill/>
+          <a:ln w="38100">
+            <a:solidFill>
+              <a:srgbClr val="00B050"/>
+            </a:solidFill>
+          </a:ln>
+        </p:spPr>
+        <p:style>
+          <a:lnRef idx="2">
+            <a:schemeClr val="accent1">
+              <a:shade val="50000"/>
+            </a:schemeClr>
+          </a:lnRef>
+          <a:fillRef idx="1">
+            <a:schemeClr val="accent1"/>
+          </a:fillRef>
+          <a:effectRef idx="0">
+            <a:schemeClr val="accent1"/>
+          </a:effectRef>
+          <a:fontRef idx="minor">
+            <a:schemeClr val="lt1"/>
+          </a:fontRef>
+        </p:style>
+        <p:txBody>
+          <a:bodyPr rtlCol="0" anchor="ctr"/>
+          <a:lstStyle/>
+          <a:p>
+            <a:pPr algn="ctr"/>
+            <a:endParaRPr lang="fr-FR"/>
+          </a:p>
+        </p:txBody>
+      </p:sp>
+      <p:sp>
+        <p:nvSpPr>
+          <p:cNvPr id="26" name="Ellipse 25">
+            <a:extLst>
+              <a:ext uri="{FF2B5EF4-FFF2-40B4-BE49-F238E27FC236}">
+                <a16:creationId xmlns:a16="http://schemas.microsoft.com/office/drawing/2014/main" id="{B6D978A4-2C32-9750-7E7F-CD987F8CCB3D}"/>
+              </a:ext>
+            </a:extLst>
+          </p:cNvPr>
+          <p:cNvSpPr/>
+          <p:nvPr/>
+        </p:nvSpPr>
+        <p:spPr>
+          <a:xfrm>
+            <a:off x="3106476" y="2250281"/>
+            <a:ext cx="321734" cy="321734"/>
+          </a:xfrm>
+          <a:prstGeom prst="ellipse">
+            <a:avLst/>
+          </a:prstGeom>
+          <a:solidFill>
+            <a:schemeClr val="bg1"/>
+          </a:solidFill>
+          <a:ln w="28575">
+            <a:solidFill>
+              <a:srgbClr val="FF0000"/>
+            </a:solidFill>
+          </a:ln>
+        </p:spPr>
+        <p:style>
+          <a:lnRef idx="2">
+            <a:schemeClr val="accent1">
+              <a:shade val="50000"/>
+            </a:schemeClr>
+          </a:lnRef>
+          <a:fillRef idx="1">
+            <a:schemeClr val="accent1"/>
+          </a:fillRef>
+          <a:effectRef idx="0">
+            <a:schemeClr val="accent1"/>
+          </a:effectRef>
+          <a:fontRef idx="minor">
+            <a:schemeClr val="lt1"/>
+          </a:fontRef>
+        </p:style>
+        <p:txBody>
+          <a:bodyPr rtlCol="0" anchor="ctr"/>
+          <a:lstStyle/>
+          <a:p>
+            <a:pPr algn="ctr"/>
+            <a:r>
+              <a:rPr lang="fr-FR" b="1" dirty="0">
+                <a:solidFill>
+                  <a:srgbClr val="FF0000"/>
+                </a:solidFill>
+              </a:rPr>
+              <a:t>1</a:t>
+            </a:r>
+          </a:p>
+        </p:txBody>
+      </p:sp>
+      <p:sp>
+        <p:nvSpPr>
+          <p:cNvPr id="27" name="Ellipse 26">
+            <a:extLst>
+              <a:ext uri="{FF2B5EF4-FFF2-40B4-BE49-F238E27FC236}">
+                <a16:creationId xmlns:a16="http://schemas.microsoft.com/office/drawing/2014/main" id="{3C5FFCE3-47F0-3156-0062-9634F0DC7166}"/>
+              </a:ext>
+            </a:extLst>
+          </p:cNvPr>
+          <p:cNvSpPr/>
+          <p:nvPr/>
+        </p:nvSpPr>
+        <p:spPr>
+          <a:xfrm>
+            <a:off x="5452744" y="2846916"/>
+            <a:ext cx="321734" cy="321734"/>
+          </a:xfrm>
+          <a:prstGeom prst="ellipse">
+            <a:avLst/>
+          </a:prstGeom>
+          <a:solidFill>
+            <a:schemeClr val="bg1"/>
+          </a:solidFill>
+          <a:ln w="28575">
+            <a:solidFill>
+              <a:srgbClr val="FF0000"/>
+            </a:solidFill>
+          </a:ln>
+        </p:spPr>
+        <p:style>
+          <a:lnRef idx="2">
+            <a:schemeClr val="accent1">
+              <a:shade val="50000"/>
+            </a:schemeClr>
+          </a:lnRef>
+          <a:fillRef idx="1">
+            <a:schemeClr val="accent1"/>
+          </a:fillRef>
+          <a:effectRef idx="0">
+            <a:schemeClr val="accent1"/>
+          </a:effectRef>
+          <a:fontRef idx="minor">
+            <a:schemeClr val="lt1"/>
+          </a:fontRef>
+        </p:style>
+        <p:txBody>
+          <a:bodyPr rtlCol="0" anchor="ctr"/>
+          <a:lstStyle/>
+          <a:p>
+            <a:pPr algn="ctr"/>
+            <a:r>
+              <a:rPr lang="fr-FR" b="1" dirty="0">
+                <a:solidFill>
+                  <a:srgbClr val="FF0000"/>
+                </a:solidFill>
+              </a:rPr>
+              <a:t>3</a:t>
+            </a:r>
+          </a:p>
+        </p:txBody>
+      </p:sp>
+      <p:sp>
+        <p:nvSpPr>
+          <p:cNvPr id="28" name="Ellipse 27">
+            <a:extLst>
+              <a:ext uri="{FF2B5EF4-FFF2-40B4-BE49-F238E27FC236}">
+                <a16:creationId xmlns:a16="http://schemas.microsoft.com/office/drawing/2014/main" id="{92C96220-501E-4BB9-11B4-92F5A7899A87}"/>
+              </a:ext>
+            </a:extLst>
+          </p:cNvPr>
+          <p:cNvSpPr/>
+          <p:nvPr/>
+        </p:nvSpPr>
+        <p:spPr>
+          <a:xfrm>
+            <a:off x="4791580" y="2208461"/>
+            <a:ext cx="321734" cy="321734"/>
+          </a:xfrm>
+          <a:prstGeom prst="ellipse">
+            <a:avLst/>
+          </a:prstGeom>
+          <a:solidFill>
+            <a:schemeClr val="bg1"/>
+          </a:solidFill>
+          <a:ln w="28575">
+            <a:solidFill>
+              <a:srgbClr val="7030A0"/>
+            </a:solidFill>
+          </a:ln>
+        </p:spPr>
+        <p:style>
+          <a:lnRef idx="2">
+            <a:schemeClr val="accent1">
+              <a:shade val="50000"/>
+            </a:schemeClr>
+          </a:lnRef>
+          <a:fillRef idx="1">
+            <a:schemeClr val="accent1"/>
+          </a:fillRef>
+          <a:effectRef idx="0">
+            <a:schemeClr val="accent1"/>
+          </a:effectRef>
+          <a:fontRef idx="minor">
+            <a:schemeClr val="lt1"/>
+          </a:fontRef>
+        </p:style>
+        <p:txBody>
+          <a:bodyPr rtlCol="0" anchor="ctr"/>
+          <a:lstStyle/>
+          <a:p>
+            <a:pPr algn="ctr"/>
+            <a:r>
+              <a:rPr lang="fr-FR" b="1" dirty="0">
+                <a:solidFill>
+                  <a:srgbClr val="7030A0"/>
+                </a:solidFill>
+              </a:rPr>
+              <a:t>4</a:t>
+            </a:r>
+          </a:p>
+        </p:txBody>
+      </p:sp>
+      <p:sp>
+        <p:nvSpPr>
+          <p:cNvPr id="29" name="Ellipse 28">
+            <a:extLst>
+              <a:ext uri="{FF2B5EF4-FFF2-40B4-BE49-F238E27FC236}">
+                <a16:creationId xmlns:a16="http://schemas.microsoft.com/office/drawing/2014/main" id="{2AAA61BF-8F35-278D-837F-6C9CB05B6D7A}"/>
+              </a:ext>
+            </a:extLst>
+          </p:cNvPr>
+          <p:cNvSpPr/>
+          <p:nvPr/>
+        </p:nvSpPr>
+        <p:spPr>
+          <a:xfrm>
+            <a:off x="5457824" y="1958985"/>
+            <a:ext cx="321734" cy="321734"/>
+          </a:xfrm>
+          <a:prstGeom prst="ellipse">
+            <a:avLst/>
+          </a:prstGeom>
+          <a:solidFill>
+            <a:schemeClr val="bg1"/>
+          </a:solidFill>
+          <a:ln w="28575">
+            <a:solidFill>
+              <a:srgbClr val="FF0000"/>
+            </a:solidFill>
+          </a:ln>
+        </p:spPr>
+        <p:style>
+          <a:lnRef idx="2">
+            <a:schemeClr val="accent1">
+              <a:shade val="50000"/>
+            </a:schemeClr>
+          </a:lnRef>
+          <a:fillRef idx="1">
+            <a:schemeClr val="accent1"/>
+          </a:fillRef>
+          <a:effectRef idx="0">
+            <a:schemeClr val="accent1"/>
+          </a:effectRef>
+          <a:fontRef idx="minor">
+            <a:schemeClr val="lt1"/>
+          </a:fontRef>
+        </p:style>
+        <p:txBody>
+          <a:bodyPr rtlCol="0" anchor="ctr"/>
+          <a:lstStyle/>
+          <a:p>
+            <a:pPr algn="ctr"/>
+            <a:r>
+              <a:rPr lang="fr-FR" b="1" dirty="0">
+                <a:solidFill>
+                  <a:srgbClr val="FF0000"/>
+                </a:solidFill>
+              </a:rPr>
+              <a:t>2</a:t>
+            </a:r>
+          </a:p>
+        </p:txBody>
+      </p:sp>
+      <p:sp>
+        <p:nvSpPr>
+          <p:cNvPr id="30" name="Rectangle 29">
+            <a:extLst>
+              <a:ext uri="{FF2B5EF4-FFF2-40B4-BE49-F238E27FC236}">
+                <a16:creationId xmlns:a16="http://schemas.microsoft.com/office/drawing/2014/main" id="{AEC7242C-DC34-43CF-AEC6-8D8CF124076C}"/>
+              </a:ext>
+            </a:extLst>
+          </p:cNvPr>
+          <p:cNvSpPr/>
+          <p:nvPr/>
+        </p:nvSpPr>
+        <p:spPr>
+          <a:xfrm>
+            <a:off x="5190813" y="2912408"/>
+            <a:ext cx="183009" cy="206168"/>
+          </a:xfrm>
+          <a:prstGeom prst="rect">
+            <a:avLst/>
+          </a:prstGeom>
+          <a:noFill/>
+          <a:ln w="38100">
+            <a:solidFill>
+              <a:srgbClr val="00B050"/>
+            </a:solidFill>
+          </a:ln>
+        </p:spPr>
+        <p:style>
+          <a:lnRef idx="2">
+            <a:schemeClr val="accent1">
+              <a:shade val="50000"/>
+            </a:schemeClr>
+          </a:lnRef>
+          <a:fillRef idx="1">
+            <a:schemeClr val="accent1"/>
+          </a:fillRef>
+          <a:effectRef idx="0">
+            <a:schemeClr val="accent1"/>
+          </a:effectRef>
+          <a:fontRef idx="minor">
+            <a:schemeClr val="lt1"/>
+          </a:fontRef>
+        </p:style>
+        <p:txBody>
+          <a:bodyPr rtlCol="0" anchor="ctr"/>
+          <a:lstStyle/>
+          <a:p>
+            <a:pPr algn="ctr"/>
+            <a:endParaRPr lang="fr-FR"/>
+          </a:p>
+        </p:txBody>
+      </p:sp>
+    </p:spTree>
+    <p:extLst>
+      <p:ext uri="{BB962C8B-B14F-4D97-AF65-F5344CB8AC3E}">
+        <p14:creationId xmlns:p14="http://schemas.microsoft.com/office/powerpoint/2010/main" val="3506515072"/>
+      </p:ext>
+    </p:extLst>
+  </p:cSld>
+  <p:clrMapOvr>
+    <a:masterClrMapping/>
+  </p:clrMapOvr>
+</p:sld>
+</file>
+
+<file path=ppt/slides/slide9.xml><?xml version="1.0" encoding="utf-8"?>
+<p:sld xmlns:a="http://schemas.openxmlformats.org/drawingml/2006/main" xmlns:r="http://schemas.openxmlformats.org/officeDocument/2006/relationships" xmlns:p="http://schemas.openxmlformats.org/presentationml/2006/main">
+  <p:cSld>
+    <p:bg>
+      <p:bgPr>
+        <a:solidFill>
+          <a:schemeClr val="bg1"/>
+        </a:solidFill>
+        <a:effectLst/>
+      </p:bgPr>
+    </p:bg>
+    <p:spTree>
+      <p:nvGrpSpPr>
+        <p:cNvPr id="1" name=""/>
+        <p:cNvGrpSpPr/>
+        <p:nvPr/>
+      </p:nvGrpSpPr>
+      <p:grpSpPr>
+        <a:xfrm>
+          <a:off x="0" y="0"/>
+          <a:ext cx="0" cy="0"/>
+          <a:chOff x="0" y="0"/>
+          <a:chExt cx="0" cy="0"/>
+        </a:xfrm>
+      </p:grpSpPr>
+      <p:pic>
+        <p:nvPicPr>
+          <p:cNvPr id="4" name="Image 3" descr="Une image contenant texte, capture d’écran, logiciel, affichage&#10;&#10;Le contenu généré par l’IA peut être incorrect.">
+            <a:extLst>
+              <a:ext uri="{FF2B5EF4-FFF2-40B4-BE49-F238E27FC236}">
+                <a16:creationId xmlns:a16="http://schemas.microsoft.com/office/drawing/2014/main" id="{F079D22B-B3DD-99B7-562D-79B5C51293C3}"/>
+              </a:ext>
+            </a:extLst>
+          </p:cNvPr>
+          <p:cNvPicPr>
+            <a:picLocks noChangeAspect="1"/>
+          </p:cNvPicPr>
+          <p:nvPr/>
+        </p:nvPicPr>
+        <p:blipFill>
+          <a:blip r:embed="rId2" cstate="print">
+            <a:extLst>
+              <a:ext uri="{28A0092B-C50C-407E-A947-70E740481C1C}">
+                <a14:useLocalDpi xmlns:a14="http://schemas.microsoft.com/office/drawing/2010/main" val="0"/>
+              </a:ext>
+            </a:extLst>
+          </a:blip>
+          <a:stretch>
+            <a:fillRect/>
+          </a:stretch>
+        </p:blipFill>
+        <p:spPr>
+          <a:xfrm>
+            <a:off x="2478423" y="643466"/>
+            <a:ext cx="7235153" cy="5571067"/>
+          </a:xfrm>
+          <a:prstGeom prst="rect">
+            <a:avLst/>
+          </a:prstGeom>
+        </p:spPr>
+      </p:pic>
+      <p:sp>
+        <p:nvSpPr>
+          <p:cNvPr id="5" name="Rectangle 4">
+            <a:extLst>
+              <a:ext uri="{FF2B5EF4-FFF2-40B4-BE49-F238E27FC236}">
+                <a16:creationId xmlns:a16="http://schemas.microsoft.com/office/drawing/2014/main" id="{8CBF08FB-7231-84F6-41DC-EF59BC6C4352}"/>
+              </a:ext>
+            </a:extLst>
+          </p:cNvPr>
+          <p:cNvSpPr/>
+          <p:nvPr/>
+        </p:nvSpPr>
+        <p:spPr>
+          <a:xfrm>
+            <a:off x="6602254" y="935794"/>
+            <a:ext cx="265906" cy="258005"/>
+          </a:xfrm>
+          <a:prstGeom prst="rect">
+            <a:avLst/>
+          </a:prstGeom>
+          <a:noFill/>
+          <a:ln w="38100">
+            <a:solidFill>
+              <a:srgbClr val="FF0000"/>
+            </a:solidFill>
+          </a:ln>
+        </p:spPr>
+        <p:style>
+          <a:lnRef idx="2">
+            <a:schemeClr val="accent1">
+              <a:shade val="50000"/>
+            </a:schemeClr>
+          </a:lnRef>
+          <a:fillRef idx="1">
+            <a:schemeClr val="accent1"/>
+          </a:fillRef>
+          <a:effectRef idx="0">
+            <a:schemeClr val="accent1"/>
+          </a:effectRef>
+          <a:fontRef idx="minor">
+            <a:schemeClr val="lt1"/>
+          </a:fontRef>
+        </p:style>
+        <p:txBody>
+          <a:bodyPr rtlCol="0" anchor="ctr"/>
+          <a:lstStyle/>
+          <a:p>
+            <a:pPr algn="ctr"/>
+            <a:endParaRPr lang="fr-FR"/>
+          </a:p>
+        </p:txBody>
+      </p:sp>
+      <p:sp>
+        <p:nvSpPr>
+          <p:cNvPr id="6" name="Rectangle 5">
+            <a:extLst>
+              <a:ext uri="{FF2B5EF4-FFF2-40B4-BE49-F238E27FC236}">
+                <a16:creationId xmlns:a16="http://schemas.microsoft.com/office/drawing/2014/main" id="{3A357A02-C61C-4944-E985-6760FDB5EF26}"/>
+              </a:ext>
+            </a:extLst>
+          </p:cNvPr>
+          <p:cNvSpPr/>
+          <p:nvPr/>
+        </p:nvSpPr>
+        <p:spPr>
+          <a:xfrm>
+            <a:off x="4082920" y="2605434"/>
+            <a:ext cx="4021552" cy="2707711"/>
+          </a:xfrm>
+          <a:prstGeom prst="rect">
+            <a:avLst/>
+          </a:prstGeom>
+          <a:noFill/>
+          <a:ln w="38100">
+            <a:solidFill>
+              <a:srgbClr val="FF0000"/>
+            </a:solidFill>
+          </a:ln>
+        </p:spPr>
+        <p:style>
+          <a:lnRef idx="2">
+            <a:schemeClr val="accent1">
+              <a:shade val="50000"/>
+            </a:schemeClr>
+          </a:lnRef>
+          <a:fillRef idx="1">
+            <a:schemeClr val="accent1"/>
+          </a:fillRef>
+          <a:effectRef idx="0">
+            <a:schemeClr val="accent1"/>
+          </a:effectRef>
+          <a:fontRef idx="minor">
+            <a:schemeClr val="lt1"/>
+          </a:fontRef>
+        </p:style>
+        <p:txBody>
+          <a:bodyPr rtlCol="0" anchor="ctr"/>
+          <a:lstStyle/>
+          <a:p>
+            <a:pPr algn="ctr"/>
+            <a:endParaRPr lang="fr-FR"/>
+          </a:p>
+        </p:txBody>
+      </p:sp>
+      <p:cxnSp>
+        <p:nvCxnSpPr>
+          <p:cNvPr id="7" name="Connecteur droit 6">
+            <a:extLst>
+              <a:ext uri="{FF2B5EF4-FFF2-40B4-BE49-F238E27FC236}">
+                <a16:creationId xmlns:a16="http://schemas.microsoft.com/office/drawing/2014/main" id="{948A199E-AA14-9426-8B36-0DC18BBBABD1}"/>
+              </a:ext>
+            </a:extLst>
+          </p:cNvPr>
+          <p:cNvCxnSpPr>
+            <a:cxnSpLocks/>
+          </p:cNvCxnSpPr>
+          <p:nvPr/>
+        </p:nvCxnSpPr>
+        <p:spPr>
+          <a:xfrm flipH="1">
+            <a:off x="4082920" y="954177"/>
+            <a:ext cx="2519334" cy="1651257"/>
+          </a:xfrm>
+          <a:prstGeom prst="line">
+            <a:avLst/>
+          </a:prstGeom>
+          <a:noFill/>
+          <a:ln w="38100">
+            <a:solidFill>
+              <a:srgbClr val="FF0000"/>
+            </a:solidFill>
+            <a:prstDash val="sysDash"/>
+          </a:ln>
+        </p:spPr>
+        <p:style>
+          <a:lnRef idx="2">
+            <a:schemeClr val="accent1">
+              <a:shade val="50000"/>
+            </a:schemeClr>
+          </a:lnRef>
+          <a:fillRef idx="1">
+            <a:schemeClr val="accent1"/>
+          </a:fillRef>
+          <a:effectRef idx="0">
+            <a:schemeClr val="accent1"/>
+          </a:effectRef>
+          <a:fontRef idx="minor">
+            <a:schemeClr val="lt1"/>
+          </a:fontRef>
+        </p:style>
+      </p:cxnSp>
+      <p:cxnSp>
+        <p:nvCxnSpPr>
+          <p:cNvPr id="8" name="Connecteur droit 7">
+            <a:extLst>
+              <a:ext uri="{FF2B5EF4-FFF2-40B4-BE49-F238E27FC236}">
+                <a16:creationId xmlns:a16="http://schemas.microsoft.com/office/drawing/2014/main" id="{8E159071-8B1F-5150-81E7-E0476785B2A9}"/>
+              </a:ext>
+            </a:extLst>
+          </p:cNvPr>
+          <p:cNvCxnSpPr>
+            <a:cxnSpLocks/>
+          </p:cNvCxnSpPr>
+          <p:nvPr/>
+        </p:nvCxnSpPr>
+        <p:spPr>
+          <a:xfrm>
+            <a:off x="6875778" y="918742"/>
+            <a:ext cx="1228694" cy="1680604"/>
+          </a:xfrm>
+          <a:prstGeom prst="line">
+            <a:avLst/>
+          </a:prstGeom>
+          <a:noFill/>
+          <a:ln w="38100">
+            <a:solidFill>
+              <a:srgbClr val="FF0000"/>
+            </a:solidFill>
+            <a:prstDash val="sysDash"/>
+          </a:ln>
+        </p:spPr>
+        <p:style>
+          <a:lnRef idx="2">
+            <a:schemeClr val="accent1">
+              <a:shade val="50000"/>
+            </a:schemeClr>
+          </a:lnRef>
+          <a:fillRef idx="1">
+            <a:schemeClr val="accent1"/>
+          </a:fillRef>
+          <a:effectRef idx="0">
+            <a:schemeClr val="accent1"/>
+          </a:effectRef>
+          <a:fontRef idx="minor">
+            <a:schemeClr val="lt1"/>
+          </a:fontRef>
+        </p:style>
+      </p:cxnSp>
+      <p:cxnSp>
+        <p:nvCxnSpPr>
+          <p:cNvPr id="9" name="Connecteur droit 8">
+            <a:extLst>
+              <a:ext uri="{FF2B5EF4-FFF2-40B4-BE49-F238E27FC236}">
+                <a16:creationId xmlns:a16="http://schemas.microsoft.com/office/drawing/2014/main" id="{E4F720BF-41B3-BC44-ADC7-7C754F3F92EB}"/>
+              </a:ext>
+            </a:extLst>
+          </p:cNvPr>
+          <p:cNvCxnSpPr>
+            <a:cxnSpLocks/>
+          </p:cNvCxnSpPr>
+          <p:nvPr/>
+        </p:nvCxnSpPr>
+        <p:spPr>
+          <a:xfrm flipH="1">
+            <a:off x="5727032" y="1210462"/>
+            <a:ext cx="850837" cy="1388884"/>
+          </a:xfrm>
+          <a:prstGeom prst="line">
+            <a:avLst/>
+          </a:prstGeom>
+          <a:noFill/>
+          <a:ln w="38100">
+            <a:solidFill>
+              <a:srgbClr val="FF0000"/>
+            </a:solidFill>
+            <a:prstDash val="sysDash"/>
+          </a:ln>
+        </p:spPr>
+        <p:style>
+          <a:lnRef idx="2">
+            <a:schemeClr val="accent1">
+              <a:shade val="50000"/>
+            </a:schemeClr>
+          </a:lnRef>
+          <a:fillRef idx="1">
+            <a:schemeClr val="accent1"/>
+          </a:fillRef>
+          <a:effectRef idx="0">
+            <a:schemeClr val="accent1"/>
+          </a:effectRef>
+          <a:fontRef idx="minor">
+            <a:schemeClr val="lt1"/>
+          </a:fontRef>
+        </p:style>
+      </p:cxnSp>
+      <p:cxnSp>
+        <p:nvCxnSpPr>
+          <p:cNvPr id="10" name="Connecteur droit 9">
+            <a:extLst>
+              <a:ext uri="{FF2B5EF4-FFF2-40B4-BE49-F238E27FC236}">
+                <a16:creationId xmlns:a16="http://schemas.microsoft.com/office/drawing/2014/main" id="{8CAEBD49-0DD9-25B3-B393-8D0E758B4EBB}"/>
+              </a:ext>
+            </a:extLst>
+          </p:cNvPr>
+          <p:cNvCxnSpPr>
+            <a:cxnSpLocks/>
+          </p:cNvCxnSpPr>
+          <p:nvPr/>
+        </p:nvCxnSpPr>
+        <p:spPr>
+          <a:xfrm>
+            <a:off x="6875778" y="1193799"/>
+            <a:ext cx="429797" cy="1436303"/>
+          </a:xfrm>
+          <a:prstGeom prst="line">
+            <a:avLst/>
+          </a:prstGeom>
+          <a:noFill/>
+          <a:ln w="38100">
+            <a:solidFill>
+              <a:srgbClr val="FF0000"/>
+            </a:solidFill>
+            <a:prstDash val="sysDash"/>
+          </a:ln>
+        </p:spPr>
+        <p:style>
+          <a:lnRef idx="2">
+            <a:schemeClr val="accent1">
+              <a:shade val="50000"/>
+            </a:schemeClr>
+          </a:lnRef>
+          <a:fillRef idx="1">
+            <a:schemeClr val="accent1"/>
+          </a:fillRef>
+          <a:effectRef idx="0">
+            <a:schemeClr val="accent1"/>
+          </a:effectRef>
+          <a:fontRef idx="minor">
+            <a:schemeClr val="lt1"/>
+          </a:fontRef>
+        </p:style>
+      </p:cxnSp>
+    </p:spTree>
+    <p:extLst>
+      <p:ext uri="{BB962C8B-B14F-4D97-AF65-F5344CB8AC3E}">
+        <p14:creationId xmlns:p14="http://schemas.microsoft.com/office/powerpoint/2010/main" val="3873721182"/>
+      </p:ext>
+    </p:extLst>
+  </p:cSld>
+  <p:clrMapOvr>
+    <a:masterClrMapping/>
+  </p:clrMapOvr>
+</p:sld>
+</file>
+
 <file path=ppt/theme/theme1.xml><?xml version="1.0" encoding="utf-8"?>
 <a:theme xmlns:a="http://schemas.openxmlformats.org/drawingml/2006/main" name="Thème Office">
   <a:themeElements>

--- a/04_CoMAX/04_Comax_Documentation.pptx
+++ b/04_CoMAX/04_Comax_Documentation.pptx
@@ -8,12 +8,14 @@
     <p:sldId id="256" r:id="rId2"/>
     <p:sldId id="257" r:id="rId3"/>
     <p:sldId id="258" r:id="rId4"/>
-    <p:sldId id="259" r:id="rId5"/>
-    <p:sldId id="260" r:id="rId6"/>
-    <p:sldId id="261" r:id="rId7"/>
-    <p:sldId id="262" r:id="rId8"/>
-    <p:sldId id="263" r:id="rId9"/>
-    <p:sldId id="264" r:id="rId10"/>
+    <p:sldId id="266" r:id="rId5"/>
+    <p:sldId id="259" r:id="rId6"/>
+    <p:sldId id="260" r:id="rId7"/>
+    <p:sldId id="261" r:id="rId8"/>
+    <p:sldId id="262" r:id="rId9"/>
+    <p:sldId id="263" r:id="rId10"/>
+    <p:sldId id="265" r:id="rId11"/>
+    <p:sldId id="264" r:id="rId12"/>
   </p:sldIdLst>
   <p:sldSz cx="12192000" cy="6858000"/>
   <p:notesSz cx="6858000" cy="9144000"/>
@@ -260,7 +262,7 @@
           <a:p>
             <a:fld id="{E2A59C7C-0414-41C0-B3E9-D515AFE7EFD4}" type="datetimeFigureOut">
               <a:rPr lang="fr-FR" smtClean="0"/>
-              <a:t>04/04/2025</a:t>
+              <a:t>23/06/2025</a:t>
             </a:fld>
             <a:endParaRPr lang="fr-FR"/>
           </a:p>
@@ -428,7 +430,7 @@
           <a:p>
             <a:fld id="{E2A59C7C-0414-41C0-B3E9-D515AFE7EFD4}" type="datetimeFigureOut">
               <a:rPr lang="fr-FR" smtClean="0"/>
-              <a:t>04/04/2025</a:t>
+              <a:t>23/06/2025</a:t>
             </a:fld>
             <a:endParaRPr lang="fr-FR"/>
           </a:p>
@@ -606,7 +608,7 @@
           <a:p>
             <a:fld id="{E2A59C7C-0414-41C0-B3E9-D515AFE7EFD4}" type="datetimeFigureOut">
               <a:rPr lang="fr-FR" smtClean="0"/>
-              <a:t>04/04/2025</a:t>
+              <a:t>23/06/2025</a:t>
             </a:fld>
             <a:endParaRPr lang="fr-FR"/>
           </a:p>
@@ -774,7 +776,7 @@
           <a:p>
             <a:fld id="{E2A59C7C-0414-41C0-B3E9-D515AFE7EFD4}" type="datetimeFigureOut">
               <a:rPr lang="fr-FR" smtClean="0"/>
-              <a:t>04/04/2025</a:t>
+              <a:t>23/06/2025</a:t>
             </a:fld>
             <a:endParaRPr lang="fr-FR"/>
           </a:p>
@@ -1019,7 +1021,7 @@
           <a:p>
             <a:fld id="{E2A59C7C-0414-41C0-B3E9-D515AFE7EFD4}" type="datetimeFigureOut">
               <a:rPr lang="fr-FR" smtClean="0"/>
-              <a:t>04/04/2025</a:t>
+              <a:t>23/06/2025</a:t>
             </a:fld>
             <a:endParaRPr lang="fr-FR"/>
           </a:p>
@@ -1248,7 +1250,7 @@
           <a:p>
             <a:fld id="{E2A59C7C-0414-41C0-B3E9-D515AFE7EFD4}" type="datetimeFigureOut">
               <a:rPr lang="fr-FR" smtClean="0"/>
-              <a:t>04/04/2025</a:t>
+              <a:t>23/06/2025</a:t>
             </a:fld>
             <a:endParaRPr lang="fr-FR"/>
           </a:p>
@@ -1612,7 +1614,7 @@
           <a:p>
             <a:fld id="{E2A59C7C-0414-41C0-B3E9-D515AFE7EFD4}" type="datetimeFigureOut">
               <a:rPr lang="fr-FR" smtClean="0"/>
-              <a:t>04/04/2025</a:t>
+              <a:t>23/06/2025</a:t>
             </a:fld>
             <a:endParaRPr lang="fr-FR"/>
           </a:p>
@@ -1729,7 +1731,7 @@
           <a:p>
             <a:fld id="{E2A59C7C-0414-41C0-B3E9-D515AFE7EFD4}" type="datetimeFigureOut">
               <a:rPr lang="fr-FR" smtClean="0"/>
-              <a:t>04/04/2025</a:t>
+              <a:t>23/06/2025</a:t>
             </a:fld>
             <a:endParaRPr lang="fr-FR"/>
           </a:p>
@@ -1824,7 +1826,7 @@
           <a:p>
             <a:fld id="{E2A59C7C-0414-41C0-B3E9-D515AFE7EFD4}" type="datetimeFigureOut">
               <a:rPr lang="fr-FR" smtClean="0"/>
-              <a:t>04/04/2025</a:t>
+              <a:t>23/06/2025</a:t>
             </a:fld>
             <a:endParaRPr lang="fr-FR"/>
           </a:p>
@@ -2099,7 +2101,7 @@
           <a:p>
             <a:fld id="{E2A59C7C-0414-41C0-B3E9-D515AFE7EFD4}" type="datetimeFigureOut">
               <a:rPr lang="fr-FR" smtClean="0"/>
-              <a:t>04/04/2025</a:t>
+              <a:t>23/06/2025</a:t>
             </a:fld>
             <a:endParaRPr lang="fr-FR"/>
           </a:p>
@@ -2351,7 +2353,7 @@
           <a:p>
             <a:fld id="{E2A59C7C-0414-41C0-B3E9-D515AFE7EFD4}" type="datetimeFigureOut">
               <a:rPr lang="fr-FR" smtClean="0"/>
-              <a:t>04/04/2025</a:t>
+              <a:t>23/06/2025</a:t>
             </a:fld>
             <a:endParaRPr lang="fr-FR"/>
           </a:p>
@@ -2562,7 +2564,7 @@
           <a:p>
             <a:fld id="{E2A59C7C-0414-41C0-B3E9-D515AFE7EFD4}" type="datetimeFigureOut">
               <a:rPr lang="fr-FR" smtClean="0"/>
-              <a:t>04/04/2025</a:t>
+              <a:t>23/06/2025</a:t>
             </a:fld>
             <a:endParaRPr lang="fr-FR"/>
           </a:p>
@@ -3018,6 +3020,1089 @@
 </p:sld>
 </file>
 
+<file path=ppt/slides/slide10.xml><?xml version="1.0" encoding="utf-8"?>
+<p:sld xmlns:a="http://schemas.openxmlformats.org/drawingml/2006/main" xmlns:r="http://schemas.openxmlformats.org/officeDocument/2006/relationships" xmlns:p="http://schemas.openxmlformats.org/presentationml/2006/main">
+  <p:cSld>
+    <p:spTree>
+      <p:nvGrpSpPr>
+        <p:cNvPr id="1" name="">
+          <a:extLst>
+            <a:ext uri="{FF2B5EF4-FFF2-40B4-BE49-F238E27FC236}">
+              <a16:creationId xmlns:a16="http://schemas.microsoft.com/office/drawing/2014/main" id="{7706FF20-5104-1438-8C2E-2D517A32C732}"/>
+            </a:ext>
+          </a:extLst>
+        </p:cNvPr>
+        <p:cNvGrpSpPr/>
+        <p:nvPr/>
+      </p:nvGrpSpPr>
+      <p:grpSpPr>
+        <a:xfrm>
+          <a:off x="0" y="0"/>
+          <a:ext cx="0" cy="0"/>
+          <a:chOff x="0" y="0"/>
+          <a:chExt cx="0" cy="0"/>
+        </a:xfrm>
+      </p:grpSpPr>
+      <p:pic>
+        <p:nvPicPr>
+          <p:cNvPr id="3" name="Image 2" descr="Une image contenant texte, capture d’écran, logiciel, affichage&#10;&#10;Le contenu généré par l’IA peut être incorrect.">
+            <a:extLst>
+              <a:ext uri="{FF2B5EF4-FFF2-40B4-BE49-F238E27FC236}">
+                <a16:creationId xmlns:a16="http://schemas.microsoft.com/office/drawing/2014/main" id="{DEE4FDF1-196D-A171-8BFB-7C9CAA2AF4E6}"/>
+              </a:ext>
+            </a:extLst>
+          </p:cNvPr>
+          <p:cNvPicPr>
+            <a:picLocks noChangeAspect="1"/>
+          </p:cNvPicPr>
+          <p:nvPr/>
+        </p:nvPicPr>
+        <p:blipFill>
+          <a:blip r:embed="rId2">
+            <a:extLst>
+              <a:ext uri="{28A0092B-C50C-407E-A947-70E740481C1C}">
+                <a14:useLocalDpi xmlns:a14="http://schemas.microsoft.com/office/drawing/2010/main" val="0"/>
+              </a:ext>
+            </a:extLst>
+          </a:blip>
+          <a:stretch>
+            <a:fillRect/>
+          </a:stretch>
+        </p:blipFill>
+        <p:spPr>
+          <a:xfrm>
+            <a:off x="3253956" y="1253503"/>
+            <a:ext cx="5684088" cy="4350994"/>
+          </a:xfrm>
+          <a:prstGeom prst="rect">
+            <a:avLst/>
+          </a:prstGeom>
+        </p:spPr>
+      </p:pic>
+      <p:sp>
+        <p:nvSpPr>
+          <p:cNvPr id="5" name="Rectangle 4">
+            <a:extLst>
+              <a:ext uri="{FF2B5EF4-FFF2-40B4-BE49-F238E27FC236}">
+                <a16:creationId xmlns:a16="http://schemas.microsoft.com/office/drawing/2014/main" id="{913D075B-48EC-E330-3106-ABE570E0ECBC}"/>
+              </a:ext>
+            </a:extLst>
+          </p:cNvPr>
+          <p:cNvSpPr/>
+          <p:nvPr/>
+        </p:nvSpPr>
+        <p:spPr>
+          <a:xfrm>
+            <a:off x="7938641" y="1697202"/>
+            <a:ext cx="208409" cy="261783"/>
+          </a:xfrm>
+          <a:prstGeom prst="rect">
+            <a:avLst/>
+          </a:prstGeom>
+          <a:noFill/>
+          <a:ln w="38100">
+            <a:solidFill>
+              <a:srgbClr val="FF0000"/>
+            </a:solidFill>
+          </a:ln>
+        </p:spPr>
+        <p:style>
+          <a:lnRef idx="2">
+            <a:schemeClr val="accent1">
+              <a:shade val="50000"/>
+            </a:schemeClr>
+          </a:lnRef>
+          <a:fillRef idx="1">
+            <a:schemeClr val="accent1"/>
+          </a:fillRef>
+          <a:effectRef idx="0">
+            <a:schemeClr val="accent1"/>
+          </a:effectRef>
+          <a:fontRef idx="minor">
+            <a:schemeClr val="lt1"/>
+          </a:fontRef>
+        </p:style>
+        <p:txBody>
+          <a:bodyPr rtlCol="0" anchor="ctr"/>
+          <a:lstStyle/>
+          <a:p>
+            <a:pPr algn="ctr"/>
+            <a:endParaRPr lang="fr-FR"/>
+          </a:p>
+        </p:txBody>
+      </p:sp>
+      <p:sp>
+        <p:nvSpPr>
+          <p:cNvPr id="7" name="Rectangle 6">
+            <a:extLst>
+              <a:ext uri="{FF2B5EF4-FFF2-40B4-BE49-F238E27FC236}">
+                <a16:creationId xmlns:a16="http://schemas.microsoft.com/office/drawing/2014/main" id="{BCDFD901-BB62-BB58-8687-0B6D94402478}"/>
+              </a:ext>
+            </a:extLst>
+          </p:cNvPr>
+          <p:cNvSpPr/>
+          <p:nvPr/>
+        </p:nvSpPr>
+        <p:spPr>
+          <a:xfrm>
+            <a:off x="4321680" y="2705124"/>
+            <a:ext cx="3539620" cy="1670026"/>
+          </a:xfrm>
+          <a:prstGeom prst="rect">
+            <a:avLst/>
+          </a:prstGeom>
+          <a:noFill/>
+          <a:ln w="38100">
+            <a:solidFill>
+              <a:srgbClr val="FF0000"/>
+            </a:solidFill>
+          </a:ln>
+        </p:spPr>
+        <p:style>
+          <a:lnRef idx="2">
+            <a:schemeClr val="accent1">
+              <a:shade val="50000"/>
+            </a:schemeClr>
+          </a:lnRef>
+          <a:fillRef idx="1">
+            <a:schemeClr val="accent1"/>
+          </a:fillRef>
+          <a:effectRef idx="0">
+            <a:schemeClr val="accent1"/>
+          </a:effectRef>
+          <a:fontRef idx="minor">
+            <a:schemeClr val="lt1"/>
+          </a:fontRef>
+        </p:style>
+        <p:txBody>
+          <a:bodyPr rtlCol="0" anchor="ctr"/>
+          <a:lstStyle/>
+          <a:p>
+            <a:pPr algn="ctr"/>
+            <a:endParaRPr lang="fr-FR"/>
+          </a:p>
+        </p:txBody>
+      </p:sp>
+      <p:cxnSp>
+        <p:nvCxnSpPr>
+          <p:cNvPr id="12" name="Connecteur droit 11">
+            <a:extLst>
+              <a:ext uri="{FF2B5EF4-FFF2-40B4-BE49-F238E27FC236}">
+                <a16:creationId xmlns:a16="http://schemas.microsoft.com/office/drawing/2014/main" id="{53DEACBD-D32F-ADF8-00D0-37BB85F3FF60}"/>
+              </a:ext>
+            </a:extLst>
+          </p:cNvPr>
+          <p:cNvCxnSpPr>
+            <a:cxnSpLocks/>
+          </p:cNvCxnSpPr>
+          <p:nvPr/>
+        </p:nvCxnSpPr>
+        <p:spPr>
+          <a:xfrm flipH="1">
+            <a:off x="4300054" y="1697202"/>
+            <a:ext cx="3625328" cy="1030001"/>
+          </a:xfrm>
+          <a:prstGeom prst="line">
+            <a:avLst/>
+          </a:prstGeom>
+          <a:noFill/>
+          <a:ln w="38100">
+            <a:solidFill>
+              <a:srgbClr val="FF0000"/>
+            </a:solidFill>
+            <a:prstDash val="sysDash"/>
+          </a:ln>
+        </p:spPr>
+        <p:style>
+          <a:lnRef idx="2">
+            <a:schemeClr val="accent1">
+              <a:shade val="50000"/>
+            </a:schemeClr>
+          </a:lnRef>
+          <a:fillRef idx="1">
+            <a:schemeClr val="accent1"/>
+          </a:fillRef>
+          <a:effectRef idx="0">
+            <a:schemeClr val="accent1"/>
+          </a:effectRef>
+          <a:fontRef idx="minor">
+            <a:schemeClr val="lt1"/>
+          </a:fontRef>
+        </p:style>
+      </p:cxnSp>
+      <p:cxnSp>
+        <p:nvCxnSpPr>
+          <p:cNvPr id="16" name="Connecteur droit 15">
+            <a:extLst>
+              <a:ext uri="{FF2B5EF4-FFF2-40B4-BE49-F238E27FC236}">
+                <a16:creationId xmlns:a16="http://schemas.microsoft.com/office/drawing/2014/main" id="{A9B3FAE5-D864-BF81-88FA-0FB80AAB0026}"/>
+              </a:ext>
+            </a:extLst>
+          </p:cNvPr>
+          <p:cNvCxnSpPr>
+            <a:cxnSpLocks/>
+          </p:cNvCxnSpPr>
+          <p:nvPr/>
+        </p:nvCxnSpPr>
+        <p:spPr>
+          <a:xfrm flipH="1">
+            <a:off x="7861300" y="1948037"/>
+            <a:ext cx="284297" cy="2427113"/>
+          </a:xfrm>
+          <a:prstGeom prst="line">
+            <a:avLst/>
+          </a:prstGeom>
+          <a:noFill/>
+          <a:ln w="38100">
+            <a:solidFill>
+              <a:srgbClr val="FF0000"/>
+            </a:solidFill>
+            <a:prstDash val="sysDash"/>
+          </a:ln>
+        </p:spPr>
+        <p:style>
+          <a:lnRef idx="2">
+            <a:schemeClr val="accent1">
+              <a:shade val="50000"/>
+            </a:schemeClr>
+          </a:lnRef>
+          <a:fillRef idx="1">
+            <a:schemeClr val="accent1"/>
+          </a:fillRef>
+          <a:effectRef idx="0">
+            <a:schemeClr val="accent1"/>
+          </a:effectRef>
+          <a:fontRef idx="minor">
+            <a:schemeClr val="lt1"/>
+          </a:fontRef>
+        </p:style>
+      </p:cxnSp>
+      <p:cxnSp>
+        <p:nvCxnSpPr>
+          <p:cNvPr id="19" name="Connecteur droit 18">
+            <a:extLst>
+              <a:ext uri="{FF2B5EF4-FFF2-40B4-BE49-F238E27FC236}">
+                <a16:creationId xmlns:a16="http://schemas.microsoft.com/office/drawing/2014/main" id="{093BF8F4-E024-751C-69DF-3B49C40ED1FC}"/>
+              </a:ext>
+            </a:extLst>
+          </p:cNvPr>
+          <p:cNvCxnSpPr>
+            <a:cxnSpLocks/>
+          </p:cNvCxnSpPr>
+          <p:nvPr/>
+        </p:nvCxnSpPr>
+        <p:spPr>
+          <a:xfrm flipH="1">
+            <a:off x="6774595" y="1964771"/>
+            <a:ext cx="1150787" cy="784799"/>
+          </a:xfrm>
+          <a:prstGeom prst="line">
+            <a:avLst/>
+          </a:prstGeom>
+          <a:noFill/>
+          <a:ln w="38100">
+            <a:solidFill>
+              <a:srgbClr val="FF0000"/>
+            </a:solidFill>
+            <a:prstDash val="sysDash"/>
+          </a:ln>
+        </p:spPr>
+        <p:style>
+          <a:lnRef idx="2">
+            <a:schemeClr val="accent1">
+              <a:shade val="50000"/>
+            </a:schemeClr>
+          </a:lnRef>
+          <a:fillRef idx="1">
+            <a:schemeClr val="accent1"/>
+          </a:fillRef>
+          <a:effectRef idx="0">
+            <a:schemeClr val="accent1"/>
+          </a:effectRef>
+          <a:fontRef idx="minor">
+            <a:schemeClr val="lt1"/>
+          </a:fontRef>
+        </p:style>
+      </p:cxnSp>
+      <p:sp>
+        <p:nvSpPr>
+          <p:cNvPr id="22" name="Rectangle 21">
+            <a:extLst>
+              <a:ext uri="{FF2B5EF4-FFF2-40B4-BE49-F238E27FC236}">
+                <a16:creationId xmlns:a16="http://schemas.microsoft.com/office/drawing/2014/main" id="{44F2CD09-235E-644B-A5A4-4EA20E74912F}"/>
+              </a:ext>
+            </a:extLst>
+          </p:cNvPr>
+          <p:cNvSpPr/>
+          <p:nvPr/>
+        </p:nvSpPr>
+        <p:spPr>
+          <a:xfrm>
+            <a:off x="5980936" y="2944158"/>
+            <a:ext cx="479591" cy="226744"/>
+          </a:xfrm>
+          <a:prstGeom prst="rect">
+            <a:avLst/>
+          </a:prstGeom>
+          <a:noFill/>
+          <a:ln w="38100">
+            <a:solidFill>
+              <a:srgbClr val="FF0000"/>
+            </a:solidFill>
+          </a:ln>
+        </p:spPr>
+        <p:style>
+          <a:lnRef idx="2">
+            <a:schemeClr val="accent1">
+              <a:shade val="50000"/>
+            </a:schemeClr>
+          </a:lnRef>
+          <a:fillRef idx="1">
+            <a:schemeClr val="accent1"/>
+          </a:fillRef>
+          <a:effectRef idx="0">
+            <a:schemeClr val="accent1"/>
+          </a:effectRef>
+          <a:fontRef idx="minor">
+            <a:schemeClr val="lt1"/>
+          </a:fontRef>
+        </p:style>
+        <p:txBody>
+          <a:bodyPr rtlCol="0" anchor="ctr"/>
+          <a:lstStyle/>
+          <a:p>
+            <a:pPr algn="ctr"/>
+            <a:endParaRPr lang="fr-FR"/>
+          </a:p>
+        </p:txBody>
+      </p:sp>
+      <p:sp>
+        <p:nvSpPr>
+          <p:cNvPr id="25" name="Rectangle 24">
+            <a:extLst>
+              <a:ext uri="{FF2B5EF4-FFF2-40B4-BE49-F238E27FC236}">
+                <a16:creationId xmlns:a16="http://schemas.microsoft.com/office/drawing/2014/main" id="{A30AA358-A47F-FE50-824B-384BF45C03CF}"/>
+              </a:ext>
+            </a:extLst>
+          </p:cNvPr>
+          <p:cNvSpPr/>
+          <p:nvPr/>
+        </p:nvSpPr>
+        <p:spPr>
+          <a:xfrm>
+            <a:off x="5175030" y="2222935"/>
+            <a:ext cx="183009" cy="190329"/>
+          </a:xfrm>
+          <a:prstGeom prst="rect">
+            <a:avLst/>
+          </a:prstGeom>
+          <a:noFill/>
+          <a:ln w="38100">
+            <a:solidFill>
+              <a:srgbClr val="7030A0"/>
+            </a:solidFill>
+          </a:ln>
+        </p:spPr>
+        <p:style>
+          <a:lnRef idx="2">
+            <a:schemeClr val="accent1">
+              <a:shade val="50000"/>
+            </a:schemeClr>
+          </a:lnRef>
+          <a:fillRef idx="1">
+            <a:schemeClr val="accent1"/>
+          </a:fillRef>
+          <a:effectRef idx="0">
+            <a:schemeClr val="accent1"/>
+          </a:effectRef>
+          <a:fontRef idx="minor">
+            <a:schemeClr val="lt1"/>
+          </a:fontRef>
+        </p:style>
+        <p:txBody>
+          <a:bodyPr rtlCol="0" anchor="ctr"/>
+          <a:lstStyle/>
+          <a:p>
+            <a:pPr algn="ctr"/>
+            <a:endParaRPr lang="fr-FR"/>
+          </a:p>
+        </p:txBody>
+      </p:sp>
+      <p:sp>
+        <p:nvSpPr>
+          <p:cNvPr id="26" name="Ellipse 25">
+            <a:extLst>
+              <a:ext uri="{FF2B5EF4-FFF2-40B4-BE49-F238E27FC236}">
+                <a16:creationId xmlns:a16="http://schemas.microsoft.com/office/drawing/2014/main" id="{E537D025-6FB3-DCEA-BCA6-D144F4E517F2}"/>
+              </a:ext>
+            </a:extLst>
+          </p:cNvPr>
+          <p:cNvSpPr/>
+          <p:nvPr/>
+        </p:nvSpPr>
+        <p:spPr>
+          <a:xfrm>
+            <a:off x="7861300" y="1276150"/>
+            <a:ext cx="321734" cy="321734"/>
+          </a:xfrm>
+          <a:prstGeom prst="ellipse">
+            <a:avLst/>
+          </a:prstGeom>
+          <a:solidFill>
+            <a:schemeClr val="bg1"/>
+          </a:solidFill>
+          <a:ln w="28575">
+            <a:solidFill>
+              <a:srgbClr val="FF0000"/>
+            </a:solidFill>
+          </a:ln>
+        </p:spPr>
+        <p:style>
+          <a:lnRef idx="2">
+            <a:schemeClr val="accent1">
+              <a:shade val="50000"/>
+            </a:schemeClr>
+          </a:lnRef>
+          <a:fillRef idx="1">
+            <a:schemeClr val="accent1"/>
+          </a:fillRef>
+          <a:effectRef idx="0">
+            <a:schemeClr val="accent1"/>
+          </a:effectRef>
+          <a:fontRef idx="minor">
+            <a:schemeClr val="lt1"/>
+          </a:fontRef>
+        </p:style>
+        <p:txBody>
+          <a:bodyPr rtlCol="0" anchor="ctr"/>
+          <a:lstStyle/>
+          <a:p>
+            <a:pPr algn="ctr"/>
+            <a:r>
+              <a:rPr lang="fr-FR" b="1" dirty="0">
+                <a:solidFill>
+                  <a:srgbClr val="FF0000"/>
+                </a:solidFill>
+              </a:rPr>
+              <a:t>1</a:t>
+            </a:r>
+          </a:p>
+        </p:txBody>
+      </p:sp>
+      <p:sp>
+        <p:nvSpPr>
+          <p:cNvPr id="27" name="Ellipse 26">
+            <a:extLst>
+              <a:ext uri="{FF2B5EF4-FFF2-40B4-BE49-F238E27FC236}">
+                <a16:creationId xmlns:a16="http://schemas.microsoft.com/office/drawing/2014/main" id="{AB4DD6E3-3FAE-77E9-5E61-FFBE1788F9E3}"/>
+              </a:ext>
+            </a:extLst>
+          </p:cNvPr>
+          <p:cNvSpPr/>
+          <p:nvPr/>
+        </p:nvSpPr>
+        <p:spPr>
+          <a:xfrm>
+            <a:off x="7543332" y="2622424"/>
+            <a:ext cx="321734" cy="321734"/>
+          </a:xfrm>
+          <a:prstGeom prst="ellipse">
+            <a:avLst/>
+          </a:prstGeom>
+          <a:solidFill>
+            <a:schemeClr val="bg1"/>
+          </a:solidFill>
+          <a:ln w="28575">
+            <a:solidFill>
+              <a:srgbClr val="FF0000"/>
+            </a:solidFill>
+          </a:ln>
+        </p:spPr>
+        <p:style>
+          <a:lnRef idx="2">
+            <a:schemeClr val="accent1">
+              <a:shade val="50000"/>
+            </a:schemeClr>
+          </a:lnRef>
+          <a:fillRef idx="1">
+            <a:schemeClr val="accent1"/>
+          </a:fillRef>
+          <a:effectRef idx="0">
+            <a:schemeClr val="accent1"/>
+          </a:effectRef>
+          <a:fontRef idx="minor">
+            <a:schemeClr val="lt1"/>
+          </a:fontRef>
+        </p:style>
+        <p:txBody>
+          <a:bodyPr rtlCol="0" anchor="ctr"/>
+          <a:lstStyle/>
+          <a:p>
+            <a:pPr algn="ctr"/>
+            <a:r>
+              <a:rPr lang="fr-FR" b="1" dirty="0">
+                <a:solidFill>
+                  <a:srgbClr val="FF0000"/>
+                </a:solidFill>
+              </a:rPr>
+              <a:t>3</a:t>
+            </a:r>
+          </a:p>
+        </p:txBody>
+      </p:sp>
+      <p:sp>
+        <p:nvSpPr>
+          <p:cNvPr id="29" name="Ellipse 28">
+            <a:extLst>
+              <a:ext uri="{FF2B5EF4-FFF2-40B4-BE49-F238E27FC236}">
+                <a16:creationId xmlns:a16="http://schemas.microsoft.com/office/drawing/2014/main" id="{95BF9E14-AC77-4BC6-5C8D-4BB5067953E5}"/>
+              </a:ext>
+            </a:extLst>
+          </p:cNvPr>
+          <p:cNvSpPr/>
+          <p:nvPr/>
+        </p:nvSpPr>
+        <p:spPr>
+          <a:xfrm>
+            <a:off x="6102561" y="2590674"/>
+            <a:ext cx="321734" cy="321734"/>
+          </a:xfrm>
+          <a:prstGeom prst="ellipse">
+            <a:avLst/>
+          </a:prstGeom>
+          <a:solidFill>
+            <a:schemeClr val="bg1"/>
+          </a:solidFill>
+          <a:ln w="28575">
+            <a:solidFill>
+              <a:srgbClr val="FF0000"/>
+            </a:solidFill>
+          </a:ln>
+        </p:spPr>
+        <p:style>
+          <a:lnRef idx="2">
+            <a:schemeClr val="accent1">
+              <a:shade val="50000"/>
+            </a:schemeClr>
+          </a:lnRef>
+          <a:fillRef idx="1">
+            <a:schemeClr val="accent1"/>
+          </a:fillRef>
+          <a:effectRef idx="0">
+            <a:schemeClr val="accent1"/>
+          </a:effectRef>
+          <a:fontRef idx="minor">
+            <a:schemeClr val="lt1"/>
+          </a:fontRef>
+        </p:style>
+        <p:txBody>
+          <a:bodyPr rtlCol="0" anchor="ctr"/>
+          <a:lstStyle/>
+          <a:p>
+            <a:pPr algn="ctr"/>
+            <a:r>
+              <a:rPr lang="fr-FR" b="1" dirty="0">
+                <a:solidFill>
+                  <a:srgbClr val="FF0000"/>
+                </a:solidFill>
+              </a:rPr>
+              <a:t>2</a:t>
+            </a:r>
+          </a:p>
+        </p:txBody>
+      </p:sp>
+      <p:sp>
+        <p:nvSpPr>
+          <p:cNvPr id="13" name="Rectangle 12">
+            <a:extLst>
+              <a:ext uri="{FF2B5EF4-FFF2-40B4-BE49-F238E27FC236}">
+                <a16:creationId xmlns:a16="http://schemas.microsoft.com/office/drawing/2014/main" id="{A1D87249-815F-8A5C-B822-F6BFFEC2B58F}"/>
+              </a:ext>
+            </a:extLst>
+          </p:cNvPr>
+          <p:cNvSpPr/>
+          <p:nvPr/>
+        </p:nvSpPr>
+        <p:spPr>
+          <a:xfrm>
+            <a:off x="7563254" y="2994772"/>
+            <a:ext cx="296593" cy="210010"/>
+          </a:xfrm>
+          <a:prstGeom prst="rect">
+            <a:avLst/>
+          </a:prstGeom>
+          <a:noFill/>
+          <a:ln w="38100">
+            <a:solidFill>
+              <a:srgbClr val="FF0000"/>
+            </a:solidFill>
+          </a:ln>
+        </p:spPr>
+        <p:style>
+          <a:lnRef idx="2">
+            <a:schemeClr val="accent1">
+              <a:shade val="50000"/>
+            </a:schemeClr>
+          </a:lnRef>
+          <a:fillRef idx="1">
+            <a:schemeClr val="accent1"/>
+          </a:fillRef>
+          <a:effectRef idx="0">
+            <a:schemeClr val="accent1"/>
+          </a:effectRef>
+          <a:fontRef idx="minor">
+            <a:schemeClr val="lt1"/>
+          </a:fontRef>
+        </p:style>
+        <p:txBody>
+          <a:bodyPr rtlCol="0" anchor="ctr"/>
+          <a:lstStyle/>
+          <a:p>
+            <a:pPr algn="ctr"/>
+            <a:endParaRPr lang="fr-FR"/>
+          </a:p>
+        </p:txBody>
+      </p:sp>
+      <p:sp>
+        <p:nvSpPr>
+          <p:cNvPr id="14" name="Ellipse 13">
+            <a:extLst>
+              <a:ext uri="{FF2B5EF4-FFF2-40B4-BE49-F238E27FC236}">
+                <a16:creationId xmlns:a16="http://schemas.microsoft.com/office/drawing/2014/main" id="{60CB51A0-C749-6B02-9BDF-C041894A2E78}"/>
+              </a:ext>
+            </a:extLst>
+          </p:cNvPr>
+          <p:cNvSpPr/>
+          <p:nvPr/>
+        </p:nvSpPr>
+        <p:spPr>
+          <a:xfrm>
+            <a:off x="7241520" y="4062946"/>
+            <a:ext cx="321734" cy="321734"/>
+          </a:xfrm>
+          <a:prstGeom prst="ellipse">
+            <a:avLst/>
+          </a:prstGeom>
+          <a:solidFill>
+            <a:schemeClr val="bg1"/>
+          </a:solidFill>
+          <a:ln w="28575">
+            <a:solidFill>
+              <a:srgbClr val="FF0000"/>
+            </a:solidFill>
+          </a:ln>
+        </p:spPr>
+        <p:style>
+          <a:lnRef idx="2">
+            <a:schemeClr val="accent1">
+              <a:shade val="50000"/>
+            </a:schemeClr>
+          </a:lnRef>
+          <a:fillRef idx="1">
+            <a:schemeClr val="accent1"/>
+          </a:fillRef>
+          <a:effectRef idx="0">
+            <a:schemeClr val="accent1"/>
+          </a:effectRef>
+          <a:fontRef idx="minor">
+            <a:schemeClr val="lt1"/>
+          </a:fontRef>
+        </p:style>
+        <p:txBody>
+          <a:bodyPr rtlCol="0" anchor="ctr"/>
+          <a:lstStyle/>
+          <a:p>
+            <a:pPr algn="ctr"/>
+            <a:r>
+              <a:rPr lang="fr-FR" b="1" dirty="0">
+                <a:solidFill>
+                  <a:srgbClr val="FF0000"/>
+                </a:solidFill>
+              </a:rPr>
+              <a:t>4</a:t>
+            </a:r>
+          </a:p>
+        </p:txBody>
+      </p:sp>
+    </p:spTree>
+    <p:extLst>
+      <p:ext uri="{BB962C8B-B14F-4D97-AF65-F5344CB8AC3E}">
+        <p14:creationId xmlns:p14="http://schemas.microsoft.com/office/powerpoint/2010/main" val="159254954"/>
+      </p:ext>
+    </p:extLst>
+  </p:cSld>
+  <p:clrMapOvr>
+    <a:masterClrMapping/>
+  </p:clrMapOvr>
+</p:sld>
+</file>
+
+<file path=ppt/slides/slide11.xml><?xml version="1.0" encoding="utf-8"?>
+<p:sld xmlns:a="http://schemas.openxmlformats.org/drawingml/2006/main" xmlns:r="http://schemas.openxmlformats.org/officeDocument/2006/relationships" xmlns:p="http://schemas.openxmlformats.org/presentationml/2006/main">
+  <p:cSld>
+    <p:bg>
+      <p:bgPr>
+        <a:solidFill>
+          <a:schemeClr val="bg1"/>
+        </a:solidFill>
+        <a:effectLst/>
+      </p:bgPr>
+    </p:bg>
+    <p:spTree>
+      <p:nvGrpSpPr>
+        <p:cNvPr id="1" name=""/>
+        <p:cNvGrpSpPr/>
+        <p:nvPr/>
+      </p:nvGrpSpPr>
+      <p:grpSpPr>
+        <a:xfrm>
+          <a:off x="0" y="0"/>
+          <a:ext cx="0" cy="0"/>
+          <a:chOff x="0" y="0"/>
+          <a:chExt cx="0" cy="0"/>
+        </a:xfrm>
+      </p:grpSpPr>
+      <p:pic>
+        <p:nvPicPr>
+          <p:cNvPr id="4" name="Image 3" descr="Une image contenant texte, capture d’écran, logiciel, affichage&#10;&#10;Le contenu généré par l’IA peut être incorrect.">
+            <a:extLst>
+              <a:ext uri="{FF2B5EF4-FFF2-40B4-BE49-F238E27FC236}">
+                <a16:creationId xmlns:a16="http://schemas.microsoft.com/office/drawing/2014/main" id="{F079D22B-B3DD-99B7-562D-79B5C51293C3}"/>
+              </a:ext>
+            </a:extLst>
+          </p:cNvPr>
+          <p:cNvPicPr>
+            <a:picLocks noChangeAspect="1"/>
+          </p:cNvPicPr>
+          <p:nvPr/>
+        </p:nvPicPr>
+        <p:blipFill>
+          <a:blip r:embed="rId2" cstate="print">
+            <a:extLst>
+              <a:ext uri="{28A0092B-C50C-407E-A947-70E740481C1C}">
+                <a14:useLocalDpi xmlns:a14="http://schemas.microsoft.com/office/drawing/2010/main" val="0"/>
+              </a:ext>
+            </a:extLst>
+          </a:blip>
+          <a:stretch>
+            <a:fillRect/>
+          </a:stretch>
+        </p:blipFill>
+        <p:spPr>
+          <a:xfrm>
+            <a:off x="2478423" y="643466"/>
+            <a:ext cx="7235153" cy="5571067"/>
+          </a:xfrm>
+          <a:prstGeom prst="rect">
+            <a:avLst/>
+          </a:prstGeom>
+        </p:spPr>
+      </p:pic>
+      <p:sp>
+        <p:nvSpPr>
+          <p:cNvPr id="5" name="Rectangle 4">
+            <a:extLst>
+              <a:ext uri="{FF2B5EF4-FFF2-40B4-BE49-F238E27FC236}">
+                <a16:creationId xmlns:a16="http://schemas.microsoft.com/office/drawing/2014/main" id="{8CBF08FB-7231-84F6-41DC-EF59BC6C4352}"/>
+              </a:ext>
+            </a:extLst>
+          </p:cNvPr>
+          <p:cNvSpPr/>
+          <p:nvPr/>
+        </p:nvSpPr>
+        <p:spPr>
+          <a:xfrm>
+            <a:off x="6602254" y="935794"/>
+            <a:ext cx="265906" cy="258005"/>
+          </a:xfrm>
+          <a:prstGeom prst="rect">
+            <a:avLst/>
+          </a:prstGeom>
+          <a:noFill/>
+          <a:ln w="38100">
+            <a:solidFill>
+              <a:srgbClr val="FF0000"/>
+            </a:solidFill>
+          </a:ln>
+        </p:spPr>
+        <p:style>
+          <a:lnRef idx="2">
+            <a:schemeClr val="accent1">
+              <a:shade val="50000"/>
+            </a:schemeClr>
+          </a:lnRef>
+          <a:fillRef idx="1">
+            <a:schemeClr val="accent1"/>
+          </a:fillRef>
+          <a:effectRef idx="0">
+            <a:schemeClr val="accent1"/>
+          </a:effectRef>
+          <a:fontRef idx="minor">
+            <a:schemeClr val="lt1"/>
+          </a:fontRef>
+        </p:style>
+        <p:txBody>
+          <a:bodyPr rtlCol="0" anchor="ctr"/>
+          <a:lstStyle/>
+          <a:p>
+            <a:pPr algn="ctr"/>
+            <a:endParaRPr lang="fr-FR"/>
+          </a:p>
+        </p:txBody>
+      </p:sp>
+      <p:sp>
+        <p:nvSpPr>
+          <p:cNvPr id="6" name="Rectangle 5">
+            <a:extLst>
+              <a:ext uri="{FF2B5EF4-FFF2-40B4-BE49-F238E27FC236}">
+                <a16:creationId xmlns:a16="http://schemas.microsoft.com/office/drawing/2014/main" id="{3A357A02-C61C-4944-E985-6760FDB5EF26}"/>
+              </a:ext>
+            </a:extLst>
+          </p:cNvPr>
+          <p:cNvSpPr/>
+          <p:nvPr/>
+        </p:nvSpPr>
+        <p:spPr>
+          <a:xfrm>
+            <a:off x="4082920" y="2605434"/>
+            <a:ext cx="4021552" cy="2707711"/>
+          </a:xfrm>
+          <a:prstGeom prst="rect">
+            <a:avLst/>
+          </a:prstGeom>
+          <a:noFill/>
+          <a:ln w="38100">
+            <a:solidFill>
+              <a:srgbClr val="FF0000"/>
+            </a:solidFill>
+          </a:ln>
+        </p:spPr>
+        <p:style>
+          <a:lnRef idx="2">
+            <a:schemeClr val="accent1">
+              <a:shade val="50000"/>
+            </a:schemeClr>
+          </a:lnRef>
+          <a:fillRef idx="1">
+            <a:schemeClr val="accent1"/>
+          </a:fillRef>
+          <a:effectRef idx="0">
+            <a:schemeClr val="accent1"/>
+          </a:effectRef>
+          <a:fontRef idx="minor">
+            <a:schemeClr val="lt1"/>
+          </a:fontRef>
+        </p:style>
+        <p:txBody>
+          <a:bodyPr rtlCol="0" anchor="ctr"/>
+          <a:lstStyle/>
+          <a:p>
+            <a:pPr algn="ctr"/>
+            <a:endParaRPr lang="fr-FR"/>
+          </a:p>
+        </p:txBody>
+      </p:sp>
+      <p:cxnSp>
+        <p:nvCxnSpPr>
+          <p:cNvPr id="7" name="Connecteur droit 6">
+            <a:extLst>
+              <a:ext uri="{FF2B5EF4-FFF2-40B4-BE49-F238E27FC236}">
+                <a16:creationId xmlns:a16="http://schemas.microsoft.com/office/drawing/2014/main" id="{948A199E-AA14-9426-8B36-0DC18BBBABD1}"/>
+              </a:ext>
+            </a:extLst>
+          </p:cNvPr>
+          <p:cNvCxnSpPr>
+            <a:cxnSpLocks/>
+          </p:cNvCxnSpPr>
+          <p:nvPr/>
+        </p:nvCxnSpPr>
+        <p:spPr>
+          <a:xfrm flipH="1">
+            <a:off x="4082920" y="954177"/>
+            <a:ext cx="2519334" cy="1651257"/>
+          </a:xfrm>
+          <a:prstGeom prst="line">
+            <a:avLst/>
+          </a:prstGeom>
+          <a:noFill/>
+          <a:ln w="38100">
+            <a:solidFill>
+              <a:srgbClr val="FF0000"/>
+            </a:solidFill>
+            <a:prstDash val="sysDash"/>
+          </a:ln>
+        </p:spPr>
+        <p:style>
+          <a:lnRef idx="2">
+            <a:schemeClr val="accent1">
+              <a:shade val="50000"/>
+            </a:schemeClr>
+          </a:lnRef>
+          <a:fillRef idx="1">
+            <a:schemeClr val="accent1"/>
+          </a:fillRef>
+          <a:effectRef idx="0">
+            <a:schemeClr val="accent1"/>
+          </a:effectRef>
+          <a:fontRef idx="minor">
+            <a:schemeClr val="lt1"/>
+          </a:fontRef>
+        </p:style>
+      </p:cxnSp>
+      <p:cxnSp>
+        <p:nvCxnSpPr>
+          <p:cNvPr id="8" name="Connecteur droit 7">
+            <a:extLst>
+              <a:ext uri="{FF2B5EF4-FFF2-40B4-BE49-F238E27FC236}">
+                <a16:creationId xmlns:a16="http://schemas.microsoft.com/office/drawing/2014/main" id="{8E159071-8B1F-5150-81E7-E0476785B2A9}"/>
+              </a:ext>
+            </a:extLst>
+          </p:cNvPr>
+          <p:cNvCxnSpPr>
+            <a:cxnSpLocks/>
+          </p:cNvCxnSpPr>
+          <p:nvPr/>
+        </p:nvCxnSpPr>
+        <p:spPr>
+          <a:xfrm>
+            <a:off x="6875778" y="918742"/>
+            <a:ext cx="1228694" cy="1680604"/>
+          </a:xfrm>
+          <a:prstGeom prst="line">
+            <a:avLst/>
+          </a:prstGeom>
+          <a:noFill/>
+          <a:ln w="38100">
+            <a:solidFill>
+              <a:srgbClr val="FF0000"/>
+            </a:solidFill>
+            <a:prstDash val="sysDash"/>
+          </a:ln>
+        </p:spPr>
+        <p:style>
+          <a:lnRef idx="2">
+            <a:schemeClr val="accent1">
+              <a:shade val="50000"/>
+            </a:schemeClr>
+          </a:lnRef>
+          <a:fillRef idx="1">
+            <a:schemeClr val="accent1"/>
+          </a:fillRef>
+          <a:effectRef idx="0">
+            <a:schemeClr val="accent1"/>
+          </a:effectRef>
+          <a:fontRef idx="minor">
+            <a:schemeClr val="lt1"/>
+          </a:fontRef>
+        </p:style>
+      </p:cxnSp>
+      <p:cxnSp>
+        <p:nvCxnSpPr>
+          <p:cNvPr id="9" name="Connecteur droit 8">
+            <a:extLst>
+              <a:ext uri="{FF2B5EF4-FFF2-40B4-BE49-F238E27FC236}">
+                <a16:creationId xmlns:a16="http://schemas.microsoft.com/office/drawing/2014/main" id="{E4F720BF-41B3-BC44-ADC7-7C754F3F92EB}"/>
+              </a:ext>
+            </a:extLst>
+          </p:cNvPr>
+          <p:cNvCxnSpPr>
+            <a:cxnSpLocks/>
+          </p:cNvCxnSpPr>
+          <p:nvPr/>
+        </p:nvCxnSpPr>
+        <p:spPr>
+          <a:xfrm flipH="1">
+            <a:off x="5727032" y="1210462"/>
+            <a:ext cx="850837" cy="1388884"/>
+          </a:xfrm>
+          <a:prstGeom prst="line">
+            <a:avLst/>
+          </a:prstGeom>
+          <a:noFill/>
+          <a:ln w="38100">
+            <a:solidFill>
+              <a:srgbClr val="FF0000"/>
+            </a:solidFill>
+            <a:prstDash val="sysDash"/>
+          </a:ln>
+        </p:spPr>
+        <p:style>
+          <a:lnRef idx="2">
+            <a:schemeClr val="accent1">
+              <a:shade val="50000"/>
+            </a:schemeClr>
+          </a:lnRef>
+          <a:fillRef idx="1">
+            <a:schemeClr val="accent1"/>
+          </a:fillRef>
+          <a:effectRef idx="0">
+            <a:schemeClr val="accent1"/>
+          </a:effectRef>
+          <a:fontRef idx="minor">
+            <a:schemeClr val="lt1"/>
+          </a:fontRef>
+        </p:style>
+      </p:cxnSp>
+      <p:cxnSp>
+        <p:nvCxnSpPr>
+          <p:cNvPr id="10" name="Connecteur droit 9">
+            <a:extLst>
+              <a:ext uri="{FF2B5EF4-FFF2-40B4-BE49-F238E27FC236}">
+                <a16:creationId xmlns:a16="http://schemas.microsoft.com/office/drawing/2014/main" id="{8CAEBD49-0DD9-25B3-B393-8D0E758B4EBB}"/>
+              </a:ext>
+            </a:extLst>
+          </p:cNvPr>
+          <p:cNvCxnSpPr>
+            <a:cxnSpLocks/>
+          </p:cNvCxnSpPr>
+          <p:nvPr/>
+        </p:nvCxnSpPr>
+        <p:spPr>
+          <a:xfrm>
+            <a:off x="6875778" y="1193799"/>
+            <a:ext cx="429797" cy="1436303"/>
+          </a:xfrm>
+          <a:prstGeom prst="line">
+            <a:avLst/>
+          </a:prstGeom>
+          <a:noFill/>
+          <a:ln w="38100">
+            <a:solidFill>
+              <a:srgbClr val="FF0000"/>
+            </a:solidFill>
+            <a:prstDash val="sysDash"/>
+          </a:ln>
+        </p:spPr>
+        <p:style>
+          <a:lnRef idx="2">
+            <a:schemeClr val="accent1">
+              <a:shade val="50000"/>
+            </a:schemeClr>
+          </a:lnRef>
+          <a:fillRef idx="1">
+            <a:schemeClr val="accent1"/>
+          </a:fillRef>
+          <a:effectRef idx="0">
+            <a:schemeClr val="accent1"/>
+          </a:effectRef>
+          <a:fontRef idx="minor">
+            <a:schemeClr val="lt1"/>
+          </a:fontRef>
+        </p:style>
+      </p:cxnSp>
+    </p:spTree>
+    <p:extLst>
+      <p:ext uri="{BB962C8B-B14F-4D97-AF65-F5344CB8AC3E}">
+        <p14:creationId xmlns:p14="http://schemas.microsoft.com/office/powerpoint/2010/main" val="3873721182"/>
+      </p:ext>
+    </p:extLst>
+  </p:cSld>
+  <p:clrMapOvr>
+    <a:masterClrMapping/>
+  </p:clrMapOvr>
+</p:sld>
+</file>
+
 <file path=ppt/slides/slide2.xml><?xml version="1.0" encoding="utf-8"?>
 <p:sld xmlns:a="http://schemas.openxmlformats.org/drawingml/2006/main" xmlns:r="http://schemas.openxmlformats.org/officeDocument/2006/relationships" xmlns:p="http://schemas.openxmlformats.org/presentationml/2006/main">
   <p:cSld>
@@ -3397,7 +4482,13 @@
   <p:cSld>
     <p:spTree>
       <p:nvGrpSpPr>
-        <p:cNvPr id="1" name=""/>
+        <p:cNvPr id="1" name="">
+          <a:extLst>
+            <a:ext uri="{FF2B5EF4-FFF2-40B4-BE49-F238E27FC236}">
+              <a16:creationId xmlns:a16="http://schemas.microsoft.com/office/drawing/2014/main" id="{CA1376B8-ECC4-70E8-E9F8-EC950DF04143}"/>
+            </a:ext>
+          </a:extLst>
+        </p:cNvPr>
         <p:cNvGrpSpPr/>
         <p:nvPr/>
       </p:nvGrpSpPr>
@@ -3414,7 +4505,7 @@
           <p:cNvPr id="4" name="Image 3">
             <a:extLst>
               <a:ext uri="{FF2B5EF4-FFF2-40B4-BE49-F238E27FC236}">
-                <a16:creationId xmlns:a16="http://schemas.microsoft.com/office/drawing/2014/main" id="{5D9EAE4D-5F06-E00B-2DAC-5A7D63FC720A}"/>
+                <a16:creationId xmlns:a16="http://schemas.microsoft.com/office/drawing/2014/main" id="{3A901B42-0BEB-FAD4-81E8-93A8F3DAB653}"/>
               </a:ext>
             </a:extLst>
           </p:cNvPr>
@@ -3425,13 +4516,15 @@
         </p:nvPicPr>
         <p:blipFill>
           <a:blip r:embed="rId2"/>
-          <a:srcRect l="63955" t="10438" b="82097"/>
-          <a:stretch/>
+          <a:srcRect l="49284" t="3584" r="1037" b="62379"/>
+          <a:stretch>
+            <a:fillRect/>
+          </a:stretch>
         </p:blipFill>
         <p:spPr>
           <a:xfrm>
-            <a:off x="1317898" y="1536700"/>
-            <a:ext cx="9556204" cy="1473200"/>
+            <a:off x="5726429" y="937260"/>
+            <a:ext cx="3406141" cy="1737360"/>
           </a:xfrm>
           <a:prstGeom prst="rect">
             <a:avLst/>
@@ -3443,10 +4536,10 @@
       </p:pic>
       <p:sp>
         <p:nvSpPr>
-          <p:cNvPr id="5" name="Rectangle 4">
+          <p:cNvPr id="9" name="Rectangle 8">
             <a:extLst>
               <a:ext uri="{FF2B5EF4-FFF2-40B4-BE49-F238E27FC236}">
-                <a16:creationId xmlns:a16="http://schemas.microsoft.com/office/drawing/2014/main" id="{9AD1C4BB-6560-99E8-A410-47BBEE5DFA01}"/>
+                <a16:creationId xmlns:a16="http://schemas.microsoft.com/office/drawing/2014/main" id="{22A8603A-A02F-A27F-4F9B-39C38608B286}"/>
               </a:ext>
             </a:extLst>
           </p:cNvPr>
@@ -3455,8 +4548,8 @@
         </p:nvSpPr>
         <p:spPr>
           <a:xfrm>
-            <a:off x="6260970" y="1689100"/>
-            <a:ext cx="1117730" cy="1095995"/>
+            <a:off x="8252459" y="1266176"/>
+            <a:ext cx="342901" cy="368314"/>
           </a:xfrm>
           <a:prstGeom prst="rect">
             <a:avLst/>
@@ -3496,7 +4589,7 @@
     </p:spTree>
     <p:extLst>
       <p:ext uri="{BB962C8B-B14F-4D97-AF65-F5344CB8AC3E}">
-        <p14:creationId xmlns:p14="http://schemas.microsoft.com/office/powerpoint/2010/main" val="316069412"/>
+        <p14:creationId xmlns:p14="http://schemas.microsoft.com/office/powerpoint/2010/main" val="3339468500"/>
       </p:ext>
     </p:extLst>
   </p:cSld>
@@ -3525,6 +4618,120 @@
       </p:grpSpPr>
       <p:pic>
         <p:nvPicPr>
+          <p:cNvPr id="4" name="Image 3">
+            <a:extLst>
+              <a:ext uri="{FF2B5EF4-FFF2-40B4-BE49-F238E27FC236}">
+                <a16:creationId xmlns:a16="http://schemas.microsoft.com/office/drawing/2014/main" id="{5D9EAE4D-5F06-E00B-2DAC-5A7D63FC720A}"/>
+              </a:ext>
+            </a:extLst>
+          </p:cNvPr>
+          <p:cNvPicPr>
+            <a:picLocks noChangeAspect="1"/>
+          </p:cNvPicPr>
+          <p:nvPr/>
+        </p:nvPicPr>
+        <p:blipFill>
+          <a:blip r:embed="rId2"/>
+          <a:srcRect l="63955" t="10438" b="82097"/>
+          <a:stretch/>
+        </p:blipFill>
+        <p:spPr>
+          <a:xfrm>
+            <a:off x="1317898" y="1536700"/>
+            <a:ext cx="9556204" cy="1473200"/>
+          </a:xfrm>
+          <a:prstGeom prst="rect">
+            <a:avLst/>
+          </a:prstGeom>
+          <a:ln w="57150">
+            <a:noFill/>
+          </a:ln>
+        </p:spPr>
+      </p:pic>
+      <p:sp>
+        <p:nvSpPr>
+          <p:cNvPr id="5" name="Rectangle 4">
+            <a:extLst>
+              <a:ext uri="{FF2B5EF4-FFF2-40B4-BE49-F238E27FC236}">
+                <a16:creationId xmlns:a16="http://schemas.microsoft.com/office/drawing/2014/main" id="{9AD1C4BB-6560-99E8-A410-47BBEE5DFA01}"/>
+              </a:ext>
+            </a:extLst>
+          </p:cNvPr>
+          <p:cNvSpPr/>
+          <p:nvPr/>
+        </p:nvSpPr>
+        <p:spPr>
+          <a:xfrm>
+            <a:off x="6260970" y="1689100"/>
+            <a:ext cx="1117730" cy="1095995"/>
+          </a:xfrm>
+          <a:prstGeom prst="rect">
+            <a:avLst/>
+          </a:prstGeom>
+          <a:noFill/>
+          <a:ln w="57150">
+            <a:solidFill>
+              <a:srgbClr val="FF0000"/>
+            </a:solidFill>
+          </a:ln>
+        </p:spPr>
+        <p:style>
+          <a:lnRef idx="2">
+            <a:schemeClr val="accent1">
+              <a:shade val="50000"/>
+            </a:schemeClr>
+          </a:lnRef>
+          <a:fillRef idx="1">
+            <a:schemeClr val="accent1"/>
+          </a:fillRef>
+          <a:effectRef idx="0">
+            <a:schemeClr val="accent1"/>
+          </a:effectRef>
+          <a:fontRef idx="minor">
+            <a:schemeClr val="lt1"/>
+          </a:fontRef>
+        </p:style>
+        <p:txBody>
+          <a:bodyPr rtlCol="0" anchor="ctr"/>
+          <a:lstStyle/>
+          <a:p>
+            <a:pPr algn="ctr"/>
+            <a:endParaRPr lang="fr-FR"/>
+          </a:p>
+        </p:txBody>
+      </p:sp>
+    </p:spTree>
+    <p:extLst>
+      <p:ext uri="{BB962C8B-B14F-4D97-AF65-F5344CB8AC3E}">
+        <p14:creationId xmlns:p14="http://schemas.microsoft.com/office/powerpoint/2010/main" val="316069412"/>
+      </p:ext>
+    </p:extLst>
+  </p:cSld>
+  <p:clrMapOvr>
+    <a:masterClrMapping/>
+  </p:clrMapOvr>
+</p:sld>
+</file>
+
+<file path=ppt/slides/slide6.xml><?xml version="1.0" encoding="utf-8"?>
+<p:sld xmlns:a="http://schemas.openxmlformats.org/drawingml/2006/main" xmlns:r="http://schemas.openxmlformats.org/officeDocument/2006/relationships" xmlns:p="http://schemas.openxmlformats.org/presentationml/2006/main">
+  <p:cSld>
+    <p:spTree>
+      <p:nvGrpSpPr>
+        <p:cNvPr id="1" name=""/>
+        <p:cNvGrpSpPr/>
+        <p:nvPr/>
+      </p:nvGrpSpPr>
+      <p:grpSpPr>
+        <a:xfrm>
+          <a:off x="0" y="0"/>
+          <a:ext cx="0" cy="0"/>
+          <a:chOff x="0" y="0"/>
+          <a:chExt cx="0" cy="0"/>
+        </a:xfrm>
+      </p:grpSpPr>
+      <p:pic>
+        <p:nvPicPr>
           <p:cNvPr id="5" name="Image 4" descr="Une image contenant capture d’écran, texte, logiciel, Logiciel multimédia&#10;&#10;Description générée automatiquement">
             <a:extLst>
               <a:ext uri="{FF2B5EF4-FFF2-40B4-BE49-F238E27FC236}">
@@ -4024,7 +5231,7 @@
 </p:sld>
 </file>
 
-<file path=ppt/slides/slide6.xml><?xml version="1.0" encoding="utf-8"?>
+<file path=ppt/slides/slide7.xml><?xml version="1.0" encoding="utf-8"?>
 <p:sld xmlns:a="http://schemas.openxmlformats.org/drawingml/2006/main" xmlns:r="http://schemas.openxmlformats.org/officeDocument/2006/relationships" xmlns:p="http://schemas.openxmlformats.org/presentationml/2006/main">
   <p:cSld>
     <p:bg>
@@ -4227,418 +5434,6 @@
     <p:extLst>
       <p:ext uri="{BB962C8B-B14F-4D97-AF65-F5344CB8AC3E}">
         <p14:creationId xmlns:p14="http://schemas.microsoft.com/office/powerpoint/2010/main" val="1594906563"/>
-      </p:ext>
-    </p:extLst>
-  </p:cSld>
-  <p:clrMapOvr>
-    <a:masterClrMapping/>
-  </p:clrMapOvr>
-</p:sld>
-</file>
-
-<file path=ppt/slides/slide7.xml><?xml version="1.0" encoding="utf-8"?>
-<p:sld xmlns:a="http://schemas.openxmlformats.org/drawingml/2006/main" xmlns:r="http://schemas.openxmlformats.org/officeDocument/2006/relationships" xmlns:p="http://schemas.openxmlformats.org/presentationml/2006/main">
-  <p:cSld>
-    <p:spTree>
-      <p:nvGrpSpPr>
-        <p:cNvPr id="1" name=""/>
-        <p:cNvGrpSpPr/>
-        <p:nvPr/>
-      </p:nvGrpSpPr>
-      <p:grpSpPr>
-        <a:xfrm>
-          <a:off x="0" y="0"/>
-          <a:ext cx="0" cy="0"/>
-          <a:chOff x="0" y="0"/>
-          <a:chExt cx="0" cy="0"/>
-        </a:xfrm>
-      </p:grpSpPr>
-      <p:pic>
-        <p:nvPicPr>
-          <p:cNvPr id="4" name="Espace réservé du contenu 3" descr="Une image contenant texte, Appareils électroniques, capture d’écran, logiciel&#10;&#10;Le contenu généré par l’IA peut être incorrect.">
-            <a:extLst>
-              <a:ext uri="{FF2B5EF4-FFF2-40B4-BE49-F238E27FC236}">
-                <a16:creationId xmlns:a16="http://schemas.microsoft.com/office/drawing/2014/main" id="{8492E0ED-C75E-5777-0149-4ADCCD45BCDC}"/>
-              </a:ext>
-            </a:extLst>
-          </p:cNvPr>
-          <p:cNvPicPr>
-            <a:picLocks noGrp="1" noChangeAspect="1"/>
-          </p:cNvPicPr>
-          <p:nvPr>
-            <p:ph idx="1"/>
-          </p:nvPr>
-        </p:nvPicPr>
-        <p:blipFill>
-          <a:blip r:embed="rId2">
-            <a:extLst>
-              <a:ext uri="{28A0092B-C50C-407E-A947-70E740481C1C}">
-                <a14:useLocalDpi xmlns:a14="http://schemas.microsoft.com/office/drawing/2010/main" val="0"/>
-              </a:ext>
-            </a:extLst>
-          </a:blip>
-          <a:stretch>
-            <a:fillRect/>
-          </a:stretch>
-        </p:blipFill>
-        <p:spPr>
-          <a:xfrm>
-            <a:off x="3272139" y="1825625"/>
-            <a:ext cx="5647721" cy="4351338"/>
-          </a:xfrm>
-          <a:prstGeom prst="rect">
-            <a:avLst/>
-          </a:prstGeom>
-        </p:spPr>
-      </p:pic>
-      <p:sp>
-        <p:nvSpPr>
-          <p:cNvPr id="5" name="Rectangle 4">
-            <a:extLst>
-              <a:ext uri="{FF2B5EF4-FFF2-40B4-BE49-F238E27FC236}">
-                <a16:creationId xmlns:a16="http://schemas.microsoft.com/office/drawing/2014/main" id="{30294765-F7C7-0118-110A-291B8175D70A}"/>
-              </a:ext>
-            </a:extLst>
-          </p:cNvPr>
-          <p:cNvSpPr/>
-          <p:nvPr/>
-        </p:nvSpPr>
-        <p:spPr>
-          <a:xfrm>
-            <a:off x="7184261" y="2043417"/>
-            <a:ext cx="231270" cy="212103"/>
-          </a:xfrm>
-          <a:prstGeom prst="rect">
-            <a:avLst/>
-          </a:prstGeom>
-          <a:noFill/>
-          <a:ln w="38100">
-            <a:solidFill>
-              <a:srgbClr val="FF0000"/>
-            </a:solidFill>
-          </a:ln>
-        </p:spPr>
-        <p:style>
-          <a:lnRef idx="2">
-            <a:schemeClr val="accent1">
-              <a:shade val="50000"/>
-            </a:schemeClr>
-          </a:lnRef>
-          <a:fillRef idx="1">
-            <a:schemeClr val="accent1"/>
-          </a:fillRef>
-          <a:effectRef idx="0">
-            <a:schemeClr val="accent1"/>
-          </a:effectRef>
-          <a:fontRef idx="minor">
-            <a:schemeClr val="lt1"/>
-          </a:fontRef>
-        </p:style>
-        <p:txBody>
-          <a:bodyPr rtlCol="0" anchor="ctr"/>
-          <a:lstStyle/>
-          <a:p>
-            <a:pPr algn="ctr"/>
-            <a:endParaRPr lang="fr-FR"/>
-          </a:p>
-        </p:txBody>
-      </p:sp>
-      <p:sp>
-        <p:nvSpPr>
-          <p:cNvPr id="6" name="Rectangle 5">
-            <a:extLst>
-              <a:ext uri="{FF2B5EF4-FFF2-40B4-BE49-F238E27FC236}">
-                <a16:creationId xmlns:a16="http://schemas.microsoft.com/office/drawing/2014/main" id="{9722781E-B99F-6B9A-CE5C-1A3DCF388E09}"/>
-              </a:ext>
-            </a:extLst>
-          </p:cNvPr>
-          <p:cNvSpPr/>
-          <p:nvPr/>
-        </p:nvSpPr>
-        <p:spPr>
-          <a:xfrm>
-            <a:off x="4654420" y="3216897"/>
-            <a:ext cx="2889379" cy="1812303"/>
-          </a:xfrm>
-          <a:prstGeom prst="rect">
-            <a:avLst/>
-          </a:prstGeom>
-          <a:noFill/>
-          <a:ln w="38100">
-            <a:solidFill>
-              <a:srgbClr val="FF0000"/>
-            </a:solidFill>
-          </a:ln>
-        </p:spPr>
-        <p:style>
-          <a:lnRef idx="2">
-            <a:schemeClr val="accent1">
-              <a:shade val="50000"/>
-            </a:schemeClr>
-          </a:lnRef>
-          <a:fillRef idx="1">
-            <a:schemeClr val="accent1"/>
-          </a:fillRef>
-          <a:effectRef idx="0">
-            <a:schemeClr val="accent1"/>
-          </a:effectRef>
-          <a:fontRef idx="minor">
-            <a:schemeClr val="lt1"/>
-          </a:fontRef>
-        </p:style>
-        <p:txBody>
-          <a:bodyPr rtlCol="0" anchor="ctr"/>
-          <a:lstStyle/>
-          <a:p>
-            <a:pPr algn="ctr"/>
-            <a:endParaRPr lang="fr-FR"/>
-          </a:p>
-        </p:txBody>
-      </p:sp>
-      <p:cxnSp>
-        <p:nvCxnSpPr>
-          <p:cNvPr id="8" name="Connecteur droit 7">
-            <a:extLst>
-              <a:ext uri="{FF2B5EF4-FFF2-40B4-BE49-F238E27FC236}">
-                <a16:creationId xmlns:a16="http://schemas.microsoft.com/office/drawing/2014/main" id="{647C9A77-24EE-B808-D7D9-26781FCB48F5}"/>
-              </a:ext>
-            </a:extLst>
-          </p:cNvPr>
-          <p:cNvCxnSpPr>
-            <a:cxnSpLocks/>
-          </p:cNvCxnSpPr>
-          <p:nvPr/>
-        </p:nvCxnSpPr>
-        <p:spPr>
-          <a:xfrm flipH="1">
-            <a:off x="4654420" y="2043417"/>
-            <a:ext cx="2529841" cy="1173480"/>
-          </a:xfrm>
-          <a:prstGeom prst="line">
-            <a:avLst/>
-          </a:prstGeom>
-          <a:noFill/>
-          <a:ln w="38100">
-            <a:solidFill>
-              <a:srgbClr val="FF0000"/>
-            </a:solidFill>
-            <a:prstDash val="sysDash"/>
-          </a:ln>
-        </p:spPr>
-        <p:style>
-          <a:lnRef idx="2">
-            <a:schemeClr val="accent1">
-              <a:shade val="50000"/>
-            </a:schemeClr>
-          </a:lnRef>
-          <a:fillRef idx="1">
-            <a:schemeClr val="accent1"/>
-          </a:fillRef>
-          <a:effectRef idx="0">
-            <a:schemeClr val="accent1"/>
-          </a:effectRef>
-          <a:fontRef idx="minor">
-            <a:schemeClr val="lt1"/>
-          </a:fontRef>
-        </p:style>
-      </p:cxnSp>
-      <p:cxnSp>
-        <p:nvCxnSpPr>
-          <p:cNvPr id="9" name="Connecteur droit 8">
-            <a:extLst>
-              <a:ext uri="{FF2B5EF4-FFF2-40B4-BE49-F238E27FC236}">
-                <a16:creationId xmlns:a16="http://schemas.microsoft.com/office/drawing/2014/main" id="{50727CB1-2832-2D32-EACE-6DE3DC693AE4}"/>
-              </a:ext>
-            </a:extLst>
-          </p:cNvPr>
-          <p:cNvCxnSpPr>
-            <a:cxnSpLocks/>
-          </p:cNvCxnSpPr>
-          <p:nvPr/>
-        </p:nvCxnSpPr>
-        <p:spPr>
-          <a:xfrm>
-            <a:off x="7415531" y="2043417"/>
-            <a:ext cx="128268" cy="1173480"/>
-          </a:xfrm>
-          <a:prstGeom prst="line">
-            <a:avLst/>
-          </a:prstGeom>
-          <a:noFill/>
-          <a:ln w="38100">
-            <a:solidFill>
-              <a:srgbClr val="FF0000"/>
-            </a:solidFill>
-            <a:prstDash val="sysDash"/>
-          </a:ln>
-        </p:spPr>
-        <p:style>
-          <a:lnRef idx="2">
-            <a:schemeClr val="accent1">
-              <a:shade val="50000"/>
-            </a:schemeClr>
-          </a:lnRef>
-          <a:fillRef idx="1">
-            <a:schemeClr val="accent1"/>
-          </a:fillRef>
-          <a:effectRef idx="0">
-            <a:schemeClr val="accent1"/>
-          </a:effectRef>
-          <a:fontRef idx="minor">
-            <a:schemeClr val="lt1"/>
-          </a:fontRef>
-        </p:style>
-      </p:cxnSp>
-      <p:cxnSp>
-        <p:nvCxnSpPr>
-          <p:cNvPr id="13" name="Connecteur droit 12">
-            <a:extLst>
-              <a:ext uri="{FF2B5EF4-FFF2-40B4-BE49-F238E27FC236}">
-                <a16:creationId xmlns:a16="http://schemas.microsoft.com/office/drawing/2014/main" id="{C4ABE7FF-BC1B-B6FE-F833-0121C1E6528E}"/>
-              </a:ext>
-            </a:extLst>
-          </p:cNvPr>
-          <p:cNvCxnSpPr>
-            <a:cxnSpLocks/>
-          </p:cNvCxnSpPr>
-          <p:nvPr/>
-        </p:nvCxnSpPr>
-        <p:spPr>
-          <a:xfrm flipH="1">
-            <a:off x="5846857" y="2255520"/>
-            <a:ext cx="1337404" cy="961377"/>
-          </a:xfrm>
-          <a:prstGeom prst="line">
-            <a:avLst/>
-          </a:prstGeom>
-          <a:noFill/>
-          <a:ln w="38100">
-            <a:solidFill>
-              <a:srgbClr val="FF0000"/>
-            </a:solidFill>
-            <a:prstDash val="sysDash"/>
-          </a:ln>
-        </p:spPr>
-        <p:style>
-          <a:lnRef idx="2">
-            <a:schemeClr val="accent1">
-              <a:shade val="50000"/>
-            </a:schemeClr>
-          </a:lnRef>
-          <a:fillRef idx="1">
-            <a:schemeClr val="accent1"/>
-          </a:fillRef>
-          <a:effectRef idx="0">
-            <a:schemeClr val="accent1"/>
-          </a:effectRef>
-          <a:fontRef idx="minor">
-            <a:schemeClr val="lt1"/>
-          </a:fontRef>
-        </p:style>
-      </p:cxnSp>
-      <p:cxnSp>
-        <p:nvCxnSpPr>
-          <p:cNvPr id="26" name="Connecteur droit 25">
-            <a:extLst>
-              <a:ext uri="{FF2B5EF4-FFF2-40B4-BE49-F238E27FC236}">
-                <a16:creationId xmlns:a16="http://schemas.microsoft.com/office/drawing/2014/main" id="{E5FA9020-DB82-6585-E1C6-3739D6A1CA2D}"/>
-              </a:ext>
-            </a:extLst>
-          </p:cNvPr>
-          <p:cNvCxnSpPr>
-            <a:cxnSpLocks/>
-          </p:cNvCxnSpPr>
-          <p:nvPr/>
-        </p:nvCxnSpPr>
-        <p:spPr>
-          <a:xfrm>
-            <a:off x="7415531" y="2255520"/>
-            <a:ext cx="64134" cy="961377"/>
-          </a:xfrm>
-          <a:prstGeom prst="line">
-            <a:avLst/>
-          </a:prstGeom>
-          <a:noFill/>
-          <a:ln w="38100">
-            <a:solidFill>
-              <a:srgbClr val="FF0000"/>
-            </a:solidFill>
-            <a:prstDash val="sysDash"/>
-          </a:ln>
-        </p:spPr>
-        <p:style>
-          <a:lnRef idx="2">
-            <a:schemeClr val="accent1">
-              <a:shade val="50000"/>
-            </a:schemeClr>
-          </a:lnRef>
-          <a:fillRef idx="1">
-            <a:schemeClr val="accent1"/>
-          </a:fillRef>
-          <a:effectRef idx="0">
-            <a:schemeClr val="accent1"/>
-          </a:effectRef>
-          <a:fontRef idx="minor">
-            <a:schemeClr val="lt1"/>
-          </a:fontRef>
-        </p:style>
-      </p:cxnSp>
-      <p:sp>
-        <p:nvSpPr>
-          <p:cNvPr id="30" name="Rectangle 29">
-            <a:extLst>
-              <a:ext uri="{FF2B5EF4-FFF2-40B4-BE49-F238E27FC236}">
-                <a16:creationId xmlns:a16="http://schemas.microsoft.com/office/drawing/2014/main" id="{B521291B-B804-7295-DB13-992FEF4C37F0}"/>
-              </a:ext>
-            </a:extLst>
-          </p:cNvPr>
-          <p:cNvSpPr/>
-          <p:nvPr/>
-        </p:nvSpPr>
-        <p:spPr>
-          <a:xfrm>
-            <a:off x="6438900" y="3472624"/>
-            <a:ext cx="1066798" cy="762826"/>
-          </a:xfrm>
-          <a:prstGeom prst="rect">
-            <a:avLst/>
-          </a:prstGeom>
-          <a:noFill/>
-          <a:ln w="38100">
-            <a:solidFill>
-              <a:srgbClr val="00B050"/>
-            </a:solidFill>
-          </a:ln>
-        </p:spPr>
-        <p:style>
-          <a:lnRef idx="2">
-            <a:schemeClr val="accent1">
-              <a:shade val="50000"/>
-            </a:schemeClr>
-          </a:lnRef>
-          <a:fillRef idx="1">
-            <a:schemeClr val="accent1"/>
-          </a:fillRef>
-          <a:effectRef idx="0">
-            <a:schemeClr val="accent1"/>
-          </a:effectRef>
-          <a:fontRef idx="minor">
-            <a:schemeClr val="lt1"/>
-          </a:fontRef>
-        </p:style>
-        <p:txBody>
-          <a:bodyPr rtlCol="0" anchor="ctr"/>
-          <a:lstStyle/>
-          <a:p>
-            <a:pPr algn="ctr"/>
-            <a:endParaRPr lang="fr-FR"/>
-          </a:p>
-        </p:txBody>
-      </p:sp>
-    </p:spTree>
-    <p:extLst>
-      <p:ext uri="{BB962C8B-B14F-4D97-AF65-F5344CB8AC3E}">
-        <p14:creationId xmlns:p14="http://schemas.microsoft.com/office/powerpoint/2010/main" val="2820531231"/>
       </p:ext>
     </p:extLst>
   </p:cSld>
@@ -4667,20 +5462,22 @@
       </p:grpSpPr>
       <p:pic>
         <p:nvPicPr>
-          <p:cNvPr id="4" name="Image 3" descr="Une image contenant texte, capture d’écran, affichage, logiciel&#10;&#10;Le contenu généré par l’IA peut être incorrect.">
+          <p:cNvPr id="4" name="Espace réservé du contenu 3" descr="Une image contenant texte, Appareils électroniques, capture d’écran, logiciel&#10;&#10;Le contenu généré par l’IA peut être incorrect.">
             <a:extLst>
               <a:ext uri="{FF2B5EF4-FFF2-40B4-BE49-F238E27FC236}">
-                <a16:creationId xmlns:a16="http://schemas.microsoft.com/office/drawing/2014/main" id="{1A6E53F8-AE5C-4EF9-9DAF-6934C8447206}"/>
+                <a16:creationId xmlns:a16="http://schemas.microsoft.com/office/drawing/2014/main" id="{8492E0ED-C75E-5777-0149-4ADCCD45BCDC}"/>
               </a:ext>
             </a:extLst>
           </p:cNvPr>
           <p:cNvPicPr>
-            <a:picLocks noChangeAspect="1"/>
+            <a:picLocks noGrp="1" noChangeAspect="1"/>
           </p:cNvPicPr>
-          <p:nvPr/>
+          <p:nvPr>
+            <p:ph idx="1"/>
+          </p:nvPr>
         </p:nvPicPr>
         <p:blipFill>
-          <a:blip r:embed="rId2" cstate="print">
+          <a:blip r:embed="rId2">
             <a:extLst>
               <a:ext uri="{28A0092B-C50C-407E-A947-70E740481C1C}">
                 <a14:useLocalDpi xmlns:a14="http://schemas.microsoft.com/office/drawing/2010/main" val="0"/>
@@ -4693,8 +5490,8 @@
         </p:blipFill>
         <p:spPr>
           <a:xfrm>
-            <a:off x="1783926" y="662425"/>
-            <a:ext cx="4464474" cy="3437644"/>
+            <a:off x="3272139" y="1825625"/>
+            <a:ext cx="5647721" cy="4351338"/>
           </a:xfrm>
           <a:prstGeom prst="rect">
             <a:avLst/>
@@ -4706,7 +5503,7 @@
           <p:cNvPr id="5" name="Rectangle 4">
             <a:extLst>
               <a:ext uri="{FF2B5EF4-FFF2-40B4-BE49-F238E27FC236}">
-                <a16:creationId xmlns:a16="http://schemas.microsoft.com/office/drawing/2014/main" id="{57C4D587-C711-0FDA-5283-7847C8B0A27F}"/>
+                <a16:creationId xmlns:a16="http://schemas.microsoft.com/office/drawing/2014/main" id="{30294765-F7C7-0118-110A-291B8175D70A}"/>
               </a:ext>
             </a:extLst>
           </p:cNvPr>
@@ -4715,8 +5512,8 @@
         </p:nvSpPr>
         <p:spPr>
           <a:xfrm>
-            <a:off x="5081141" y="816597"/>
-            <a:ext cx="183009" cy="218453"/>
+            <a:off x="7184261" y="2043417"/>
+            <a:ext cx="231270" cy="212103"/>
           </a:xfrm>
           <a:prstGeom prst="rect">
             <a:avLst/>
@@ -4753,26 +5550,24 @@
           </a:p>
         </p:txBody>
       </p:sp>
-      <p:cxnSp>
-        <p:nvCxnSpPr>
-          <p:cNvPr id="6" name="Connecteur droit 5">
+      <p:sp>
+        <p:nvSpPr>
+          <p:cNvPr id="6" name="Rectangle 5">
             <a:extLst>
               <a:ext uri="{FF2B5EF4-FFF2-40B4-BE49-F238E27FC236}">
-                <a16:creationId xmlns:a16="http://schemas.microsoft.com/office/drawing/2014/main" id="{69E83EE0-DF55-71D7-A602-A56D94886DF2}"/>
+                <a16:creationId xmlns:a16="http://schemas.microsoft.com/office/drawing/2014/main" id="{9722781E-B99F-6B9A-CE5C-1A3DCF388E09}"/>
               </a:ext>
             </a:extLst>
           </p:cNvPr>
-          <p:cNvCxnSpPr>
-            <a:cxnSpLocks/>
-          </p:cNvCxnSpPr>
+          <p:cNvSpPr/>
           <p:nvPr/>
-        </p:nvCxnSpPr>
-        <p:spPr>
-          <a:xfrm flipH="1">
-            <a:off x="2617341" y="816597"/>
-            <a:ext cx="2463800" cy="989832"/>
-          </a:xfrm>
-          <a:prstGeom prst="line">
+        </p:nvSpPr>
+        <p:spPr>
+          <a:xfrm>
+            <a:off x="4654420" y="3216897"/>
+            <a:ext cx="2889379" cy="1812303"/>
+          </a:xfrm>
+          <a:prstGeom prst="rect">
             <a:avLst/>
           </a:prstGeom>
           <a:noFill/>
@@ -4780,7 +5575,6 @@
             <a:solidFill>
               <a:srgbClr val="FF0000"/>
             </a:solidFill>
-            <a:prstDash val="sysDash"/>
           </a:ln>
         </p:spPr>
         <p:style>
@@ -4799,50 +5593,6 @@
             <a:schemeClr val="lt1"/>
           </a:fontRef>
         </p:style>
-      </p:cxnSp>
-      <p:sp>
-        <p:nvSpPr>
-          <p:cNvPr id="7" name="Rectangle 6">
-            <a:extLst>
-              <a:ext uri="{FF2B5EF4-FFF2-40B4-BE49-F238E27FC236}">
-                <a16:creationId xmlns:a16="http://schemas.microsoft.com/office/drawing/2014/main" id="{256A3746-6214-CE67-DE58-04B2C39CF4E5}"/>
-              </a:ext>
-            </a:extLst>
-          </p:cNvPr>
-          <p:cNvSpPr/>
-          <p:nvPr/>
-        </p:nvSpPr>
-        <p:spPr>
-          <a:xfrm>
-            <a:off x="2617341" y="1806429"/>
-            <a:ext cx="2792859" cy="1362221"/>
-          </a:xfrm>
-          <a:prstGeom prst="rect">
-            <a:avLst/>
-          </a:prstGeom>
-          <a:noFill/>
-          <a:ln w="38100">
-            <a:solidFill>
-              <a:srgbClr val="FF0000"/>
-            </a:solidFill>
-          </a:ln>
-        </p:spPr>
-        <p:style>
-          <a:lnRef idx="2">
-            <a:schemeClr val="accent1">
-              <a:shade val="50000"/>
-            </a:schemeClr>
-          </a:lnRef>
-          <a:fillRef idx="1">
-            <a:schemeClr val="accent1"/>
-          </a:fillRef>
-          <a:effectRef idx="0">
-            <a:schemeClr val="accent1"/>
-          </a:effectRef>
-          <a:fontRef idx="minor">
-            <a:schemeClr val="lt1"/>
-          </a:fontRef>
-        </p:style>
         <p:txBody>
           <a:bodyPr rtlCol="0" anchor="ctr"/>
           <a:lstStyle/>
@@ -4854,10 +5604,10 @@
       </p:sp>
       <p:cxnSp>
         <p:nvCxnSpPr>
-          <p:cNvPr id="12" name="Connecteur droit 11">
+          <p:cNvPr id="8" name="Connecteur droit 7">
             <a:extLst>
               <a:ext uri="{FF2B5EF4-FFF2-40B4-BE49-F238E27FC236}">
-                <a16:creationId xmlns:a16="http://schemas.microsoft.com/office/drawing/2014/main" id="{3E6AA6FD-8244-171B-CC4C-8ED7E5EBDD51}"/>
+                <a16:creationId xmlns:a16="http://schemas.microsoft.com/office/drawing/2014/main" id="{647C9A77-24EE-B808-D7D9-26781FCB48F5}"/>
               </a:ext>
             </a:extLst>
           </p:cNvPr>
@@ -4868,8 +5618,8 @@
         </p:nvCxnSpPr>
         <p:spPr>
           <a:xfrm flipH="1">
-            <a:off x="4190382" y="1035050"/>
-            <a:ext cx="890759" cy="771379"/>
+            <a:off x="4654420" y="2043417"/>
+            <a:ext cx="2529841" cy="1173480"/>
           </a:xfrm>
           <a:prstGeom prst="line">
             <a:avLst/>
@@ -4901,10 +5651,10 @@
       </p:cxnSp>
       <p:cxnSp>
         <p:nvCxnSpPr>
-          <p:cNvPr id="16" name="Connecteur droit 15">
+          <p:cNvPr id="9" name="Connecteur droit 8">
             <a:extLst>
               <a:ext uri="{FF2B5EF4-FFF2-40B4-BE49-F238E27FC236}">
-                <a16:creationId xmlns:a16="http://schemas.microsoft.com/office/drawing/2014/main" id="{243CAB72-90C2-5725-4705-3BD204567E1A}"/>
+                <a16:creationId xmlns:a16="http://schemas.microsoft.com/office/drawing/2014/main" id="{50727CB1-2832-2D32-EACE-6DE3DC693AE4}"/>
               </a:ext>
             </a:extLst>
           </p:cNvPr>
@@ -4915,8 +5665,8 @@
         </p:nvCxnSpPr>
         <p:spPr>
           <a:xfrm>
-            <a:off x="5264150" y="816597"/>
-            <a:ext cx="146050" cy="989832"/>
+            <a:off x="7415531" y="2043417"/>
+            <a:ext cx="128268" cy="1173480"/>
           </a:xfrm>
           <a:prstGeom prst="line">
             <a:avLst/>
@@ -4948,10 +5698,10 @@
       </p:cxnSp>
       <p:cxnSp>
         <p:nvCxnSpPr>
-          <p:cNvPr id="19" name="Connecteur droit 18">
+          <p:cNvPr id="13" name="Connecteur droit 12">
             <a:extLst>
               <a:ext uri="{FF2B5EF4-FFF2-40B4-BE49-F238E27FC236}">
-                <a16:creationId xmlns:a16="http://schemas.microsoft.com/office/drawing/2014/main" id="{45F7ACF8-85F2-C1C5-74EE-D92942C2ACA4}"/>
+                <a16:creationId xmlns:a16="http://schemas.microsoft.com/office/drawing/2014/main" id="{C4ABE7FF-BC1B-B6FE-F833-0121C1E6528E}"/>
               </a:ext>
             </a:extLst>
           </p:cNvPr>
@@ -4961,9 +5711,9 @@
           <p:nvPr/>
         </p:nvCxnSpPr>
         <p:spPr>
-          <a:xfrm>
-            <a:off x="5268218" y="1035050"/>
-            <a:ext cx="52044" cy="771379"/>
+          <a:xfrm flipH="1">
+            <a:off x="5846857" y="2255520"/>
+            <a:ext cx="1337404" cy="961377"/>
           </a:xfrm>
           <a:prstGeom prst="line">
             <a:avLst/>
@@ -4993,24 +5743,26 @@
           </a:fontRef>
         </p:style>
       </p:cxnSp>
-      <p:sp>
-        <p:nvSpPr>
-          <p:cNvPr id="22" name="Rectangle 21">
+      <p:cxnSp>
+        <p:nvCxnSpPr>
+          <p:cNvPr id="26" name="Connecteur droit 25">
             <a:extLst>
               <a:ext uri="{FF2B5EF4-FFF2-40B4-BE49-F238E27FC236}">
-                <a16:creationId xmlns:a16="http://schemas.microsoft.com/office/drawing/2014/main" id="{61FB2E7C-210A-F0BE-B639-2791CB5186F8}"/>
+                <a16:creationId xmlns:a16="http://schemas.microsoft.com/office/drawing/2014/main" id="{E5FA9020-DB82-6585-E1C6-3739D6A1CA2D}"/>
               </a:ext>
             </a:extLst>
           </p:cNvPr>
-          <p:cNvSpPr/>
+          <p:cNvCxnSpPr>
+            <a:cxnSpLocks/>
+          </p:cNvCxnSpPr>
           <p:nvPr/>
-        </p:nvSpPr>
-        <p:spPr>
-          <a:xfrm>
-            <a:off x="3906391" y="1997282"/>
-            <a:ext cx="443359" cy="187471"/>
-          </a:xfrm>
-          <a:prstGeom prst="rect">
+        </p:nvCxnSpPr>
+        <p:spPr>
+          <a:xfrm>
+            <a:off x="7415531" y="2255520"/>
+            <a:ext cx="64134" cy="961377"/>
+          </a:xfrm>
+          <a:prstGeom prst="line">
             <a:avLst/>
           </a:prstGeom>
           <a:noFill/>
@@ -5018,6 +5770,7 @@
             <a:solidFill>
               <a:srgbClr val="FF0000"/>
             </a:solidFill>
+            <a:prstDash val="sysDash"/>
           </a:ln>
         </p:spPr>
         <p:style>
@@ -5036,21 +5789,13 @@
             <a:schemeClr val="lt1"/>
           </a:fontRef>
         </p:style>
-        <p:txBody>
-          <a:bodyPr rtlCol="0" anchor="ctr"/>
-          <a:lstStyle/>
-          <a:p>
-            <a:pPr algn="ctr"/>
-            <a:endParaRPr lang="fr-FR"/>
-          </a:p>
-        </p:txBody>
-      </p:sp>
-      <p:sp>
-        <p:nvSpPr>
-          <p:cNvPr id="23" name="Rectangle 22">
+      </p:cxnSp>
+      <p:sp>
+        <p:nvSpPr>
+          <p:cNvPr id="30" name="Rectangle 29">
             <a:extLst>
               <a:ext uri="{FF2B5EF4-FFF2-40B4-BE49-F238E27FC236}">
-                <a16:creationId xmlns:a16="http://schemas.microsoft.com/office/drawing/2014/main" id="{42B242BF-4CDB-3FC8-7787-45F2BFF0CDCB}"/>
+                <a16:creationId xmlns:a16="http://schemas.microsoft.com/office/drawing/2014/main" id="{B521291B-B804-7295-DB13-992FEF4C37F0}"/>
               </a:ext>
             </a:extLst>
           </p:cNvPr>
@@ -5059,8 +5804,8 @@
         </p:nvSpPr>
         <p:spPr>
           <a:xfrm>
-            <a:off x="3480371" y="2269888"/>
-            <a:ext cx="297879" cy="282520"/>
+            <a:off x="6438900" y="3472624"/>
+            <a:ext cx="1066798" cy="762826"/>
           </a:xfrm>
           <a:prstGeom prst="rect">
             <a:avLst/>
@@ -5097,410 +5842,10 @@
           </a:p>
         </p:txBody>
       </p:sp>
-      <p:sp>
-        <p:nvSpPr>
-          <p:cNvPr id="25" name="Rectangle 24">
-            <a:extLst>
-              <a:ext uri="{FF2B5EF4-FFF2-40B4-BE49-F238E27FC236}">
-                <a16:creationId xmlns:a16="http://schemas.microsoft.com/office/drawing/2014/main" id="{6F911F04-DA03-6723-8C2E-357AED43C556}"/>
-              </a:ext>
-            </a:extLst>
-          </p:cNvPr>
-          <p:cNvSpPr/>
-          <p:nvPr/>
-        </p:nvSpPr>
-        <p:spPr>
-          <a:xfrm>
-            <a:off x="5175030" y="2222935"/>
-            <a:ext cx="183009" cy="190329"/>
-          </a:xfrm>
-          <a:prstGeom prst="rect">
-            <a:avLst/>
-          </a:prstGeom>
-          <a:noFill/>
-          <a:ln w="38100">
-            <a:solidFill>
-              <a:srgbClr val="7030A0"/>
-            </a:solidFill>
-          </a:ln>
-        </p:spPr>
-        <p:style>
-          <a:lnRef idx="2">
-            <a:schemeClr val="accent1">
-              <a:shade val="50000"/>
-            </a:schemeClr>
-          </a:lnRef>
-          <a:fillRef idx="1">
-            <a:schemeClr val="accent1"/>
-          </a:fillRef>
-          <a:effectRef idx="0">
-            <a:schemeClr val="accent1"/>
-          </a:effectRef>
-          <a:fontRef idx="minor">
-            <a:schemeClr val="lt1"/>
-          </a:fontRef>
-        </p:style>
-        <p:txBody>
-          <a:bodyPr rtlCol="0" anchor="ctr"/>
-          <a:lstStyle/>
-          <a:p>
-            <a:pPr algn="ctr"/>
-            <a:endParaRPr lang="fr-FR"/>
-          </a:p>
-        </p:txBody>
-      </p:sp>
-      <p:sp>
-        <p:nvSpPr>
-          <p:cNvPr id="24" name="Rectangle 23">
-            <a:extLst>
-              <a:ext uri="{FF2B5EF4-FFF2-40B4-BE49-F238E27FC236}">
-                <a16:creationId xmlns:a16="http://schemas.microsoft.com/office/drawing/2014/main" id="{0A0932D4-F0FB-952F-B6E2-3611FE7F690D}"/>
-              </a:ext>
-            </a:extLst>
-          </p:cNvPr>
-          <p:cNvSpPr/>
-          <p:nvPr/>
-        </p:nvSpPr>
-        <p:spPr>
-          <a:xfrm>
-            <a:off x="5175030" y="2016768"/>
-            <a:ext cx="183009" cy="206168"/>
-          </a:xfrm>
-          <a:prstGeom prst="rect">
-            <a:avLst/>
-          </a:prstGeom>
-          <a:noFill/>
-          <a:ln w="38100">
-            <a:solidFill>
-              <a:srgbClr val="00B050"/>
-            </a:solidFill>
-          </a:ln>
-        </p:spPr>
-        <p:style>
-          <a:lnRef idx="2">
-            <a:schemeClr val="accent1">
-              <a:shade val="50000"/>
-            </a:schemeClr>
-          </a:lnRef>
-          <a:fillRef idx="1">
-            <a:schemeClr val="accent1"/>
-          </a:fillRef>
-          <a:effectRef idx="0">
-            <a:schemeClr val="accent1"/>
-          </a:effectRef>
-          <a:fontRef idx="minor">
-            <a:schemeClr val="lt1"/>
-          </a:fontRef>
-        </p:style>
-        <p:txBody>
-          <a:bodyPr rtlCol="0" anchor="ctr"/>
-          <a:lstStyle/>
-          <a:p>
-            <a:pPr algn="ctr"/>
-            <a:endParaRPr lang="fr-FR"/>
-          </a:p>
-        </p:txBody>
-      </p:sp>
-      <p:sp>
-        <p:nvSpPr>
-          <p:cNvPr id="26" name="Ellipse 25">
-            <a:extLst>
-              <a:ext uri="{FF2B5EF4-FFF2-40B4-BE49-F238E27FC236}">
-                <a16:creationId xmlns:a16="http://schemas.microsoft.com/office/drawing/2014/main" id="{B6D978A4-2C32-9750-7E7F-CD987F8CCB3D}"/>
-              </a:ext>
-            </a:extLst>
-          </p:cNvPr>
-          <p:cNvSpPr/>
-          <p:nvPr/>
-        </p:nvSpPr>
-        <p:spPr>
-          <a:xfrm>
-            <a:off x="3106476" y="2250281"/>
-            <a:ext cx="321734" cy="321734"/>
-          </a:xfrm>
-          <a:prstGeom prst="ellipse">
-            <a:avLst/>
-          </a:prstGeom>
-          <a:solidFill>
-            <a:schemeClr val="bg1"/>
-          </a:solidFill>
-          <a:ln w="28575">
-            <a:solidFill>
-              <a:srgbClr val="FF0000"/>
-            </a:solidFill>
-          </a:ln>
-        </p:spPr>
-        <p:style>
-          <a:lnRef idx="2">
-            <a:schemeClr val="accent1">
-              <a:shade val="50000"/>
-            </a:schemeClr>
-          </a:lnRef>
-          <a:fillRef idx="1">
-            <a:schemeClr val="accent1"/>
-          </a:fillRef>
-          <a:effectRef idx="0">
-            <a:schemeClr val="accent1"/>
-          </a:effectRef>
-          <a:fontRef idx="minor">
-            <a:schemeClr val="lt1"/>
-          </a:fontRef>
-        </p:style>
-        <p:txBody>
-          <a:bodyPr rtlCol="0" anchor="ctr"/>
-          <a:lstStyle/>
-          <a:p>
-            <a:pPr algn="ctr"/>
-            <a:r>
-              <a:rPr lang="fr-FR" b="1" dirty="0">
-                <a:solidFill>
-                  <a:srgbClr val="FF0000"/>
-                </a:solidFill>
-              </a:rPr>
-              <a:t>1</a:t>
-            </a:r>
-          </a:p>
-        </p:txBody>
-      </p:sp>
-      <p:sp>
-        <p:nvSpPr>
-          <p:cNvPr id="27" name="Ellipse 26">
-            <a:extLst>
-              <a:ext uri="{FF2B5EF4-FFF2-40B4-BE49-F238E27FC236}">
-                <a16:creationId xmlns:a16="http://schemas.microsoft.com/office/drawing/2014/main" id="{3C5FFCE3-47F0-3156-0062-9634F0DC7166}"/>
-              </a:ext>
-            </a:extLst>
-          </p:cNvPr>
-          <p:cNvSpPr/>
-          <p:nvPr/>
-        </p:nvSpPr>
-        <p:spPr>
-          <a:xfrm>
-            <a:off x="5452744" y="2846916"/>
-            <a:ext cx="321734" cy="321734"/>
-          </a:xfrm>
-          <a:prstGeom prst="ellipse">
-            <a:avLst/>
-          </a:prstGeom>
-          <a:solidFill>
-            <a:schemeClr val="bg1"/>
-          </a:solidFill>
-          <a:ln w="28575">
-            <a:solidFill>
-              <a:srgbClr val="FF0000"/>
-            </a:solidFill>
-          </a:ln>
-        </p:spPr>
-        <p:style>
-          <a:lnRef idx="2">
-            <a:schemeClr val="accent1">
-              <a:shade val="50000"/>
-            </a:schemeClr>
-          </a:lnRef>
-          <a:fillRef idx="1">
-            <a:schemeClr val="accent1"/>
-          </a:fillRef>
-          <a:effectRef idx="0">
-            <a:schemeClr val="accent1"/>
-          </a:effectRef>
-          <a:fontRef idx="minor">
-            <a:schemeClr val="lt1"/>
-          </a:fontRef>
-        </p:style>
-        <p:txBody>
-          <a:bodyPr rtlCol="0" anchor="ctr"/>
-          <a:lstStyle/>
-          <a:p>
-            <a:pPr algn="ctr"/>
-            <a:r>
-              <a:rPr lang="fr-FR" b="1" dirty="0">
-                <a:solidFill>
-                  <a:srgbClr val="FF0000"/>
-                </a:solidFill>
-              </a:rPr>
-              <a:t>3</a:t>
-            </a:r>
-          </a:p>
-        </p:txBody>
-      </p:sp>
-      <p:sp>
-        <p:nvSpPr>
-          <p:cNvPr id="28" name="Ellipse 27">
-            <a:extLst>
-              <a:ext uri="{FF2B5EF4-FFF2-40B4-BE49-F238E27FC236}">
-                <a16:creationId xmlns:a16="http://schemas.microsoft.com/office/drawing/2014/main" id="{92C96220-501E-4BB9-11B4-92F5A7899A87}"/>
-              </a:ext>
-            </a:extLst>
-          </p:cNvPr>
-          <p:cNvSpPr/>
-          <p:nvPr/>
-        </p:nvSpPr>
-        <p:spPr>
-          <a:xfrm>
-            <a:off x="4791580" y="2208461"/>
-            <a:ext cx="321734" cy="321734"/>
-          </a:xfrm>
-          <a:prstGeom prst="ellipse">
-            <a:avLst/>
-          </a:prstGeom>
-          <a:solidFill>
-            <a:schemeClr val="bg1"/>
-          </a:solidFill>
-          <a:ln w="28575">
-            <a:solidFill>
-              <a:srgbClr val="7030A0"/>
-            </a:solidFill>
-          </a:ln>
-        </p:spPr>
-        <p:style>
-          <a:lnRef idx="2">
-            <a:schemeClr val="accent1">
-              <a:shade val="50000"/>
-            </a:schemeClr>
-          </a:lnRef>
-          <a:fillRef idx="1">
-            <a:schemeClr val="accent1"/>
-          </a:fillRef>
-          <a:effectRef idx="0">
-            <a:schemeClr val="accent1"/>
-          </a:effectRef>
-          <a:fontRef idx="minor">
-            <a:schemeClr val="lt1"/>
-          </a:fontRef>
-        </p:style>
-        <p:txBody>
-          <a:bodyPr rtlCol="0" anchor="ctr"/>
-          <a:lstStyle/>
-          <a:p>
-            <a:pPr algn="ctr"/>
-            <a:r>
-              <a:rPr lang="fr-FR" b="1" dirty="0">
-                <a:solidFill>
-                  <a:srgbClr val="7030A0"/>
-                </a:solidFill>
-              </a:rPr>
-              <a:t>4</a:t>
-            </a:r>
-          </a:p>
-        </p:txBody>
-      </p:sp>
-      <p:sp>
-        <p:nvSpPr>
-          <p:cNvPr id="29" name="Ellipse 28">
-            <a:extLst>
-              <a:ext uri="{FF2B5EF4-FFF2-40B4-BE49-F238E27FC236}">
-                <a16:creationId xmlns:a16="http://schemas.microsoft.com/office/drawing/2014/main" id="{2AAA61BF-8F35-278D-837F-6C9CB05B6D7A}"/>
-              </a:ext>
-            </a:extLst>
-          </p:cNvPr>
-          <p:cNvSpPr/>
-          <p:nvPr/>
-        </p:nvSpPr>
-        <p:spPr>
-          <a:xfrm>
-            <a:off x="5457824" y="1958985"/>
-            <a:ext cx="321734" cy="321734"/>
-          </a:xfrm>
-          <a:prstGeom prst="ellipse">
-            <a:avLst/>
-          </a:prstGeom>
-          <a:solidFill>
-            <a:schemeClr val="bg1"/>
-          </a:solidFill>
-          <a:ln w="28575">
-            <a:solidFill>
-              <a:srgbClr val="FF0000"/>
-            </a:solidFill>
-          </a:ln>
-        </p:spPr>
-        <p:style>
-          <a:lnRef idx="2">
-            <a:schemeClr val="accent1">
-              <a:shade val="50000"/>
-            </a:schemeClr>
-          </a:lnRef>
-          <a:fillRef idx="1">
-            <a:schemeClr val="accent1"/>
-          </a:fillRef>
-          <a:effectRef idx="0">
-            <a:schemeClr val="accent1"/>
-          </a:effectRef>
-          <a:fontRef idx="minor">
-            <a:schemeClr val="lt1"/>
-          </a:fontRef>
-        </p:style>
-        <p:txBody>
-          <a:bodyPr rtlCol="0" anchor="ctr"/>
-          <a:lstStyle/>
-          <a:p>
-            <a:pPr algn="ctr"/>
-            <a:r>
-              <a:rPr lang="fr-FR" b="1" dirty="0">
-                <a:solidFill>
-                  <a:srgbClr val="FF0000"/>
-                </a:solidFill>
-              </a:rPr>
-              <a:t>2</a:t>
-            </a:r>
-          </a:p>
-        </p:txBody>
-      </p:sp>
-      <p:sp>
-        <p:nvSpPr>
-          <p:cNvPr id="30" name="Rectangle 29">
-            <a:extLst>
-              <a:ext uri="{FF2B5EF4-FFF2-40B4-BE49-F238E27FC236}">
-                <a16:creationId xmlns:a16="http://schemas.microsoft.com/office/drawing/2014/main" id="{AEC7242C-DC34-43CF-AEC6-8D8CF124076C}"/>
-              </a:ext>
-            </a:extLst>
-          </p:cNvPr>
-          <p:cNvSpPr/>
-          <p:nvPr/>
-        </p:nvSpPr>
-        <p:spPr>
-          <a:xfrm>
-            <a:off x="5190813" y="2912408"/>
-            <a:ext cx="183009" cy="206168"/>
-          </a:xfrm>
-          <a:prstGeom prst="rect">
-            <a:avLst/>
-          </a:prstGeom>
-          <a:noFill/>
-          <a:ln w="38100">
-            <a:solidFill>
-              <a:srgbClr val="00B050"/>
-            </a:solidFill>
-          </a:ln>
-        </p:spPr>
-        <p:style>
-          <a:lnRef idx="2">
-            <a:schemeClr val="accent1">
-              <a:shade val="50000"/>
-            </a:schemeClr>
-          </a:lnRef>
-          <a:fillRef idx="1">
-            <a:schemeClr val="accent1"/>
-          </a:fillRef>
-          <a:effectRef idx="0">
-            <a:schemeClr val="accent1"/>
-          </a:effectRef>
-          <a:fontRef idx="minor">
-            <a:schemeClr val="lt1"/>
-          </a:fontRef>
-        </p:style>
-        <p:txBody>
-          <a:bodyPr rtlCol="0" anchor="ctr"/>
-          <a:lstStyle/>
-          <a:p>
-            <a:pPr algn="ctr"/>
-            <a:endParaRPr lang="fr-FR"/>
-          </a:p>
-        </p:txBody>
-      </p:sp>
     </p:spTree>
     <p:extLst>
       <p:ext uri="{BB962C8B-B14F-4D97-AF65-F5344CB8AC3E}">
-        <p14:creationId xmlns:p14="http://schemas.microsoft.com/office/powerpoint/2010/main" val="3506515072"/>
+        <p14:creationId xmlns:p14="http://schemas.microsoft.com/office/powerpoint/2010/main" val="2820531231"/>
       </p:ext>
     </p:extLst>
   </p:cSld>
@@ -5513,14 +5858,6 @@
 <file path=ppt/slides/slide9.xml><?xml version="1.0" encoding="utf-8"?>
 <p:sld xmlns:a="http://schemas.openxmlformats.org/drawingml/2006/main" xmlns:r="http://schemas.openxmlformats.org/officeDocument/2006/relationships" xmlns:p="http://schemas.openxmlformats.org/presentationml/2006/main">
   <p:cSld>
-    <p:bg>
-      <p:bgPr>
-        <a:solidFill>
-          <a:schemeClr val="bg1"/>
-        </a:solidFill>
-        <a:effectLst/>
-      </p:bgPr>
-    </p:bg>
     <p:spTree>
       <p:nvGrpSpPr>
         <p:cNvPr id="1" name=""/>
@@ -5537,10 +5874,10 @@
       </p:grpSpPr>
       <p:pic>
         <p:nvPicPr>
-          <p:cNvPr id="4" name="Image 3" descr="Une image contenant texte, capture d’écran, logiciel, affichage&#10;&#10;Le contenu généré par l’IA peut être incorrect.">
+          <p:cNvPr id="4" name="Image 3" descr="Une image contenant texte, capture d’écran, affichage, logiciel&#10;&#10;Le contenu généré par l’IA peut être incorrect.">
             <a:extLst>
               <a:ext uri="{FF2B5EF4-FFF2-40B4-BE49-F238E27FC236}">
-                <a16:creationId xmlns:a16="http://schemas.microsoft.com/office/drawing/2014/main" id="{F079D22B-B3DD-99B7-562D-79B5C51293C3}"/>
+                <a16:creationId xmlns:a16="http://schemas.microsoft.com/office/drawing/2014/main" id="{1A6E53F8-AE5C-4EF9-9DAF-6934C8447206}"/>
               </a:ext>
             </a:extLst>
           </p:cNvPr>
@@ -5563,8 +5900,8 @@
         </p:blipFill>
         <p:spPr>
           <a:xfrm>
-            <a:off x="2478423" y="643466"/>
-            <a:ext cx="7235153" cy="5571067"/>
+            <a:off x="1783926" y="662425"/>
+            <a:ext cx="4464474" cy="3437644"/>
           </a:xfrm>
           <a:prstGeom prst="rect">
             <a:avLst/>
@@ -5576,7 +5913,7 @@
           <p:cNvPr id="5" name="Rectangle 4">
             <a:extLst>
               <a:ext uri="{FF2B5EF4-FFF2-40B4-BE49-F238E27FC236}">
-                <a16:creationId xmlns:a16="http://schemas.microsoft.com/office/drawing/2014/main" id="{8CBF08FB-7231-84F6-41DC-EF59BC6C4352}"/>
+                <a16:creationId xmlns:a16="http://schemas.microsoft.com/office/drawing/2014/main" id="{57C4D587-C711-0FDA-5283-7847C8B0A27F}"/>
               </a:ext>
             </a:extLst>
           </p:cNvPr>
@@ -5585,8 +5922,8 @@
         </p:nvSpPr>
         <p:spPr>
           <a:xfrm>
-            <a:off x="6602254" y="935794"/>
-            <a:ext cx="265906" cy="258005"/>
+            <a:off x="5081141" y="816597"/>
+            <a:ext cx="183009" cy="218453"/>
           </a:xfrm>
           <a:prstGeom prst="rect">
             <a:avLst/>
@@ -5623,24 +5960,26 @@
           </a:p>
         </p:txBody>
       </p:sp>
-      <p:sp>
-        <p:nvSpPr>
-          <p:cNvPr id="6" name="Rectangle 5">
+      <p:cxnSp>
+        <p:nvCxnSpPr>
+          <p:cNvPr id="6" name="Connecteur droit 5">
             <a:extLst>
               <a:ext uri="{FF2B5EF4-FFF2-40B4-BE49-F238E27FC236}">
-                <a16:creationId xmlns:a16="http://schemas.microsoft.com/office/drawing/2014/main" id="{3A357A02-C61C-4944-E985-6760FDB5EF26}"/>
+                <a16:creationId xmlns:a16="http://schemas.microsoft.com/office/drawing/2014/main" id="{69E83EE0-DF55-71D7-A602-A56D94886DF2}"/>
               </a:ext>
             </a:extLst>
           </p:cNvPr>
-          <p:cNvSpPr/>
+          <p:cNvCxnSpPr>
+            <a:cxnSpLocks/>
+          </p:cNvCxnSpPr>
           <p:nvPr/>
-        </p:nvSpPr>
-        <p:spPr>
-          <a:xfrm>
-            <a:off x="4082920" y="2605434"/>
-            <a:ext cx="4021552" cy="2707711"/>
-          </a:xfrm>
-          <a:prstGeom prst="rect">
+        </p:nvCxnSpPr>
+        <p:spPr>
+          <a:xfrm flipH="1">
+            <a:off x="2617341" y="816597"/>
+            <a:ext cx="2463800" cy="989832"/>
+          </a:xfrm>
+          <a:prstGeom prst="line">
             <a:avLst/>
           </a:prstGeom>
           <a:noFill/>
@@ -5648,6 +5987,7 @@
             <a:solidFill>
               <a:srgbClr val="FF0000"/>
             </a:solidFill>
+            <a:prstDash val="sysDash"/>
           </a:ln>
         </p:spPr>
         <p:style>
@@ -5666,6 +6006,50 @@
             <a:schemeClr val="lt1"/>
           </a:fontRef>
         </p:style>
+      </p:cxnSp>
+      <p:sp>
+        <p:nvSpPr>
+          <p:cNvPr id="7" name="Rectangle 6">
+            <a:extLst>
+              <a:ext uri="{FF2B5EF4-FFF2-40B4-BE49-F238E27FC236}">
+                <a16:creationId xmlns:a16="http://schemas.microsoft.com/office/drawing/2014/main" id="{256A3746-6214-CE67-DE58-04B2C39CF4E5}"/>
+              </a:ext>
+            </a:extLst>
+          </p:cNvPr>
+          <p:cNvSpPr/>
+          <p:nvPr/>
+        </p:nvSpPr>
+        <p:spPr>
+          <a:xfrm>
+            <a:off x="2617341" y="1806429"/>
+            <a:ext cx="2792859" cy="1362221"/>
+          </a:xfrm>
+          <a:prstGeom prst="rect">
+            <a:avLst/>
+          </a:prstGeom>
+          <a:noFill/>
+          <a:ln w="38100">
+            <a:solidFill>
+              <a:srgbClr val="FF0000"/>
+            </a:solidFill>
+          </a:ln>
+        </p:spPr>
+        <p:style>
+          <a:lnRef idx="2">
+            <a:schemeClr val="accent1">
+              <a:shade val="50000"/>
+            </a:schemeClr>
+          </a:lnRef>
+          <a:fillRef idx="1">
+            <a:schemeClr val="accent1"/>
+          </a:fillRef>
+          <a:effectRef idx="0">
+            <a:schemeClr val="accent1"/>
+          </a:effectRef>
+          <a:fontRef idx="minor">
+            <a:schemeClr val="lt1"/>
+          </a:fontRef>
+        </p:style>
         <p:txBody>
           <a:bodyPr rtlCol="0" anchor="ctr"/>
           <a:lstStyle/>
@@ -5677,10 +6061,10 @@
       </p:sp>
       <p:cxnSp>
         <p:nvCxnSpPr>
-          <p:cNvPr id="7" name="Connecteur droit 6">
+          <p:cNvPr id="12" name="Connecteur droit 11">
             <a:extLst>
               <a:ext uri="{FF2B5EF4-FFF2-40B4-BE49-F238E27FC236}">
-                <a16:creationId xmlns:a16="http://schemas.microsoft.com/office/drawing/2014/main" id="{948A199E-AA14-9426-8B36-0DC18BBBABD1}"/>
+                <a16:creationId xmlns:a16="http://schemas.microsoft.com/office/drawing/2014/main" id="{3E6AA6FD-8244-171B-CC4C-8ED7E5EBDD51}"/>
               </a:ext>
             </a:extLst>
           </p:cNvPr>
@@ -5691,8 +6075,8 @@
         </p:nvCxnSpPr>
         <p:spPr>
           <a:xfrm flipH="1">
-            <a:off x="4082920" y="954177"/>
-            <a:ext cx="2519334" cy="1651257"/>
+            <a:off x="4190382" y="1035050"/>
+            <a:ext cx="890759" cy="771379"/>
           </a:xfrm>
           <a:prstGeom prst="line">
             <a:avLst/>
@@ -5724,10 +6108,10 @@
       </p:cxnSp>
       <p:cxnSp>
         <p:nvCxnSpPr>
-          <p:cNvPr id="8" name="Connecteur droit 7">
+          <p:cNvPr id="16" name="Connecteur droit 15">
             <a:extLst>
               <a:ext uri="{FF2B5EF4-FFF2-40B4-BE49-F238E27FC236}">
-                <a16:creationId xmlns:a16="http://schemas.microsoft.com/office/drawing/2014/main" id="{8E159071-8B1F-5150-81E7-E0476785B2A9}"/>
+                <a16:creationId xmlns:a16="http://schemas.microsoft.com/office/drawing/2014/main" id="{243CAB72-90C2-5725-4705-3BD204567E1A}"/>
               </a:ext>
             </a:extLst>
           </p:cNvPr>
@@ -5738,8 +6122,8 @@
         </p:nvCxnSpPr>
         <p:spPr>
           <a:xfrm>
-            <a:off x="6875778" y="918742"/>
-            <a:ext cx="1228694" cy="1680604"/>
+            <a:off x="5264150" y="816597"/>
+            <a:ext cx="146050" cy="989832"/>
           </a:xfrm>
           <a:prstGeom prst="line">
             <a:avLst/>
@@ -5771,10 +6155,10 @@
       </p:cxnSp>
       <p:cxnSp>
         <p:nvCxnSpPr>
-          <p:cNvPr id="9" name="Connecteur droit 8">
+          <p:cNvPr id="19" name="Connecteur droit 18">
             <a:extLst>
               <a:ext uri="{FF2B5EF4-FFF2-40B4-BE49-F238E27FC236}">
-                <a16:creationId xmlns:a16="http://schemas.microsoft.com/office/drawing/2014/main" id="{E4F720BF-41B3-BC44-ADC7-7C754F3F92EB}"/>
+                <a16:creationId xmlns:a16="http://schemas.microsoft.com/office/drawing/2014/main" id="{45F7ACF8-85F2-C1C5-74EE-D92942C2ACA4}"/>
               </a:ext>
             </a:extLst>
           </p:cNvPr>
@@ -5784,9 +6168,9 @@
           <p:nvPr/>
         </p:nvCxnSpPr>
         <p:spPr>
-          <a:xfrm flipH="1">
-            <a:off x="5727032" y="1210462"/>
-            <a:ext cx="850837" cy="1388884"/>
+          <a:xfrm>
+            <a:off x="5268218" y="1035050"/>
+            <a:ext cx="52044" cy="771379"/>
           </a:xfrm>
           <a:prstGeom prst="line">
             <a:avLst/>
@@ -5816,26 +6200,24 @@
           </a:fontRef>
         </p:style>
       </p:cxnSp>
-      <p:cxnSp>
-        <p:nvCxnSpPr>
-          <p:cNvPr id="10" name="Connecteur droit 9">
+      <p:sp>
+        <p:nvSpPr>
+          <p:cNvPr id="22" name="Rectangle 21">
             <a:extLst>
               <a:ext uri="{FF2B5EF4-FFF2-40B4-BE49-F238E27FC236}">
-                <a16:creationId xmlns:a16="http://schemas.microsoft.com/office/drawing/2014/main" id="{8CAEBD49-0DD9-25B3-B393-8D0E758B4EBB}"/>
+                <a16:creationId xmlns:a16="http://schemas.microsoft.com/office/drawing/2014/main" id="{61FB2E7C-210A-F0BE-B639-2791CB5186F8}"/>
               </a:ext>
             </a:extLst>
           </p:cNvPr>
-          <p:cNvCxnSpPr>
-            <a:cxnSpLocks/>
-          </p:cNvCxnSpPr>
+          <p:cNvSpPr/>
           <p:nvPr/>
-        </p:nvCxnSpPr>
-        <p:spPr>
-          <a:xfrm>
-            <a:off x="6875778" y="1193799"/>
-            <a:ext cx="429797" cy="1436303"/>
-          </a:xfrm>
-          <a:prstGeom prst="line">
+        </p:nvSpPr>
+        <p:spPr>
+          <a:xfrm>
+            <a:off x="3906391" y="1997282"/>
+            <a:ext cx="443359" cy="187471"/>
+          </a:xfrm>
+          <a:prstGeom prst="rect">
             <a:avLst/>
           </a:prstGeom>
           <a:noFill/>
@@ -5843,7 +6225,6 @@
             <a:solidFill>
               <a:srgbClr val="FF0000"/>
             </a:solidFill>
-            <a:prstDash val="sysDash"/>
           </a:ln>
         </p:spPr>
         <p:style>
@@ -5862,11 +6243,471 @@
             <a:schemeClr val="lt1"/>
           </a:fontRef>
         </p:style>
-      </p:cxnSp>
+        <p:txBody>
+          <a:bodyPr rtlCol="0" anchor="ctr"/>
+          <a:lstStyle/>
+          <a:p>
+            <a:pPr algn="ctr"/>
+            <a:endParaRPr lang="fr-FR"/>
+          </a:p>
+        </p:txBody>
+      </p:sp>
+      <p:sp>
+        <p:nvSpPr>
+          <p:cNvPr id="23" name="Rectangle 22">
+            <a:extLst>
+              <a:ext uri="{FF2B5EF4-FFF2-40B4-BE49-F238E27FC236}">
+                <a16:creationId xmlns:a16="http://schemas.microsoft.com/office/drawing/2014/main" id="{42B242BF-4CDB-3FC8-7787-45F2BFF0CDCB}"/>
+              </a:ext>
+            </a:extLst>
+          </p:cNvPr>
+          <p:cNvSpPr/>
+          <p:nvPr/>
+        </p:nvSpPr>
+        <p:spPr>
+          <a:xfrm>
+            <a:off x="3480371" y="2269888"/>
+            <a:ext cx="297879" cy="282520"/>
+          </a:xfrm>
+          <a:prstGeom prst="rect">
+            <a:avLst/>
+          </a:prstGeom>
+          <a:noFill/>
+          <a:ln w="38100">
+            <a:solidFill>
+              <a:srgbClr val="00B050"/>
+            </a:solidFill>
+          </a:ln>
+        </p:spPr>
+        <p:style>
+          <a:lnRef idx="2">
+            <a:schemeClr val="accent1">
+              <a:shade val="50000"/>
+            </a:schemeClr>
+          </a:lnRef>
+          <a:fillRef idx="1">
+            <a:schemeClr val="accent1"/>
+          </a:fillRef>
+          <a:effectRef idx="0">
+            <a:schemeClr val="accent1"/>
+          </a:effectRef>
+          <a:fontRef idx="minor">
+            <a:schemeClr val="lt1"/>
+          </a:fontRef>
+        </p:style>
+        <p:txBody>
+          <a:bodyPr rtlCol="0" anchor="ctr"/>
+          <a:lstStyle/>
+          <a:p>
+            <a:pPr algn="ctr"/>
+            <a:endParaRPr lang="fr-FR"/>
+          </a:p>
+        </p:txBody>
+      </p:sp>
+      <p:sp>
+        <p:nvSpPr>
+          <p:cNvPr id="25" name="Rectangle 24">
+            <a:extLst>
+              <a:ext uri="{FF2B5EF4-FFF2-40B4-BE49-F238E27FC236}">
+                <a16:creationId xmlns:a16="http://schemas.microsoft.com/office/drawing/2014/main" id="{6F911F04-DA03-6723-8C2E-357AED43C556}"/>
+              </a:ext>
+            </a:extLst>
+          </p:cNvPr>
+          <p:cNvSpPr/>
+          <p:nvPr/>
+        </p:nvSpPr>
+        <p:spPr>
+          <a:xfrm>
+            <a:off x="5175030" y="2222935"/>
+            <a:ext cx="183009" cy="190329"/>
+          </a:xfrm>
+          <a:prstGeom prst="rect">
+            <a:avLst/>
+          </a:prstGeom>
+          <a:noFill/>
+          <a:ln w="38100">
+            <a:solidFill>
+              <a:srgbClr val="7030A0"/>
+            </a:solidFill>
+          </a:ln>
+        </p:spPr>
+        <p:style>
+          <a:lnRef idx="2">
+            <a:schemeClr val="accent1">
+              <a:shade val="50000"/>
+            </a:schemeClr>
+          </a:lnRef>
+          <a:fillRef idx="1">
+            <a:schemeClr val="accent1"/>
+          </a:fillRef>
+          <a:effectRef idx="0">
+            <a:schemeClr val="accent1"/>
+          </a:effectRef>
+          <a:fontRef idx="minor">
+            <a:schemeClr val="lt1"/>
+          </a:fontRef>
+        </p:style>
+        <p:txBody>
+          <a:bodyPr rtlCol="0" anchor="ctr"/>
+          <a:lstStyle/>
+          <a:p>
+            <a:pPr algn="ctr"/>
+            <a:endParaRPr lang="fr-FR"/>
+          </a:p>
+        </p:txBody>
+      </p:sp>
+      <p:sp>
+        <p:nvSpPr>
+          <p:cNvPr id="24" name="Rectangle 23">
+            <a:extLst>
+              <a:ext uri="{FF2B5EF4-FFF2-40B4-BE49-F238E27FC236}">
+                <a16:creationId xmlns:a16="http://schemas.microsoft.com/office/drawing/2014/main" id="{0A0932D4-F0FB-952F-B6E2-3611FE7F690D}"/>
+              </a:ext>
+            </a:extLst>
+          </p:cNvPr>
+          <p:cNvSpPr/>
+          <p:nvPr/>
+        </p:nvSpPr>
+        <p:spPr>
+          <a:xfrm>
+            <a:off x="5175030" y="2016768"/>
+            <a:ext cx="183009" cy="206168"/>
+          </a:xfrm>
+          <a:prstGeom prst="rect">
+            <a:avLst/>
+          </a:prstGeom>
+          <a:noFill/>
+          <a:ln w="38100">
+            <a:solidFill>
+              <a:srgbClr val="00B050"/>
+            </a:solidFill>
+          </a:ln>
+        </p:spPr>
+        <p:style>
+          <a:lnRef idx="2">
+            <a:schemeClr val="accent1">
+              <a:shade val="50000"/>
+            </a:schemeClr>
+          </a:lnRef>
+          <a:fillRef idx="1">
+            <a:schemeClr val="accent1"/>
+          </a:fillRef>
+          <a:effectRef idx="0">
+            <a:schemeClr val="accent1"/>
+          </a:effectRef>
+          <a:fontRef idx="minor">
+            <a:schemeClr val="lt1"/>
+          </a:fontRef>
+        </p:style>
+        <p:txBody>
+          <a:bodyPr rtlCol="0" anchor="ctr"/>
+          <a:lstStyle/>
+          <a:p>
+            <a:pPr algn="ctr"/>
+            <a:endParaRPr lang="fr-FR"/>
+          </a:p>
+        </p:txBody>
+      </p:sp>
+      <p:sp>
+        <p:nvSpPr>
+          <p:cNvPr id="26" name="Ellipse 25">
+            <a:extLst>
+              <a:ext uri="{FF2B5EF4-FFF2-40B4-BE49-F238E27FC236}">
+                <a16:creationId xmlns:a16="http://schemas.microsoft.com/office/drawing/2014/main" id="{B6D978A4-2C32-9750-7E7F-CD987F8CCB3D}"/>
+              </a:ext>
+            </a:extLst>
+          </p:cNvPr>
+          <p:cNvSpPr/>
+          <p:nvPr/>
+        </p:nvSpPr>
+        <p:spPr>
+          <a:xfrm>
+            <a:off x="3106476" y="2250281"/>
+            <a:ext cx="321734" cy="321734"/>
+          </a:xfrm>
+          <a:prstGeom prst="ellipse">
+            <a:avLst/>
+          </a:prstGeom>
+          <a:solidFill>
+            <a:schemeClr val="bg1"/>
+          </a:solidFill>
+          <a:ln w="28575">
+            <a:solidFill>
+              <a:srgbClr val="FF0000"/>
+            </a:solidFill>
+          </a:ln>
+        </p:spPr>
+        <p:style>
+          <a:lnRef idx="2">
+            <a:schemeClr val="accent1">
+              <a:shade val="50000"/>
+            </a:schemeClr>
+          </a:lnRef>
+          <a:fillRef idx="1">
+            <a:schemeClr val="accent1"/>
+          </a:fillRef>
+          <a:effectRef idx="0">
+            <a:schemeClr val="accent1"/>
+          </a:effectRef>
+          <a:fontRef idx="minor">
+            <a:schemeClr val="lt1"/>
+          </a:fontRef>
+        </p:style>
+        <p:txBody>
+          <a:bodyPr rtlCol="0" anchor="ctr"/>
+          <a:lstStyle/>
+          <a:p>
+            <a:pPr algn="ctr"/>
+            <a:r>
+              <a:rPr lang="fr-FR" b="1" dirty="0">
+                <a:solidFill>
+                  <a:srgbClr val="FF0000"/>
+                </a:solidFill>
+              </a:rPr>
+              <a:t>1</a:t>
+            </a:r>
+          </a:p>
+        </p:txBody>
+      </p:sp>
+      <p:sp>
+        <p:nvSpPr>
+          <p:cNvPr id="27" name="Ellipse 26">
+            <a:extLst>
+              <a:ext uri="{FF2B5EF4-FFF2-40B4-BE49-F238E27FC236}">
+                <a16:creationId xmlns:a16="http://schemas.microsoft.com/office/drawing/2014/main" id="{3C5FFCE3-47F0-3156-0062-9634F0DC7166}"/>
+              </a:ext>
+            </a:extLst>
+          </p:cNvPr>
+          <p:cNvSpPr/>
+          <p:nvPr/>
+        </p:nvSpPr>
+        <p:spPr>
+          <a:xfrm>
+            <a:off x="5452744" y="2846916"/>
+            <a:ext cx="321734" cy="321734"/>
+          </a:xfrm>
+          <a:prstGeom prst="ellipse">
+            <a:avLst/>
+          </a:prstGeom>
+          <a:solidFill>
+            <a:schemeClr val="bg1"/>
+          </a:solidFill>
+          <a:ln w="28575">
+            <a:solidFill>
+              <a:srgbClr val="FF0000"/>
+            </a:solidFill>
+          </a:ln>
+        </p:spPr>
+        <p:style>
+          <a:lnRef idx="2">
+            <a:schemeClr val="accent1">
+              <a:shade val="50000"/>
+            </a:schemeClr>
+          </a:lnRef>
+          <a:fillRef idx="1">
+            <a:schemeClr val="accent1"/>
+          </a:fillRef>
+          <a:effectRef idx="0">
+            <a:schemeClr val="accent1"/>
+          </a:effectRef>
+          <a:fontRef idx="minor">
+            <a:schemeClr val="lt1"/>
+          </a:fontRef>
+        </p:style>
+        <p:txBody>
+          <a:bodyPr rtlCol="0" anchor="ctr"/>
+          <a:lstStyle/>
+          <a:p>
+            <a:pPr algn="ctr"/>
+            <a:r>
+              <a:rPr lang="fr-FR" b="1" dirty="0">
+                <a:solidFill>
+                  <a:srgbClr val="FF0000"/>
+                </a:solidFill>
+              </a:rPr>
+              <a:t>3</a:t>
+            </a:r>
+          </a:p>
+        </p:txBody>
+      </p:sp>
+      <p:sp>
+        <p:nvSpPr>
+          <p:cNvPr id="28" name="Ellipse 27">
+            <a:extLst>
+              <a:ext uri="{FF2B5EF4-FFF2-40B4-BE49-F238E27FC236}">
+                <a16:creationId xmlns:a16="http://schemas.microsoft.com/office/drawing/2014/main" id="{92C96220-501E-4BB9-11B4-92F5A7899A87}"/>
+              </a:ext>
+            </a:extLst>
+          </p:cNvPr>
+          <p:cNvSpPr/>
+          <p:nvPr/>
+        </p:nvSpPr>
+        <p:spPr>
+          <a:xfrm>
+            <a:off x="4791580" y="2208461"/>
+            <a:ext cx="321734" cy="321734"/>
+          </a:xfrm>
+          <a:prstGeom prst="ellipse">
+            <a:avLst/>
+          </a:prstGeom>
+          <a:solidFill>
+            <a:schemeClr val="bg1"/>
+          </a:solidFill>
+          <a:ln w="28575">
+            <a:solidFill>
+              <a:srgbClr val="7030A0"/>
+            </a:solidFill>
+          </a:ln>
+        </p:spPr>
+        <p:style>
+          <a:lnRef idx="2">
+            <a:schemeClr val="accent1">
+              <a:shade val="50000"/>
+            </a:schemeClr>
+          </a:lnRef>
+          <a:fillRef idx="1">
+            <a:schemeClr val="accent1"/>
+          </a:fillRef>
+          <a:effectRef idx="0">
+            <a:schemeClr val="accent1"/>
+          </a:effectRef>
+          <a:fontRef idx="minor">
+            <a:schemeClr val="lt1"/>
+          </a:fontRef>
+        </p:style>
+        <p:txBody>
+          <a:bodyPr rtlCol="0" anchor="ctr"/>
+          <a:lstStyle/>
+          <a:p>
+            <a:pPr algn="ctr"/>
+            <a:r>
+              <a:rPr lang="fr-FR" b="1" dirty="0">
+                <a:solidFill>
+                  <a:srgbClr val="7030A0"/>
+                </a:solidFill>
+              </a:rPr>
+              <a:t>4</a:t>
+            </a:r>
+          </a:p>
+        </p:txBody>
+      </p:sp>
+      <p:sp>
+        <p:nvSpPr>
+          <p:cNvPr id="29" name="Ellipse 28">
+            <a:extLst>
+              <a:ext uri="{FF2B5EF4-FFF2-40B4-BE49-F238E27FC236}">
+                <a16:creationId xmlns:a16="http://schemas.microsoft.com/office/drawing/2014/main" id="{2AAA61BF-8F35-278D-837F-6C9CB05B6D7A}"/>
+              </a:ext>
+            </a:extLst>
+          </p:cNvPr>
+          <p:cNvSpPr/>
+          <p:nvPr/>
+        </p:nvSpPr>
+        <p:spPr>
+          <a:xfrm>
+            <a:off x="5457824" y="1958985"/>
+            <a:ext cx="321734" cy="321734"/>
+          </a:xfrm>
+          <a:prstGeom prst="ellipse">
+            <a:avLst/>
+          </a:prstGeom>
+          <a:solidFill>
+            <a:schemeClr val="bg1"/>
+          </a:solidFill>
+          <a:ln w="28575">
+            <a:solidFill>
+              <a:srgbClr val="FF0000"/>
+            </a:solidFill>
+          </a:ln>
+        </p:spPr>
+        <p:style>
+          <a:lnRef idx="2">
+            <a:schemeClr val="accent1">
+              <a:shade val="50000"/>
+            </a:schemeClr>
+          </a:lnRef>
+          <a:fillRef idx="1">
+            <a:schemeClr val="accent1"/>
+          </a:fillRef>
+          <a:effectRef idx="0">
+            <a:schemeClr val="accent1"/>
+          </a:effectRef>
+          <a:fontRef idx="minor">
+            <a:schemeClr val="lt1"/>
+          </a:fontRef>
+        </p:style>
+        <p:txBody>
+          <a:bodyPr rtlCol="0" anchor="ctr"/>
+          <a:lstStyle/>
+          <a:p>
+            <a:pPr algn="ctr"/>
+            <a:r>
+              <a:rPr lang="fr-FR" b="1" dirty="0">
+                <a:solidFill>
+                  <a:srgbClr val="FF0000"/>
+                </a:solidFill>
+              </a:rPr>
+              <a:t>2</a:t>
+            </a:r>
+          </a:p>
+        </p:txBody>
+      </p:sp>
+      <p:sp>
+        <p:nvSpPr>
+          <p:cNvPr id="30" name="Rectangle 29">
+            <a:extLst>
+              <a:ext uri="{FF2B5EF4-FFF2-40B4-BE49-F238E27FC236}">
+                <a16:creationId xmlns:a16="http://schemas.microsoft.com/office/drawing/2014/main" id="{AEC7242C-DC34-43CF-AEC6-8D8CF124076C}"/>
+              </a:ext>
+            </a:extLst>
+          </p:cNvPr>
+          <p:cNvSpPr/>
+          <p:nvPr/>
+        </p:nvSpPr>
+        <p:spPr>
+          <a:xfrm>
+            <a:off x="5190813" y="2912408"/>
+            <a:ext cx="183009" cy="206168"/>
+          </a:xfrm>
+          <a:prstGeom prst="rect">
+            <a:avLst/>
+          </a:prstGeom>
+          <a:noFill/>
+          <a:ln w="38100">
+            <a:solidFill>
+              <a:srgbClr val="00B050"/>
+            </a:solidFill>
+          </a:ln>
+        </p:spPr>
+        <p:style>
+          <a:lnRef idx="2">
+            <a:schemeClr val="accent1">
+              <a:shade val="50000"/>
+            </a:schemeClr>
+          </a:lnRef>
+          <a:fillRef idx="1">
+            <a:schemeClr val="accent1"/>
+          </a:fillRef>
+          <a:effectRef idx="0">
+            <a:schemeClr val="accent1"/>
+          </a:effectRef>
+          <a:fontRef idx="minor">
+            <a:schemeClr val="lt1"/>
+          </a:fontRef>
+        </p:style>
+        <p:txBody>
+          <a:bodyPr rtlCol="0" anchor="ctr"/>
+          <a:lstStyle/>
+          <a:p>
+            <a:pPr algn="ctr"/>
+            <a:endParaRPr lang="fr-FR"/>
+          </a:p>
+        </p:txBody>
+      </p:sp>
     </p:spTree>
     <p:extLst>
       <p:ext uri="{BB962C8B-B14F-4D97-AF65-F5344CB8AC3E}">
-        <p14:creationId xmlns:p14="http://schemas.microsoft.com/office/powerpoint/2010/main" val="3873721182"/>
+        <p14:creationId xmlns:p14="http://schemas.microsoft.com/office/powerpoint/2010/main" val="3506515072"/>
       </p:ext>
     </p:extLst>
   </p:cSld>

--- a/04_CoMAX/04_Comax_Documentation.pptx
+++ b/04_CoMAX/04_Comax_Documentation.pptx
@@ -15,7 +15,9 @@
     <p:sldId id="262" r:id="rId9"/>
     <p:sldId id="263" r:id="rId10"/>
     <p:sldId id="265" r:id="rId11"/>
-    <p:sldId id="264" r:id="rId12"/>
+    <p:sldId id="267" r:id="rId12"/>
+    <p:sldId id="264" r:id="rId13"/>
+    <p:sldId id="268" r:id="rId14"/>
   </p:sldIdLst>
   <p:sldSz cx="12192000" cy="6858000"/>
   <p:notesSz cx="6858000" cy="9144000"/>
@@ -262,7 +264,7 @@
           <a:p>
             <a:fld id="{E2A59C7C-0414-41C0-B3E9-D515AFE7EFD4}" type="datetimeFigureOut">
               <a:rPr lang="fr-FR" smtClean="0"/>
-              <a:t>23/06/2025</a:t>
+              <a:t>30/06/2025</a:t>
             </a:fld>
             <a:endParaRPr lang="fr-FR"/>
           </a:p>
@@ -430,7 +432,7 @@
           <a:p>
             <a:fld id="{E2A59C7C-0414-41C0-B3E9-D515AFE7EFD4}" type="datetimeFigureOut">
               <a:rPr lang="fr-FR" smtClean="0"/>
-              <a:t>23/06/2025</a:t>
+              <a:t>30/06/2025</a:t>
             </a:fld>
             <a:endParaRPr lang="fr-FR"/>
           </a:p>
@@ -608,7 +610,7 @@
           <a:p>
             <a:fld id="{E2A59C7C-0414-41C0-B3E9-D515AFE7EFD4}" type="datetimeFigureOut">
               <a:rPr lang="fr-FR" smtClean="0"/>
-              <a:t>23/06/2025</a:t>
+              <a:t>30/06/2025</a:t>
             </a:fld>
             <a:endParaRPr lang="fr-FR"/>
           </a:p>
@@ -776,7 +778,7 @@
           <a:p>
             <a:fld id="{E2A59C7C-0414-41C0-B3E9-D515AFE7EFD4}" type="datetimeFigureOut">
               <a:rPr lang="fr-FR" smtClean="0"/>
-              <a:t>23/06/2025</a:t>
+              <a:t>30/06/2025</a:t>
             </a:fld>
             <a:endParaRPr lang="fr-FR"/>
           </a:p>
@@ -1021,7 +1023,7 @@
           <a:p>
             <a:fld id="{E2A59C7C-0414-41C0-B3E9-D515AFE7EFD4}" type="datetimeFigureOut">
               <a:rPr lang="fr-FR" smtClean="0"/>
-              <a:t>23/06/2025</a:t>
+              <a:t>30/06/2025</a:t>
             </a:fld>
             <a:endParaRPr lang="fr-FR"/>
           </a:p>
@@ -1250,7 +1252,7 @@
           <a:p>
             <a:fld id="{E2A59C7C-0414-41C0-B3E9-D515AFE7EFD4}" type="datetimeFigureOut">
               <a:rPr lang="fr-FR" smtClean="0"/>
-              <a:t>23/06/2025</a:t>
+              <a:t>30/06/2025</a:t>
             </a:fld>
             <a:endParaRPr lang="fr-FR"/>
           </a:p>
@@ -1614,7 +1616,7 @@
           <a:p>
             <a:fld id="{E2A59C7C-0414-41C0-B3E9-D515AFE7EFD4}" type="datetimeFigureOut">
               <a:rPr lang="fr-FR" smtClean="0"/>
-              <a:t>23/06/2025</a:t>
+              <a:t>30/06/2025</a:t>
             </a:fld>
             <a:endParaRPr lang="fr-FR"/>
           </a:p>
@@ -1731,7 +1733,7 @@
           <a:p>
             <a:fld id="{E2A59C7C-0414-41C0-B3E9-D515AFE7EFD4}" type="datetimeFigureOut">
               <a:rPr lang="fr-FR" smtClean="0"/>
-              <a:t>23/06/2025</a:t>
+              <a:t>30/06/2025</a:t>
             </a:fld>
             <a:endParaRPr lang="fr-FR"/>
           </a:p>
@@ -1826,7 +1828,7 @@
           <a:p>
             <a:fld id="{E2A59C7C-0414-41C0-B3E9-D515AFE7EFD4}" type="datetimeFigureOut">
               <a:rPr lang="fr-FR" smtClean="0"/>
-              <a:t>23/06/2025</a:t>
+              <a:t>30/06/2025</a:t>
             </a:fld>
             <a:endParaRPr lang="fr-FR"/>
           </a:p>
@@ -2101,7 +2103,7 @@
           <a:p>
             <a:fld id="{E2A59C7C-0414-41C0-B3E9-D515AFE7EFD4}" type="datetimeFigureOut">
               <a:rPr lang="fr-FR" smtClean="0"/>
-              <a:t>23/06/2025</a:t>
+              <a:t>30/06/2025</a:t>
             </a:fld>
             <a:endParaRPr lang="fr-FR"/>
           </a:p>
@@ -2353,7 +2355,7 @@
           <a:p>
             <a:fld id="{E2A59C7C-0414-41C0-B3E9-D515AFE7EFD4}" type="datetimeFigureOut">
               <a:rPr lang="fr-FR" smtClean="0"/>
-              <a:t>23/06/2025</a:t>
+              <a:t>30/06/2025</a:t>
             </a:fld>
             <a:endParaRPr lang="fr-FR"/>
           </a:p>
@@ -2564,7 +2566,7 @@
           <a:p>
             <a:fld id="{E2A59C7C-0414-41C0-B3E9-D515AFE7EFD4}" type="datetimeFigureOut">
               <a:rPr lang="fr-FR" smtClean="0"/>
-              <a:t>23/06/2025</a:t>
+              <a:t>30/06/2025</a:t>
             </a:fld>
             <a:endParaRPr lang="fr-FR"/>
           </a:p>
@@ -3740,6 +3742,723 @@
 <file path=ppt/slides/slide11.xml><?xml version="1.0" encoding="utf-8"?>
 <p:sld xmlns:a="http://schemas.openxmlformats.org/drawingml/2006/main" xmlns:r="http://schemas.openxmlformats.org/officeDocument/2006/relationships" xmlns:p="http://schemas.openxmlformats.org/presentationml/2006/main">
   <p:cSld>
+    <p:spTree>
+      <p:nvGrpSpPr>
+        <p:cNvPr id="1" name="">
+          <a:extLst>
+            <a:ext uri="{FF2B5EF4-FFF2-40B4-BE49-F238E27FC236}">
+              <a16:creationId xmlns:a16="http://schemas.microsoft.com/office/drawing/2014/main" id="{5ADFA05D-3590-51D9-C1F3-DA8C0E0F2E73}"/>
+            </a:ext>
+          </a:extLst>
+        </p:cNvPr>
+        <p:cNvGrpSpPr/>
+        <p:nvPr/>
+      </p:nvGrpSpPr>
+      <p:grpSpPr>
+        <a:xfrm>
+          <a:off x="0" y="0"/>
+          <a:ext cx="0" cy="0"/>
+          <a:chOff x="0" y="0"/>
+          <a:chExt cx="0" cy="0"/>
+        </a:xfrm>
+      </p:grpSpPr>
+      <p:pic>
+        <p:nvPicPr>
+          <p:cNvPr id="3" name="Image 2" descr="Une image contenant texte, capture d’écran, logiciel, affichage&#10;&#10;Le contenu généré par l’IA peut être incorrect.">
+            <a:extLst>
+              <a:ext uri="{FF2B5EF4-FFF2-40B4-BE49-F238E27FC236}">
+                <a16:creationId xmlns:a16="http://schemas.microsoft.com/office/drawing/2014/main" id="{B0ADF9C0-430E-DF0C-D8FC-8D5B6CC03803}"/>
+              </a:ext>
+            </a:extLst>
+          </p:cNvPr>
+          <p:cNvPicPr>
+            <a:picLocks noChangeAspect="1"/>
+          </p:cNvPicPr>
+          <p:nvPr/>
+        </p:nvPicPr>
+        <p:blipFill>
+          <a:blip r:embed="rId2">
+            <a:extLst>
+              <a:ext uri="{28A0092B-C50C-407E-A947-70E740481C1C}">
+                <a14:useLocalDpi xmlns:a14="http://schemas.microsoft.com/office/drawing/2010/main" val="0"/>
+              </a:ext>
+            </a:extLst>
+          </a:blip>
+          <a:stretch>
+            <a:fillRect/>
+          </a:stretch>
+        </p:blipFill>
+        <p:spPr>
+          <a:xfrm>
+            <a:off x="3253956" y="1253503"/>
+            <a:ext cx="5684088" cy="4350994"/>
+          </a:xfrm>
+          <a:prstGeom prst="rect">
+            <a:avLst/>
+          </a:prstGeom>
+        </p:spPr>
+      </p:pic>
+      <p:sp>
+        <p:nvSpPr>
+          <p:cNvPr id="5" name="Rectangle 4">
+            <a:extLst>
+              <a:ext uri="{FF2B5EF4-FFF2-40B4-BE49-F238E27FC236}">
+                <a16:creationId xmlns:a16="http://schemas.microsoft.com/office/drawing/2014/main" id="{4439F7AB-BDEF-4F75-B3A3-60746D0E03DB}"/>
+              </a:ext>
+            </a:extLst>
+          </p:cNvPr>
+          <p:cNvSpPr/>
+          <p:nvPr/>
+        </p:nvSpPr>
+        <p:spPr>
+          <a:xfrm>
+            <a:off x="7938641" y="1697202"/>
+            <a:ext cx="208409" cy="261783"/>
+          </a:xfrm>
+          <a:prstGeom prst="rect">
+            <a:avLst/>
+          </a:prstGeom>
+          <a:noFill/>
+          <a:ln w="38100">
+            <a:solidFill>
+              <a:srgbClr val="FF0000"/>
+            </a:solidFill>
+          </a:ln>
+        </p:spPr>
+        <p:style>
+          <a:lnRef idx="2">
+            <a:schemeClr val="accent1">
+              <a:shade val="50000"/>
+            </a:schemeClr>
+          </a:lnRef>
+          <a:fillRef idx="1">
+            <a:schemeClr val="accent1"/>
+          </a:fillRef>
+          <a:effectRef idx="0">
+            <a:schemeClr val="accent1"/>
+          </a:effectRef>
+          <a:fontRef idx="minor">
+            <a:schemeClr val="lt1"/>
+          </a:fontRef>
+        </p:style>
+        <p:txBody>
+          <a:bodyPr rtlCol="0" anchor="ctr"/>
+          <a:lstStyle/>
+          <a:p>
+            <a:pPr algn="ctr"/>
+            <a:endParaRPr lang="fr-FR"/>
+          </a:p>
+        </p:txBody>
+      </p:sp>
+      <p:sp>
+        <p:nvSpPr>
+          <p:cNvPr id="7" name="Rectangle 6">
+            <a:extLst>
+              <a:ext uri="{FF2B5EF4-FFF2-40B4-BE49-F238E27FC236}">
+                <a16:creationId xmlns:a16="http://schemas.microsoft.com/office/drawing/2014/main" id="{E1BFBC41-3498-E048-585D-B57C8B1A1C47}"/>
+              </a:ext>
+            </a:extLst>
+          </p:cNvPr>
+          <p:cNvSpPr/>
+          <p:nvPr/>
+        </p:nvSpPr>
+        <p:spPr>
+          <a:xfrm>
+            <a:off x="4321680" y="2705124"/>
+            <a:ext cx="3539620" cy="1670026"/>
+          </a:xfrm>
+          <a:prstGeom prst="rect">
+            <a:avLst/>
+          </a:prstGeom>
+          <a:noFill/>
+          <a:ln w="38100">
+            <a:solidFill>
+              <a:srgbClr val="FF0000"/>
+            </a:solidFill>
+          </a:ln>
+        </p:spPr>
+        <p:style>
+          <a:lnRef idx="2">
+            <a:schemeClr val="accent1">
+              <a:shade val="50000"/>
+            </a:schemeClr>
+          </a:lnRef>
+          <a:fillRef idx="1">
+            <a:schemeClr val="accent1"/>
+          </a:fillRef>
+          <a:effectRef idx="0">
+            <a:schemeClr val="accent1"/>
+          </a:effectRef>
+          <a:fontRef idx="minor">
+            <a:schemeClr val="lt1"/>
+          </a:fontRef>
+        </p:style>
+        <p:txBody>
+          <a:bodyPr rtlCol="0" anchor="ctr"/>
+          <a:lstStyle/>
+          <a:p>
+            <a:pPr algn="ctr"/>
+            <a:endParaRPr lang="fr-FR"/>
+          </a:p>
+        </p:txBody>
+      </p:sp>
+      <p:cxnSp>
+        <p:nvCxnSpPr>
+          <p:cNvPr id="12" name="Connecteur droit 11">
+            <a:extLst>
+              <a:ext uri="{FF2B5EF4-FFF2-40B4-BE49-F238E27FC236}">
+                <a16:creationId xmlns:a16="http://schemas.microsoft.com/office/drawing/2014/main" id="{BF936EB3-4993-80FD-BC25-62877605E1EA}"/>
+              </a:ext>
+            </a:extLst>
+          </p:cNvPr>
+          <p:cNvCxnSpPr>
+            <a:cxnSpLocks/>
+          </p:cNvCxnSpPr>
+          <p:nvPr/>
+        </p:nvCxnSpPr>
+        <p:spPr>
+          <a:xfrm flipH="1">
+            <a:off x="4300054" y="1697202"/>
+            <a:ext cx="3625328" cy="1030001"/>
+          </a:xfrm>
+          <a:prstGeom prst="line">
+            <a:avLst/>
+          </a:prstGeom>
+          <a:noFill/>
+          <a:ln w="38100">
+            <a:solidFill>
+              <a:srgbClr val="FF0000"/>
+            </a:solidFill>
+            <a:prstDash val="sysDash"/>
+          </a:ln>
+        </p:spPr>
+        <p:style>
+          <a:lnRef idx="2">
+            <a:schemeClr val="accent1">
+              <a:shade val="50000"/>
+            </a:schemeClr>
+          </a:lnRef>
+          <a:fillRef idx="1">
+            <a:schemeClr val="accent1"/>
+          </a:fillRef>
+          <a:effectRef idx="0">
+            <a:schemeClr val="accent1"/>
+          </a:effectRef>
+          <a:fontRef idx="minor">
+            <a:schemeClr val="lt1"/>
+          </a:fontRef>
+        </p:style>
+      </p:cxnSp>
+      <p:cxnSp>
+        <p:nvCxnSpPr>
+          <p:cNvPr id="16" name="Connecteur droit 15">
+            <a:extLst>
+              <a:ext uri="{FF2B5EF4-FFF2-40B4-BE49-F238E27FC236}">
+                <a16:creationId xmlns:a16="http://schemas.microsoft.com/office/drawing/2014/main" id="{E623D221-38F2-C303-A92B-59BB6C31FD4E}"/>
+              </a:ext>
+            </a:extLst>
+          </p:cNvPr>
+          <p:cNvCxnSpPr>
+            <a:cxnSpLocks/>
+          </p:cNvCxnSpPr>
+          <p:nvPr/>
+        </p:nvCxnSpPr>
+        <p:spPr>
+          <a:xfrm flipH="1">
+            <a:off x="7861300" y="1948037"/>
+            <a:ext cx="284297" cy="2427113"/>
+          </a:xfrm>
+          <a:prstGeom prst="line">
+            <a:avLst/>
+          </a:prstGeom>
+          <a:noFill/>
+          <a:ln w="38100">
+            <a:solidFill>
+              <a:srgbClr val="FF0000"/>
+            </a:solidFill>
+            <a:prstDash val="sysDash"/>
+          </a:ln>
+        </p:spPr>
+        <p:style>
+          <a:lnRef idx="2">
+            <a:schemeClr val="accent1">
+              <a:shade val="50000"/>
+            </a:schemeClr>
+          </a:lnRef>
+          <a:fillRef idx="1">
+            <a:schemeClr val="accent1"/>
+          </a:fillRef>
+          <a:effectRef idx="0">
+            <a:schemeClr val="accent1"/>
+          </a:effectRef>
+          <a:fontRef idx="minor">
+            <a:schemeClr val="lt1"/>
+          </a:fontRef>
+        </p:style>
+      </p:cxnSp>
+      <p:cxnSp>
+        <p:nvCxnSpPr>
+          <p:cNvPr id="19" name="Connecteur droit 18">
+            <a:extLst>
+              <a:ext uri="{FF2B5EF4-FFF2-40B4-BE49-F238E27FC236}">
+                <a16:creationId xmlns:a16="http://schemas.microsoft.com/office/drawing/2014/main" id="{0013095B-8400-158D-B28C-9AAC43C9E4AF}"/>
+              </a:ext>
+            </a:extLst>
+          </p:cNvPr>
+          <p:cNvCxnSpPr>
+            <a:cxnSpLocks/>
+          </p:cNvCxnSpPr>
+          <p:nvPr/>
+        </p:nvCxnSpPr>
+        <p:spPr>
+          <a:xfrm flipH="1">
+            <a:off x="6774595" y="1964771"/>
+            <a:ext cx="1150787" cy="784799"/>
+          </a:xfrm>
+          <a:prstGeom prst="line">
+            <a:avLst/>
+          </a:prstGeom>
+          <a:noFill/>
+          <a:ln w="38100">
+            <a:solidFill>
+              <a:srgbClr val="FF0000"/>
+            </a:solidFill>
+            <a:prstDash val="sysDash"/>
+          </a:ln>
+        </p:spPr>
+        <p:style>
+          <a:lnRef idx="2">
+            <a:schemeClr val="accent1">
+              <a:shade val="50000"/>
+            </a:schemeClr>
+          </a:lnRef>
+          <a:fillRef idx="1">
+            <a:schemeClr val="accent1"/>
+          </a:fillRef>
+          <a:effectRef idx="0">
+            <a:schemeClr val="accent1"/>
+          </a:effectRef>
+          <a:fontRef idx="minor">
+            <a:schemeClr val="lt1"/>
+          </a:fontRef>
+        </p:style>
+      </p:cxnSp>
+      <p:sp>
+        <p:nvSpPr>
+          <p:cNvPr id="22" name="Rectangle 21">
+            <a:extLst>
+              <a:ext uri="{FF2B5EF4-FFF2-40B4-BE49-F238E27FC236}">
+                <a16:creationId xmlns:a16="http://schemas.microsoft.com/office/drawing/2014/main" id="{A20482B3-5367-6C26-8DD4-6625A5F19724}"/>
+              </a:ext>
+            </a:extLst>
+          </p:cNvPr>
+          <p:cNvSpPr/>
+          <p:nvPr/>
+        </p:nvSpPr>
+        <p:spPr>
+          <a:xfrm>
+            <a:off x="5980936" y="2944158"/>
+            <a:ext cx="479591" cy="226744"/>
+          </a:xfrm>
+          <a:prstGeom prst="rect">
+            <a:avLst/>
+          </a:prstGeom>
+          <a:noFill/>
+          <a:ln w="38100">
+            <a:solidFill>
+              <a:srgbClr val="FF0000"/>
+            </a:solidFill>
+          </a:ln>
+        </p:spPr>
+        <p:style>
+          <a:lnRef idx="2">
+            <a:schemeClr val="accent1">
+              <a:shade val="50000"/>
+            </a:schemeClr>
+          </a:lnRef>
+          <a:fillRef idx="1">
+            <a:schemeClr val="accent1"/>
+          </a:fillRef>
+          <a:effectRef idx="0">
+            <a:schemeClr val="accent1"/>
+          </a:effectRef>
+          <a:fontRef idx="minor">
+            <a:schemeClr val="lt1"/>
+          </a:fontRef>
+        </p:style>
+        <p:txBody>
+          <a:bodyPr rtlCol="0" anchor="ctr"/>
+          <a:lstStyle/>
+          <a:p>
+            <a:pPr algn="ctr"/>
+            <a:endParaRPr lang="fr-FR"/>
+          </a:p>
+        </p:txBody>
+      </p:sp>
+      <p:sp>
+        <p:nvSpPr>
+          <p:cNvPr id="25" name="Rectangle 24">
+            <a:extLst>
+              <a:ext uri="{FF2B5EF4-FFF2-40B4-BE49-F238E27FC236}">
+                <a16:creationId xmlns:a16="http://schemas.microsoft.com/office/drawing/2014/main" id="{AB8F07A1-DDF5-1861-0B4F-C73BD7C5983B}"/>
+              </a:ext>
+            </a:extLst>
+          </p:cNvPr>
+          <p:cNvSpPr/>
+          <p:nvPr/>
+        </p:nvSpPr>
+        <p:spPr>
+          <a:xfrm>
+            <a:off x="5175030" y="2222935"/>
+            <a:ext cx="183009" cy="190329"/>
+          </a:xfrm>
+          <a:prstGeom prst="rect">
+            <a:avLst/>
+          </a:prstGeom>
+          <a:noFill/>
+          <a:ln w="38100">
+            <a:solidFill>
+              <a:srgbClr val="7030A0"/>
+            </a:solidFill>
+          </a:ln>
+        </p:spPr>
+        <p:style>
+          <a:lnRef idx="2">
+            <a:schemeClr val="accent1">
+              <a:shade val="50000"/>
+            </a:schemeClr>
+          </a:lnRef>
+          <a:fillRef idx="1">
+            <a:schemeClr val="accent1"/>
+          </a:fillRef>
+          <a:effectRef idx="0">
+            <a:schemeClr val="accent1"/>
+          </a:effectRef>
+          <a:fontRef idx="minor">
+            <a:schemeClr val="lt1"/>
+          </a:fontRef>
+        </p:style>
+        <p:txBody>
+          <a:bodyPr rtlCol="0" anchor="ctr"/>
+          <a:lstStyle/>
+          <a:p>
+            <a:pPr algn="ctr"/>
+            <a:endParaRPr lang="fr-FR"/>
+          </a:p>
+        </p:txBody>
+      </p:sp>
+      <p:sp>
+        <p:nvSpPr>
+          <p:cNvPr id="26" name="Ellipse 25">
+            <a:extLst>
+              <a:ext uri="{FF2B5EF4-FFF2-40B4-BE49-F238E27FC236}">
+                <a16:creationId xmlns:a16="http://schemas.microsoft.com/office/drawing/2014/main" id="{408A6FAB-7563-C556-4B47-15BBB563D111}"/>
+              </a:ext>
+            </a:extLst>
+          </p:cNvPr>
+          <p:cNvSpPr/>
+          <p:nvPr/>
+        </p:nvSpPr>
+        <p:spPr>
+          <a:xfrm>
+            <a:off x="7861300" y="1276150"/>
+            <a:ext cx="321734" cy="321734"/>
+          </a:xfrm>
+          <a:prstGeom prst="ellipse">
+            <a:avLst/>
+          </a:prstGeom>
+          <a:solidFill>
+            <a:schemeClr val="bg1"/>
+          </a:solidFill>
+          <a:ln w="28575">
+            <a:solidFill>
+              <a:srgbClr val="FF0000"/>
+            </a:solidFill>
+          </a:ln>
+        </p:spPr>
+        <p:style>
+          <a:lnRef idx="2">
+            <a:schemeClr val="accent1">
+              <a:shade val="50000"/>
+            </a:schemeClr>
+          </a:lnRef>
+          <a:fillRef idx="1">
+            <a:schemeClr val="accent1"/>
+          </a:fillRef>
+          <a:effectRef idx="0">
+            <a:schemeClr val="accent1"/>
+          </a:effectRef>
+          <a:fontRef idx="minor">
+            <a:schemeClr val="lt1"/>
+          </a:fontRef>
+        </p:style>
+        <p:txBody>
+          <a:bodyPr rtlCol="0" anchor="ctr"/>
+          <a:lstStyle/>
+          <a:p>
+            <a:pPr algn="ctr"/>
+            <a:r>
+              <a:rPr lang="fr-FR" b="1" dirty="0">
+                <a:solidFill>
+                  <a:srgbClr val="FF0000"/>
+                </a:solidFill>
+              </a:rPr>
+              <a:t>1</a:t>
+            </a:r>
+          </a:p>
+        </p:txBody>
+      </p:sp>
+      <p:sp>
+        <p:nvSpPr>
+          <p:cNvPr id="27" name="Ellipse 26">
+            <a:extLst>
+              <a:ext uri="{FF2B5EF4-FFF2-40B4-BE49-F238E27FC236}">
+                <a16:creationId xmlns:a16="http://schemas.microsoft.com/office/drawing/2014/main" id="{CCA26060-A3E0-A356-834F-FB5E181AD515}"/>
+              </a:ext>
+            </a:extLst>
+          </p:cNvPr>
+          <p:cNvSpPr/>
+          <p:nvPr/>
+        </p:nvSpPr>
+        <p:spPr>
+          <a:xfrm>
+            <a:off x="7543332" y="2622424"/>
+            <a:ext cx="321734" cy="321734"/>
+          </a:xfrm>
+          <a:prstGeom prst="ellipse">
+            <a:avLst/>
+          </a:prstGeom>
+          <a:solidFill>
+            <a:schemeClr val="bg1"/>
+          </a:solidFill>
+          <a:ln w="28575">
+            <a:solidFill>
+              <a:srgbClr val="FF0000"/>
+            </a:solidFill>
+          </a:ln>
+        </p:spPr>
+        <p:style>
+          <a:lnRef idx="2">
+            <a:schemeClr val="accent1">
+              <a:shade val="50000"/>
+            </a:schemeClr>
+          </a:lnRef>
+          <a:fillRef idx="1">
+            <a:schemeClr val="accent1"/>
+          </a:fillRef>
+          <a:effectRef idx="0">
+            <a:schemeClr val="accent1"/>
+          </a:effectRef>
+          <a:fontRef idx="minor">
+            <a:schemeClr val="lt1"/>
+          </a:fontRef>
+        </p:style>
+        <p:txBody>
+          <a:bodyPr rtlCol="0" anchor="ctr"/>
+          <a:lstStyle/>
+          <a:p>
+            <a:pPr algn="ctr"/>
+            <a:r>
+              <a:rPr lang="fr-FR" b="1" dirty="0">
+                <a:solidFill>
+                  <a:srgbClr val="FF0000"/>
+                </a:solidFill>
+              </a:rPr>
+              <a:t>3</a:t>
+            </a:r>
+          </a:p>
+        </p:txBody>
+      </p:sp>
+      <p:sp>
+        <p:nvSpPr>
+          <p:cNvPr id="29" name="Ellipse 28">
+            <a:extLst>
+              <a:ext uri="{FF2B5EF4-FFF2-40B4-BE49-F238E27FC236}">
+                <a16:creationId xmlns:a16="http://schemas.microsoft.com/office/drawing/2014/main" id="{C1A23F67-E16B-4ED5-6891-3A4BB747BCC8}"/>
+              </a:ext>
+            </a:extLst>
+          </p:cNvPr>
+          <p:cNvSpPr/>
+          <p:nvPr/>
+        </p:nvSpPr>
+        <p:spPr>
+          <a:xfrm>
+            <a:off x="6102561" y="2590674"/>
+            <a:ext cx="321734" cy="321734"/>
+          </a:xfrm>
+          <a:prstGeom prst="ellipse">
+            <a:avLst/>
+          </a:prstGeom>
+          <a:solidFill>
+            <a:schemeClr val="bg1"/>
+          </a:solidFill>
+          <a:ln w="28575">
+            <a:solidFill>
+              <a:srgbClr val="FF0000"/>
+            </a:solidFill>
+          </a:ln>
+        </p:spPr>
+        <p:style>
+          <a:lnRef idx="2">
+            <a:schemeClr val="accent1">
+              <a:shade val="50000"/>
+            </a:schemeClr>
+          </a:lnRef>
+          <a:fillRef idx="1">
+            <a:schemeClr val="accent1"/>
+          </a:fillRef>
+          <a:effectRef idx="0">
+            <a:schemeClr val="accent1"/>
+          </a:effectRef>
+          <a:fontRef idx="minor">
+            <a:schemeClr val="lt1"/>
+          </a:fontRef>
+        </p:style>
+        <p:txBody>
+          <a:bodyPr rtlCol="0" anchor="ctr"/>
+          <a:lstStyle/>
+          <a:p>
+            <a:pPr algn="ctr"/>
+            <a:r>
+              <a:rPr lang="fr-FR" b="1" dirty="0">
+                <a:solidFill>
+                  <a:srgbClr val="FF0000"/>
+                </a:solidFill>
+              </a:rPr>
+              <a:t>2</a:t>
+            </a:r>
+          </a:p>
+        </p:txBody>
+      </p:sp>
+      <p:sp>
+        <p:nvSpPr>
+          <p:cNvPr id="13" name="Rectangle 12">
+            <a:extLst>
+              <a:ext uri="{FF2B5EF4-FFF2-40B4-BE49-F238E27FC236}">
+                <a16:creationId xmlns:a16="http://schemas.microsoft.com/office/drawing/2014/main" id="{C5D61887-62E7-831D-72D3-372AE4DCFB8D}"/>
+              </a:ext>
+            </a:extLst>
+          </p:cNvPr>
+          <p:cNvSpPr/>
+          <p:nvPr/>
+        </p:nvSpPr>
+        <p:spPr>
+          <a:xfrm>
+            <a:off x="7563254" y="2994772"/>
+            <a:ext cx="296593" cy="210010"/>
+          </a:xfrm>
+          <a:prstGeom prst="rect">
+            <a:avLst/>
+          </a:prstGeom>
+          <a:noFill/>
+          <a:ln w="38100">
+            <a:solidFill>
+              <a:srgbClr val="FF0000"/>
+            </a:solidFill>
+          </a:ln>
+        </p:spPr>
+        <p:style>
+          <a:lnRef idx="2">
+            <a:schemeClr val="accent1">
+              <a:shade val="50000"/>
+            </a:schemeClr>
+          </a:lnRef>
+          <a:fillRef idx="1">
+            <a:schemeClr val="accent1"/>
+          </a:fillRef>
+          <a:effectRef idx="0">
+            <a:schemeClr val="accent1"/>
+          </a:effectRef>
+          <a:fontRef idx="minor">
+            <a:schemeClr val="lt1"/>
+          </a:fontRef>
+        </p:style>
+        <p:txBody>
+          <a:bodyPr rtlCol="0" anchor="ctr"/>
+          <a:lstStyle/>
+          <a:p>
+            <a:pPr algn="ctr"/>
+            <a:endParaRPr lang="fr-FR"/>
+          </a:p>
+        </p:txBody>
+      </p:sp>
+      <p:sp>
+        <p:nvSpPr>
+          <p:cNvPr id="14" name="Ellipse 13">
+            <a:extLst>
+              <a:ext uri="{FF2B5EF4-FFF2-40B4-BE49-F238E27FC236}">
+                <a16:creationId xmlns:a16="http://schemas.microsoft.com/office/drawing/2014/main" id="{6B1300D8-1CF4-AD4F-E5BA-4D39D07E1E7A}"/>
+              </a:ext>
+            </a:extLst>
+          </p:cNvPr>
+          <p:cNvSpPr/>
+          <p:nvPr/>
+        </p:nvSpPr>
+        <p:spPr>
+          <a:xfrm>
+            <a:off x="7241520" y="4062946"/>
+            <a:ext cx="321734" cy="321734"/>
+          </a:xfrm>
+          <a:prstGeom prst="ellipse">
+            <a:avLst/>
+          </a:prstGeom>
+          <a:solidFill>
+            <a:schemeClr val="bg1"/>
+          </a:solidFill>
+          <a:ln w="28575">
+            <a:solidFill>
+              <a:srgbClr val="FF0000"/>
+            </a:solidFill>
+          </a:ln>
+        </p:spPr>
+        <p:style>
+          <a:lnRef idx="2">
+            <a:schemeClr val="accent1">
+              <a:shade val="50000"/>
+            </a:schemeClr>
+          </a:lnRef>
+          <a:fillRef idx="1">
+            <a:schemeClr val="accent1"/>
+          </a:fillRef>
+          <a:effectRef idx="0">
+            <a:schemeClr val="accent1"/>
+          </a:effectRef>
+          <a:fontRef idx="minor">
+            <a:schemeClr val="lt1"/>
+          </a:fontRef>
+        </p:style>
+        <p:txBody>
+          <a:bodyPr rtlCol="0" anchor="ctr"/>
+          <a:lstStyle/>
+          <a:p>
+            <a:pPr algn="ctr"/>
+            <a:r>
+              <a:rPr lang="fr-FR" b="1" dirty="0">
+                <a:solidFill>
+                  <a:srgbClr val="FF0000"/>
+                </a:solidFill>
+              </a:rPr>
+              <a:t>4</a:t>
+            </a:r>
+          </a:p>
+        </p:txBody>
+      </p:sp>
+    </p:spTree>
+    <p:extLst>
+      <p:ext uri="{BB962C8B-B14F-4D97-AF65-F5344CB8AC3E}">
+        <p14:creationId xmlns:p14="http://schemas.microsoft.com/office/powerpoint/2010/main" val="1636630722"/>
+      </p:ext>
+    </p:extLst>
+  </p:cSld>
+  <p:clrMapOvr>
+    <a:masterClrMapping/>
+  </p:clrMapOvr>
+</p:sld>
+</file>
+
+<file path=ppt/slides/slide12.xml><?xml version="1.0" encoding="utf-8"?>
+<p:sld xmlns:a="http://schemas.openxmlformats.org/drawingml/2006/main" xmlns:r="http://schemas.openxmlformats.org/officeDocument/2006/relationships" xmlns:p="http://schemas.openxmlformats.org/presentationml/2006/main">
+  <p:cSld>
     <p:bg>
       <p:bgPr>
         <a:solidFill>
@@ -4094,6 +4813,836 @@
     <p:extLst>
       <p:ext uri="{BB962C8B-B14F-4D97-AF65-F5344CB8AC3E}">
         <p14:creationId xmlns:p14="http://schemas.microsoft.com/office/powerpoint/2010/main" val="3873721182"/>
+      </p:ext>
+    </p:extLst>
+  </p:cSld>
+  <p:clrMapOvr>
+    <a:masterClrMapping/>
+  </p:clrMapOvr>
+</p:sld>
+</file>
+
+<file path=ppt/slides/slide13.xml><?xml version="1.0" encoding="utf-8"?>
+<p:sld xmlns:a="http://schemas.openxmlformats.org/drawingml/2006/main" xmlns:r="http://schemas.openxmlformats.org/officeDocument/2006/relationships" xmlns:p="http://schemas.openxmlformats.org/presentationml/2006/main">
+  <p:cSld>
+    <p:spTree>
+      <p:nvGrpSpPr>
+        <p:cNvPr id="1" name=""/>
+        <p:cNvGrpSpPr/>
+        <p:nvPr/>
+      </p:nvGrpSpPr>
+      <p:grpSpPr>
+        <a:xfrm>
+          <a:off x="0" y="0"/>
+          <a:ext cx="0" cy="0"/>
+          <a:chOff x="0" y="0"/>
+          <a:chExt cx="0" cy="0"/>
+        </a:xfrm>
+      </p:grpSpPr>
+      <p:pic>
+        <p:nvPicPr>
+          <p:cNvPr id="4" name="Image 3" descr="Une image contenant texte, capture d’écran, logiciel, affichage&#10;&#10;Le contenu généré par l’IA peut être incorrect.">
+            <a:extLst>
+              <a:ext uri="{FF2B5EF4-FFF2-40B4-BE49-F238E27FC236}">
+                <a16:creationId xmlns:a16="http://schemas.microsoft.com/office/drawing/2014/main" id="{D5A41EB7-1841-E162-B1B1-7A5D6C97CEB0}"/>
+              </a:ext>
+            </a:extLst>
+          </p:cNvPr>
+          <p:cNvPicPr>
+            <a:picLocks noChangeAspect="1"/>
+          </p:cNvPicPr>
+          <p:nvPr/>
+        </p:nvPicPr>
+        <p:blipFill>
+          <a:blip r:embed="rId2" cstate="print">
+            <a:extLst>
+              <a:ext uri="{28A0092B-C50C-407E-A947-70E740481C1C}">
+                <a14:useLocalDpi xmlns:a14="http://schemas.microsoft.com/office/drawing/2010/main" val="0"/>
+              </a:ext>
+            </a:extLst>
+          </a:blip>
+          <a:stretch>
+            <a:fillRect/>
+          </a:stretch>
+        </p:blipFill>
+        <p:spPr>
+          <a:xfrm>
+            <a:off x="2033884" y="1737361"/>
+            <a:ext cx="4879480" cy="3757198"/>
+          </a:xfrm>
+          <a:prstGeom prst="rect">
+            <a:avLst/>
+          </a:prstGeom>
+        </p:spPr>
+      </p:pic>
+      <p:pic>
+        <p:nvPicPr>
+          <p:cNvPr id="6" name="Image 5" descr="Une image contenant texte, capture d’écran, logiciel, affichage&#10;&#10;Le contenu généré par l’IA peut être incorrect.">
+            <a:extLst>
+              <a:ext uri="{FF2B5EF4-FFF2-40B4-BE49-F238E27FC236}">
+                <a16:creationId xmlns:a16="http://schemas.microsoft.com/office/drawing/2014/main" id="{F183A703-AEFE-7202-B0BE-6D5142592D9E}"/>
+              </a:ext>
+            </a:extLst>
+          </p:cNvPr>
+          <p:cNvPicPr>
+            <a:picLocks noChangeAspect="1"/>
+          </p:cNvPicPr>
+          <p:nvPr/>
+        </p:nvPicPr>
+        <p:blipFill>
+          <a:blip r:embed="rId3">
+            <a:extLst>
+              <a:ext uri="{28A0092B-C50C-407E-A947-70E740481C1C}">
+                <a14:useLocalDpi xmlns:a14="http://schemas.microsoft.com/office/drawing/2010/main" val="0"/>
+              </a:ext>
+            </a:extLst>
+          </a:blip>
+          <a:srcRect l="18965" t="33187" r="19099" b="28459"/>
+          <a:stretch>
+            <a:fillRect/>
+          </a:stretch>
+        </p:blipFill>
+        <p:spPr>
+          <a:xfrm>
+            <a:off x="2476336" y="3086945"/>
+            <a:ext cx="3918745" cy="1857588"/>
+          </a:xfrm>
+          <a:prstGeom prst="rect">
+            <a:avLst/>
+          </a:prstGeom>
+        </p:spPr>
+      </p:pic>
+      <p:sp>
+        <p:nvSpPr>
+          <p:cNvPr id="7" name="Rectangle 6">
+            <a:extLst>
+              <a:ext uri="{FF2B5EF4-FFF2-40B4-BE49-F238E27FC236}">
+                <a16:creationId xmlns:a16="http://schemas.microsoft.com/office/drawing/2014/main" id="{7A1CAB0F-BFF8-55E4-146B-051FEE8F1413}"/>
+              </a:ext>
+            </a:extLst>
+          </p:cNvPr>
+          <p:cNvSpPr/>
+          <p:nvPr/>
+        </p:nvSpPr>
+        <p:spPr>
+          <a:xfrm>
+            <a:off x="5627084" y="1886892"/>
+            <a:ext cx="252000" cy="252000"/>
+          </a:xfrm>
+          <a:prstGeom prst="rect">
+            <a:avLst/>
+          </a:prstGeom>
+          <a:noFill/>
+          <a:ln w="38100">
+            <a:solidFill>
+              <a:srgbClr val="FF0000"/>
+            </a:solidFill>
+          </a:ln>
+        </p:spPr>
+        <p:style>
+          <a:lnRef idx="2">
+            <a:schemeClr val="accent1">
+              <a:shade val="50000"/>
+            </a:schemeClr>
+          </a:lnRef>
+          <a:fillRef idx="1">
+            <a:schemeClr val="accent1"/>
+          </a:fillRef>
+          <a:effectRef idx="0">
+            <a:schemeClr val="accent1"/>
+          </a:effectRef>
+          <a:fontRef idx="minor">
+            <a:schemeClr val="lt1"/>
+          </a:fontRef>
+        </p:style>
+        <p:txBody>
+          <a:bodyPr rtlCol="0" anchor="ctr"/>
+          <a:lstStyle/>
+          <a:p>
+            <a:pPr algn="ctr"/>
+            <a:endParaRPr lang="fr-FR"/>
+          </a:p>
+        </p:txBody>
+      </p:sp>
+      <p:sp>
+        <p:nvSpPr>
+          <p:cNvPr id="8" name="Rectangle 7">
+            <a:extLst>
+              <a:ext uri="{FF2B5EF4-FFF2-40B4-BE49-F238E27FC236}">
+                <a16:creationId xmlns:a16="http://schemas.microsoft.com/office/drawing/2014/main" id="{7CF8DA49-E8B9-981C-9CE1-039C0AFC0283}"/>
+              </a:ext>
+            </a:extLst>
+          </p:cNvPr>
+          <p:cNvSpPr/>
+          <p:nvPr/>
+        </p:nvSpPr>
+        <p:spPr>
+          <a:xfrm>
+            <a:off x="2465030" y="3073200"/>
+            <a:ext cx="3918745" cy="1843035"/>
+          </a:xfrm>
+          <a:prstGeom prst="rect">
+            <a:avLst/>
+          </a:prstGeom>
+          <a:noFill/>
+          <a:ln w="38100">
+            <a:solidFill>
+              <a:srgbClr val="FF0000"/>
+            </a:solidFill>
+          </a:ln>
+        </p:spPr>
+        <p:style>
+          <a:lnRef idx="2">
+            <a:schemeClr val="accent1">
+              <a:shade val="50000"/>
+            </a:schemeClr>
+          </a:lnRef>
+          <a:fillRef idx="1">
+            <a:schemeClr val="accent1"/>
+          </a:fillRef>
+          <a:effectRef idx="0">
+            <a:schemeClr val="accent1"/>
+          </a:effectRef>
+          <a:fontRef idx="minor">
+            <a:schemeClr val="lt1"/>
+          </a:fontRef>
+        </p:style>
+        <p:txBody>
+          <a:bodyPr rtlCol="0" anchor="ctr"/>
+          <a:lstStyle/>
+          <a:p>
+            <a:pPr algn="ctr"/>
+            <a:endParaRPr lang="fr-FR"/>
+          </a:p>
+        </p:txBody>
+      </p:sp>
+      <p:cxnSp>
+        <p:nvCxnSpPr>
+          <p:cNvPr id="9" name="Connecteur droit 8">
+            <a:extLst>
+              <a:ext uri="{FF2B5EF4-FFF2-40B4-BE49-F238E27FC236}">
+                <a16:creationId xmlns:a16="http://schemas.microsoft.com/office/drawing/2014/main" id="{8E09A488-02F2-295C-3EE3-588CD997DACC}"/>
+              </a:ext>
+            </a:extLst>
+          </p:cNvPr>
+          <p:cNvCxnSpPr>
+            <a:cxnSpLocks/>
+          </p:cNvCxnSpPr>
+          <p:nvPr/>
+        </p:nvCxnSpPr>
+        <p:spPr>
+          <a:xfrm flipH="1">
+            <a:off x="2476336" y="1877362"/>
+            <a:ext cx="3150748" cy="1209583"/>
+          </a:xfrm>
+          <a:prstGeom prst="line">
+            <a:avLst/>
+          </a:prstGeom>
+          <a:noFill/>
+          <a:ln w="38100">
+            <a:solidFill>
+              <a:srgbClr val="FF0000"/>
+            </a:solidFill>
+            <a:prstDash val="sysDash"/>
+          </a:ln>
+        </p:spPr>
+        <p:style>
+          <a:lnRef idx="2">
+            <a:schemeClr val="accent1">
+              <a:shade val="50000"/>
+            </a:schemeClr>
+          </a:lnRef>
+          <a:fillRef idx="1">
+            <a:schemeClr val="accent1"/>
+          </a:fillRef>
+          <a:effectRef idx="0">
+            <a:schemeClr val="accent1"/>
+          </a:effectRef>
+          <a:fontRef idx="minor">
+            <a:schemeClr val="lt1"/>
+          </a:fontRef>
+        </p:style>
+      </p:cxnSp>
+      <p:cxnSp>
+        <p:nvCxnSpPr>
+          <p:cNvPr id="10" name="Connecteur droit 9">
+            <a:extLst>
+              <a:ext uri="{FF2B5EF4-FFF2-40B4-BE49-F238E27FC236}">
+                <a16:creationId xmlns:a16="http://schemas.microsoft.com/office/drawing/2014/main" id="{438B227E-168E-7643-F760-174D1BF7F3A6}"/>
+              </a:ext>
+            </a:extLst>
+          </p:cNvPr>
+          <p:cNvCxnSpPr>
+            <a:cxnSpLocks/>
+          </p:cNvCxnSpPr>
+          <p:nvPr/>
+        </p:nvCxnSpPr>
+        <p:spPr>
+          <a:xfrm>
+            <a:off x="5879084" y="1894358"/>
+            <a:ext cx="504691" cy="1192587"/>
+          </a:xfrm>
+          <a:prstGeom prst="line">
+            <a:avLst/>
+          </a:prstGeom>
+          <a:noFill/>
+          <a:ln w="38100">
+            <a:solidFill>
+              <a:srgbClr val="FF0000"/>
+            </a:solidFill>
+            <a:prstDash val="sysDash"/>
+          </a:ln>
+        </p:spPr>
+        <p:style>
+          <a:lnRef idx="2">
+            <a:schemeClr val="accent1">
+              <a:shade val="50000"/>
+            </a:schemeClr>
+          </a:lnRef>
+          <a:fillRef idx="1">
+            <a:schemeClr val="accent1"/>
+          </a:fillRef>
+          <a:effectRef idx="0">
+            <a:schemeClr val="accent1"/>
+          </a:effectRef>
+          <a:fontRef idx="minor">
+            <a:schemeClr val="lt1"/>
+          </a:fontRef>
+        </p:style>
+      </p:cxnSp>
+      <p:cxnSp>
+        <p:nvCxnSpPr>
+          <p:cNvPr id="11" name="Connecteur droit 10">
+            <a:extLst>
+              <a:ext uri="{FF2B5EF4-FFF2-40B4-BE49-F238E27FC236}">
+                <a16:creationId xmlns:a16="http://schemas.microsoft.com/office/drawing/2014/main" id="{BABEB454-2520-89BA-E565-B89C5B51483C}"/>
+              </a:ext>
+            </a:extLst>
+          </p:cNvPr>
+          <p:cNvCxnSpPr>
+            <a:cxnSpLocks/>
+          </p:cNvCxnSpPr>
+          <p:nvPr/>
+        </p:nvCxnSpPr>
+        <p:spPr>
+          <a:xfrm flipH="1">
+            <a:off x="4478196" y="2138892"/>
+            <a:ext cx="1157355" cy="926243"/>
+          </a:xfrm>
+          <a:prstGeom prst="line">
+            <a:avLst/>
+          </a:prstGeom>
+          <a:noFill/>
+          <a:ln w="38100">
+            <a:solidFill>
+              <a:srgbClr val="FF0000"/>
+            </a:solidFill>
+            <a:prstDash val="sysDash"/>
+          </a:ln>
+        </p:spPr>
+        <p:style>
+          <a:lnRef idx="2">
+            <a:schemeClr val="accent1">
+              <a:shade val="50000"/>
+            </a:schemeClr>
+          </a:lnRef>
+          <a:fillRef idx="1">
+            <a:schemeClr val="accent1"/>
+          </a:fillRef>
+          <a:effectRef idx="0">
+            <a:schemeClr val="accent1"/>
+          </a:effectRef>
+          <a:fontRef idx="minor">
+            <a:schemeClr val="lt1"/>
+          </a:fontRef>
+        </p:style>
+      </p:cxnSp>
+      <p:sp>
+        <p:nvSpPr>
+          <p:cNvPr id="12" name="Rectangle 11">
+            <a:extLst>
+              <a:ext uri="{FF2B5EF4-FFF2-40B4-BE49-F238E27FC236}">
+                <a16:creationId xmlns:a16="http://schemas.microsoft.com/office/drawing/2014/main" id="{99E4F356-4B33-E205-A131-9F4DC65BC4B9}"/>
+              </a:ext>
+            </a:extLst>
+          </p:cNvPr>
+          <p:cNvSpPr/>
+          <p:nvPr/>
+        </p:nvSpPr>
+        <p:spPr>
+          <a:xfrm>
+            <a:off x="4355979" y="3363184"/>
+            <a:ext cx="479591" cy="226744"/>
+          </a:xfrm>
+          <a:prstGeom prst="rect">
+            <a:avLst/>
+          </a:prstGeom>
+          <a:noFill/>
+          <a:ln w="38100">
+            <a:solidFill>
+              <a:srgbClr val="FF0000"/>
+            </a:solidFill>
+          </a:ln>
+        </p:spPr>
+        <p:style>
+          <a:lnRef idx="2">
+            <a:schemeClr val="accent1">
+              <a:shade val="50000"/>
+            </a:schemeClr>
+          </a:lnRef>
+          <a:fillRef idx="1">
+            <a:schemeClr val="accent1"/>
+          </a:fillRef>
+          <a:effectRef idx="0">
+            <a:schemeClr val="accent1"/>
+          </a:effectRef>
+          <a:fontRef idx="minor">
+            <a:schemeClr val="lt1"/>
+          </a:fontRef>
+        </p:style>
+        <p:txBody>
+          <a:bodyPr rtlCol="0" anchor="ctr"/>
+          <a:lstStyle/>
+          <a:p>
+            <a:pPr algn="ctr"/>
+            <a:endParaRPr lang="fr-FR"/>
+          </a:p>
+        </p:txBody>
+      </p:sp>
+      <p:sp>
+        <p:nvSpPr>
+          <p:cNvPr id="13" name="Rectangle 12">
+            <a:extLst>
+              <a:ext uri="{FF2B5EF4-FFF2-40B4-BE49-F238E27FC236}">
+                <a16:creationId xmlns:a16="http://schemas.microsoft.com/office/drawing/2014/main" id="{86989644-166B-1B7A-D7BF-D3AEEE47DD6A}"/>
+              </a:ext>
+            </a:extLst>
+          </p:cNvPr>
+          <p:cNvSpPr/>
+          <p:nvPr/>
+        </p:nvSpPr>
+        <p:spPr>
+          <a:xfrm>
+            <a:off x="3267581" y="2650279"/>
+            <a:ext cx="183009" cy="190329"/>
+          </a:xfrm>
+          <a:prstGeom prst="rect">
+            <a:avLst/>
+          </a:prstGeom>
+          <a:noFill/>
+          <a:ln w="38100">
+            <a:solidFill>
+              <a:srgbClr val="7030A0"/>
+            </a:solidFill>
+          </a:ln>
+        </p:spPr>
+        <p:style>
+          <a:lnRef idx="2">
+            <a:schemeClr val="accent1">
+              <a:shade val="50000"/>
+            </a:schemeClr>
+          </a:lnRef>
+          <a:fillRef idx="1">
+            <a:schemeClr val="accent1"/>
+          </a:fillRef>
+          <a:effectRef idx="0">
+            <a:schemeClr val="accent1"/>
+          </a:effectRef>
+          <a:fontRef idx="minor">
+            <a:schemeClr val="lt1"/>
+          </a:fontRef>
+        </p:style>
+        <p:txBody>
+          <a:bodyPr rtlCol="0" anchor="ctr"/>
+          <a:lstStyle/>
+          <a:p>
+            <a:pPr algn="ctr"/>
+            <a:endParaRPr lang="fr-FR"/>
+          </a:p>
+        </p:txBody>
+      </p:sp>
+      <p:sp>
+        <p:nvSpPr>
+          <p:cNvPr id="14" name="Ellipse 13">
+            <a:extLst>
+              <a:ext uri="{FF2B5EF4-FFF2-40B4-BE49-F238E27FC236}">
+                <a16:creationId xmlns:a16="http://schemas.microsoft.com/office/drawing/2014/main" id="{115AC98F-B6AD-D6C7-DED9-EBFCA1D7F46A}"/>
+              </a:ext>
+            </a:extLst>
+          </p:cNvPr>
+          <p:cNvSpPr/>
+          <p:nvPr/>
+        </p:nvSpPr>
+        <p:spPr>
+          <a:xfrm>
+            <a:off x="5983011" y="1817158"/>
+            <a:ext cx="321734" cy="321734"/>
+          </a:xfrm>
+          <a:prstGeom prst="ellipse">
+            <a:avLst/>
+          </a:prstGeom>
+          <a:solidFill>
+            <a:schemeClr val="bg1"/>
+          </a:solidFill>
+          <a:ln w="28575">
+            <a:solidFill>
+              <a:srgbClr val="FF0000"/>
+            </a:solidFill>
+          </a:ln>
+        </p:spPr>
+        <p:style>
+          <a:lnRef idx="2">
+            <a:schemeClr val="accent1">
+              <a:shade val="50000"/>
+            </a:schemeClr>
+          </a:lnRef>
+          <a:fillRef idx="1">
+            <a:schemeClr val="accent1"/>
+          </a:fillRef>
+          <a:effectRef idx="0">
+            <a:schemeClr val="accent1"/>
+          </a:effectRef>
+          <a:fontRef idx="minor">
+            <a:schemeClr val="lt1"/>
+          </a:fontRef>
+        </p:style>
+        <p:txBody>
+          <a:bodyPr rtlCol="0" anchor="ctr"/>
+          <a:lstStyle/>
+          <a:p>
+            <a:pPr algn="ctr"/>
+            <a:r>
+              <a:rPr lang="fr-FR" b="1" dirty="0">
+                <a:solidFill>
+                  <a:srgbClr val="FF0000"/>
+                </a:solidFill>
+              </a:rPr>
+              <a:t>1</a:t>
+            </a:r>
+          </a:p>
+        </p:txBody>
+      </p:sp>
+      <p:sp>
+        <p:nvSpPr>
+          <p:cNvPr id="15" name="Ellipse 14">
+            <a:extLst>
+              <a:ext uri="{FF2B5EF4-FFF2-40B4-BE49-F238E27FC236}">
+                <a16:creationId xmlns:a16="http://schemas.microsoft.com/office/drawing/2014/main" id="{7405D8B3-16BF-EC20-A07C-A3F61FB9487D}"/>
+              </a:ext>
+            </a:extLst>
+          </p:cNvPr>
+          <p:cNvSpPr/>
+          <p:nvPr/>
+        </p:nvSpPr>
+        <p:spPr>
+          <a:xfrm>
+            <a:off x="5661277" y="3331479"/>
+            <a:ext cx="321734" cy="321734"/>
+          </a:xfrm>
+          <a:prstGeom prst="ellipse">
+            <a:avLst/>
+          </a:prstGeom>
+          <a:solidFill>
+            <a:schemeClr val="bg1"/>
+          </a:solidFill>
+          <a:ln w="28575">
+            <a:solidFill>
+              <a:srgbClr val="FF0000"/>
+            </a:solidFill>
+          </a:ln>
+        </p:spPr>
+        <p:style>
+          <a:lnRef idx="2">
+            <a:schemeClr val="accent1">
+              <a:shade val="50000"/>
+            </a:schemeClr>
+          </a:lnRef>
+          <a:fillRef idx="1">
+            <a:schemeClr val="accent1"/>
+          </a:fillRef>
+          <a:effectRef idx="0">
+            <a:schemeClr val="accent1"/>
+          </a:effectRef>
+          <a:fontRef idx="minor">
+            <a:schemeClr val="lt1"/>
+          </a:fontRef>
+        </p:style>
+        <p:txBody>
+          <a:bodyPr rtlCol="0" anchor="ctr"/>
+          <a:lstStyle/>
+          <a:p>
+            <a:pPr algn="ctr"/>
+            <a:r>
+              <a:rPr lang="fr-FR" b="1" dirty="0">
+                <a:solidFill>
+                  <a:srgbClr val="FF0000"/>
+                </a:solidFill>
+              </a:rPr>
+              <a:t>3</a:t>
+            </a:r>
+          </a:p>
+        </p:txBody>
+      </p:sp>
+      <p:sp>
+        <p:nvSpPr>
+          <p:cNvPr id="16" name="Ellipse 15">
+            <a:extLst>
+              <a:ext uri="{FF2B5EF4-FFF2-40B4-BE49-F238E27FC236}">
+                <a16:creationId xmlns:a16="http://schemas.microsoft.com/office/drawing/2014/main" id="{71A88D17-4EEC-DDC1-D546-B1C51BD452BC}"/>
+              </a:ext>
+            </a:extLst>
+          </p:cNvPr>
+          <p:cNvSpPr/>
+          <p:nvPr/>
+        </p:nvSpPr>
+        <p:spPr>
+          <a:xfrm>
+            <a:off x="4424402" y="3672983"/>
+            <a:ext cx="321734" cy="321734"/>
+          </a:xfrm>
+          <a:prstGeom prst="ellipse">
+            <a:avLst/>
+          </a:prstGeom>
+          <a:solidFill>
+            <a:schemeClr val="bg1"/>
+          </a:solidFill>
+          <a:ln w="28575">
+            <a:solidFill>
+              <a:srgbClr val="FF0000"/>
+            </a:solidFill>
+          </a:ln>
+        </p:spPr>
+        <p:style>
+          <a:lnRef idx="2">
+            <a:schemeClr val="accent1">
+              <a:shade val="50000"/>
+            </a:schemeClr>
+          </a:lnRef>
+          <a:fillRef idx="1">
+            <a:schemeClr val="accent1"/>
+          </a:fillRef>
+          <a:effectRef idx="0">
+            <a:schemeClr val="accent1"/>
+          </a:effectRef>
+          <a:fontRef idx="minor">
+            <a:schemeClr val="lt1"/>
+          </a:fontRef>
+        </p:style>
+        <p:txBody>
+          <a:bodyPr rtlCol="0" anchor="ctr"/>
+          <a:lstStyle/>
+          <a:p>
+            <a:pPr algn="ctr"/>
+            <a:r>
+              <a:rPr lang="fr-FR" b="1" dirty="0">
+                <a:solidFill>
+                  <a:srgbClr val="FF0000"/>
+                </a:solidFill>
+              </a:rPr>
+              <a:t>2</a:t>
+            </a:r>
+          </a:p>
+        </p:txBody>
+      </p:sp>
+      <p:sp>
+        <p:nvSpPr>
+          <p:cNvPr id="17" name="Rectangle 16">
+            <a:extLst>
+              <a:ext uri="{FF2B5EF4-FFF2-40B4-BE49-F238E27FC236}">
+                <a16:creationId xmlns:a16="http://schemas.microsoft.com/office/drawing/2014/main" id="{966EB2D0-48C2-4C7D-C50F-3D53FB983130}"/>
+              </a:ext>
+            </a:extLst>
+          </p:cNvPr>
+          <p:cNvSpPr/>
+          <p:nvPr/>
+        </p:nvSpPr>
+        <p:spPr>
+          <a:xfrm>
+            <a:off x="6087182" y="3405950"/>
+            <a:ext cx="296593" cy="210010"/>
+          </a:xfrm>
+          <a:prstGeom prst="rect">
+            <a:avLst/>
+          </a:prstGeom>
+          <a:noFill/>
+          <a:ln w="38100">
+            <a:solidFill>
+              <a:srgbClr val="FF0000"/>
+            </a:solidFill>
+          </a:ln>
+        </p:spPr>
+        <p:style>
+          <a:lnRef idx="2">
+            <a:schemeClr val="accent1">
+              <a:shade val="50000"/>
+            </a:schemeClr>
+          </a:lnRef>
+          <a:fillRef idx="1">
+            <a:schemeClr val="accent1"/>
+          </a:fillRef>
+          <a:effectRef idx="0">
+            <a:schemeClr val="accent1"/>
+          </a:effectRef>
+          <a:fontRef idx="minor">
+            <a:schemeClr val="lt1"/>
+          </a:fontRef>
+        </p:style>
+        <p:txBody>
+          <a:bodyPr rtlCol="0" anchor="ctr"/>
+          <a:lstStyle/>
+          <a:p>
+            <a:pPr algn="ctr"/>
+            <a:endParaRPr lang="fr-FR"/>
+          </a:p>
+        </p:txBody>
+      </p:sp>
+      <p:sp>
+        <p:nvSpPr>
+          <p:cNvPr id="18" name="Ellipse 17">
+            <a:extLst>
+              <a:ext uri="{FF2B5EF4-FFF2-40B4-BE49-F238E27FC236}">
+                <a16:creationId xmlns:a16="http://schemas.microsoft.com/office/drawing/2014/main" id="{C6EE68CB-B1ED-4467-22DD-44FB4D95065A}"/>
+              </a:ext>
+            </a:extLst>
+          </p:cNvPr>
+          <p:cNvSpPr/>
+          <p:nvPr/>
+        </p:nvSpPr>
+        <p:spPr>
+          <a:xfrm>
+            <a:off x="5718217" y="4524066"/>
+            <a:ext cx="321734" cy="321734"/>
+          </a:xfrm>
+          <a:prstGeom prst="ellipse">
+            <a:avLst/>
+          </a:prstGeom>
+          <a:solidFill>
+            <a:schemeClr val="bg1"/>
+          </a:solidFill>
+          <a:ln w="28575">
+            <a:solidFill>
+              <a:srgbClr val="FF0000"/>
+            </a:solidFill>
+          </a:ln>
+        </p:spPr>
+        <p:style>
+          <a:lnRef idx="2">
+            <a:schemeClr val="accent1">
+              <a:shade val="50000"/>
+            </a:schemeClr>
+          </a:lnRef>
+          <a:fillRef idx="1">
+            <a:schemeClr val="accent1"/>
+          </a:fillRef>
+          <a:effectRef idx="0">
+            <a:schemeClr val="accent1"/>
+          </a:effectRef>
+          <a:fontRef idx="minor">
+            <a:schemeClr val="lt1"/>
+          </a:fontRef>
+        </p:style>
+        <p:txBody>
+          <a:bodyPr rtlCol="0" anchor="ctr"/>
+          <a:lstStyle/>
+          <a:p>
+            <a:pPr algn="ctr"/>
+            <a:r>
+              <a:rPr lang="fr-FR" b="1" dirty="0">
+                <a:solidFill>
+                  <a:srgbClr val="FF0000"/>
+                </a:solidFill>
+              </a:rPr>
+              <a:t>4</a:t>
+            </a:r>
+          </a:p>
+        </p:txBody>
+      </p:sp>
+      <p:pic>
+        <p:nvPicPr>
+          <p:cNvPr id="27" name="Image 26">
+            <a:extLst>
+              <a:ext uri="{FF2B5EF4-FFF2-40B4-BE49-F238E27FC236}">
+                <a16:creationId xmlns:a16="http://schemas.microsoft.com/office/drawing/2014/main" id="{D413A6CF-45CC-AC9C-777D-B79F94B8F962}"/>
+              </a:ext>
+            </a:extLst>
+          </p:cNvPr>
+          <p:cNvPicPr>
+            <a:picLocks noChangeAspect="1"/>
+          </p:cNvPicPr>
+          <p:nvPr/>
+        </p:nvPicPr>
+        <p:blipFill>
+          <a:blip r:embed="rId4"/>
+          <a:stretch>
+            <a:fillRect/>
+          </a:stretch>
+        </p:blipFill>
+        <p:spPr>
+          <a:xfrm>
+            <a:off x="7594049" y="1433933"/>
+            <a:ext cx="4410691" cy="1267002"/>
+          </a:xfrm>
+          <a:prstGeom prst="rect">
+            <a:avLst/>
+          </a:prstGeom>
+        </p:spPr>
+      </p:pic>
+      <p:sp>
+        <p:nvSpPr>
+          <p:cNvPr id="28" name="Rectangle 27">
+            <a:extLst>
+              <a:ext uri="{FF2B5EF4-FFF2-40B4-BE49-F238E27FC236}">
+                <a16:creationId xmlns:a16="http://schemas.microsoft.com/office/drawing/2014/main" id="{0A46395E-A8B1-3C91-7E8F-86BAD345212D}"/>
+              </a:ext>
+            </a:extLst>
+          </p:cNvPr>
+          <p:cNvSpPr/>
+          <p:nvPr/>
+        </p:nvSpPr>
+        <p:spPr>
+          <a:xfrm>
+            <a:off x="10568834" y="2012892"/>
+            <a:ext cx="438255" cy="410268"/>
+          </a:xfrm>
+          <a:prstGeom prst="rect">
+            <a:avLst/>
+          </a:prstGeom>
+          <a:noFill/>
+          <a:ln w="38100">
+            <a:solidFill>
+              <a:srgbClr val="FF0000"/>
+            </a:solidFill>
+          </a:ln>
+        </p:spPr>
+        <p:style>
+          <a:lnRef idx="2">
+            <a:schemeClr val="accent1">
+              <a:shade val="50000"/>
+            </a:schemeClr>
+          </a:lnRef>
+          <a:fillRef idx="1">
+            <a:schemeClr val="accent1"/>
+          </a:fillRef>
+          <a:effectRef idx="0">
+            <a:schemeClr val="accent1"/>
+          </a:effectRef>
+          <a:fontRef idx="minor">
+            <a:schemeClr val="lt1"/>
+          </a:fontRef>
+        </p:style>
+        <p:txBody>
+          <a:bodyPr rtlCol="0" anchor="ctr"/>
+          <a:lstStyle/>
+          <a:p>
+            <a:pPr algn="ctr"/>
+            <a:endParaRPr lang="fr-FR"/>
+          </a:p>
+        </p:txBody>
+      </p:sp>
+    </p:spTree>
+    <p:extLst>
+      <p:ext uri="{BB962C8B-B14F-4D97-AF65-F5344CB8AC3E}">
+        <p14:creationId xmlns:p14="http://schemas.microsoft.com/office/powerpoint/2010/main" val="3314841476"/>
       </p:ext>
     </p:extLst>
   </p:cSld>
